--- a/SBA_Loan_Precentation.pptx
+++ b/SBA_Loan_Precentation.pptx
@@ -8,7 +8,7 @@
     <p:sldMasterId id="2147483690" r:id="rId4"/>
   </p:sldMasterIdLst>
   <p:notesMasterIdLst>
-    <p:notesMasterId r:id="rId22"/>
+    <p:notesMasterId r:id="rId26"/>
   </p:notesMasterIdLst>
   <p:sldIdLst>
     <p:sldId id="256" r:id="rId5"/>
@@ -21,13 +21,17 @@
     <p:sldId id="310" r:id="rId12"/>
     <p:sldId id="311" r:id="rId13"/>
     <p:sldId id="309" r:id="rId14"/>
-    <p:sldId id="308" r:id="rId15"/>
-    <p:sldId id="312" r:id="rId16"/>
-    <p:sldId id="313" r:id="rId17"/>
-    <p:sldId id="316" r:id="rId18"/>
-    <p:sldId id="317" r:id="rId19"/>
-    <p:sldId id="318" r:id="rId20"/>
-    <p:sldId id="315" r:id="rId21"/>
+    <p:sldId id="319" r:id="rId15"/>
+    <p:sldId id="320" r:id="rId16"/>
+    <p:sldId id="308" r:id="rId17"/>
+    <p:sldId id="312" r:id="rId18"/>
+    <p:sldId id="313" r:id="rId19"/>
+    <p:sldId id="316" r:id="rId20"/>
+    <p:sldId id="317" r:id="rId21"/>
+    <p:sldId id="318" r:id="rId22"/>
+    <p:sldId id="321" r:id="rId23"/>
+    <p:sldId id="322" r:id="rId24"/>
+    <p:sldId id="315" r:id="rId25"/>
   </p:sldIdLst>
   <p:sldSz cx="12192000" cy="6858000"/>
   <p:notesSz cx="6858000" cy="9144000"/>
@@ -227,7 +231,7 @@
           <a:p>
             <a:fld id="{7A40E024-C9D5-4EA4-B4B7-FBAFE9371D3E}" type="datetimeFigureOut">
               <a:rPr lang="id-ID" smtClean="0"/>
-              <a:t>29/05/2020</a:t>
+              <a:t>01/06/2020</a:t>
             </a:fld>
             <a:endParaRPr lang="id-ID"/>
           </a:p>
@@ -831,6 +835,174 @@
 </p:notes>
 </file>
 
+<file path=ppt/notesSlides/notesSlide5.xml><?xml version="1.0" encoding="utf-8"?>
+<p:notes xmlns:a="http://schemas.openxmlformats.org/drawingml/2006/main" xmlns:r="http://schemas.openxmlformats.org/officeDocument/2006/relationships" xmlns:p="http://schemas.openxmlformats.org/presentationml/2006/main">
+  <p:cSld>
+    <p:spTree>
+      <p:nvGrpSpPr>
+        <p:cNvPr id="1" name=""/>
+        <p:cNvGrpSpPr/>
+        <p:nvPr/>
+      </p:nvGrpSpPr>
+      <p:grpSpPr>
+        <a:xfrm>
+          <a:off x="0" y="0"/>
+          <a:ext cx="0" cy="0"/>
+          <a:chOff x="0" y="0"/>
+          <a:chExt cx="0" cy="0"/>
+        </a:xfrm>
+      </p:grpSpPr>
+      <p:sp>
+        <p:nvSpPr>
+          <p:cNvPr id="2" name="Slide Image Placeholder 1"/>
+          <p:cNvSpPr>
+            <a:spLocks noGrp="1" noRot="1" noChangeAspect="1"/>
+          </p:cNvSpPr>
+          <p:nvPr>
+            <p:ph type="sldImg"/>
+          </p:nvPr>
+        </p:nvSpPr>
+        <p:spPr/>
+      </p:sp>
+      <p:sp>
+        <p:nvSpPr>
+          <p:cNvPr id="3" name="Notes Placeholder 2"/>
+          <p:cNvSpPr>
+            <a:spLocks noGrp="1"/>
+          </p:cNvSpPr>
+          <p:nvPr>
+            <p:ph type="body" idx="1"/>
+          </p:nvPr>
+        </p:nvSpPr>
+        <p:spPr/>
+        <p:txBody>
+          <a:bodyPr/>
+          <a:lstStyle/>
+          <a:p>
+            <a:endParaRPr lang="id-ID" dirty="0"/>
+          </a:p>
+        </p:txBody>
+      </p:sp>
+      <p:sp>
+        <p:nvSpPr>
+          <p:cNvPr id="4" name="Slide Number Placeholder 3"/>
+          <p:cNvSpPr>
+            <a:spLocks noGrp="1"/>
+          </p:cNvSpPr>
+          <p:nvPr>
+            <p:ph type="sldNum" sz="quarter" idx="10"/>
+          </p:nvPr>
+        </p:nvSpPr>
+        <p:spPr/>
+        <p:txBody>
+          <a:bodyPr/>
+          <a:lstStyle/>
+          <a:p>
+            <a:fld id="{2FBD0D01-94C0-4C81-9945-25EB085E556A}" type="slidenum">
+              <a:rPr lang="id-ID" smtClean="0"/>
+              <a:t>19</a:t>
+            </a:fld>
+            <a:endParaRPr lang="id-ID"/>
+          </a:p>
+        </p:txBody>
+      </p:sp>
+    </p:spTree>
+    <p:extLst>
+      <p:ext uri="{BB962C8B-B14F-4D97-AF65-F5344CB8AC3E}">
+        <p14:creationId xmlns:p14="http://schemas.microsoft.com/office/powerpoint/2010/main" val="1302678488"/>
+      </p:ext>
+    </p:extLst>
+  </p:cSld>
+  <p:clrMapOvr>
+    <a:masterClrMapping/>
+  </p:clrMapOvr>
+</p:notes>
+</file>
+
+<file path=ppt/notesSlides/notesSlide6.xml><?xml version="1.0" encoding="utf-8"?>
+<p:notes xmlns:a="http://schemas.openxmlformats.org/drawingml/2006/main" xmlns:r="http://schemas.openxmlformats.org/officeDocument/2006/relationships" xmlns:p="http://schemas.openxmlformats.org/presentationml/2006/main">
+  <p:cSld>
+    <p:spTree>
+      <p:nvGrpSpPr>
+        <p:cNvPr id="1" name=""/>
+        <p:cNvGrpSpPr/>
+        <p:nvPr/>
+      </p:nvGrpSpPr>
+      <p:grpSpPr>
+        <a:xfrm>
+          <a:off x="0" y="0"/>
+          <a:ext cx="0" cy="0"/>
+          <a:chOff x="0" y="0"/>
+          <a:chExt cx="0" cy="0"/>
+        </a:xfrm>
+      </p:grpSpPr>
+      <p:sp>
+        <p:nvSpPr>
+          <p:cNvPr id="2" name="Slide Image Placeholder 1"/>
+          <p:cNvSpPr>
+            <a:spLocks noGrp="1" noRot="1" noChangeAspect="1"/>
+          </p:cNvSpPr>
+          <p:nvPr>
+            <p:ph type="sldImg"/>
+          </p:nvPr>
+        </p:nvSpPr>
+        <p:spPr/>
+      </p:sp>
+      <p:sp>
+        <p:nvSpPr>
+          <p:cNvPr id="3" name="Notes Placeholder 2"/>
+          <p:cNvSpPr>
+            <a:spLocks noGrp="1"/>
+          </p:cNvSpPr>
+          <p:nvPr>
+            <p:ph type="body" idx="1"/>
+          </p:nvPr>
+        </p:nvSpPr>
+        <p:spPr/>
+        <p:txBody>
+          <a:bodyPr/>
+          <a:lstStyle/>
+          <a:p>
+            <a:endParaRPr lang="en-US" dirty="0"/>
+          </a:p>
+        </p:txBody>
+      </p:sp>
+      <p:sp>
+        <p:nvSpPr>
+          <p:cNvPr id="4" name="Slide Number Placeholder 3"/>
+          <p:cNvSpPr>
+            <a:spLocks noGrp="1"/>
+          </p:cNvSpPr>
+          <p:nvPr>
+            <p:ph type="sldNum" sz="quarter" idx="5"/>
+          </p:nvPr>
+        </p:nvSpPr>
+        <p:spPr/>
+        <p:txBody>
+          <a:bodyPr/>
+          <a:lstStyle/>
+          <a:p>
+            <a:fld id="{FE5C6CE7-F933-4942-8E42-0F83257D7CCB}" type="slidenum">
+              <a:rPr lang="id-ID" smtClean="0"/>
+              <a:t>20</a:t>
+            </a:fld>
+            <a:endParaRPr lang="id-ID"/>
+          </a:p>
+        </p:txBody>
+      </p:sp>
+    </p:spTree>
+    <p:extLst>
+      <p:ext uri="{BB962C8B-B14F-4D97-AF65-F5344CB8AC3E}">
+        <p14:creationId xmlns:p14="http://schemas.microsoft.com/office/powerpoint/2010/main" val="4158018581"/>
+      </p:ext>
+    </p:extLst>
+  </p:cSld>
+  <p:clrMapOvr>
+    <a:masterClrMapping/>
+  </p:clrMapOvr>
+</p:notes>
+</file>
+
 <file path=ppt/slideLayouts/slideLayout1.xml><?xml version="1.0" encoding="utf-8"?>
 <p:sldLayout xmlns:a="http://schemas.openxmlformats.org/drawingml/2006/main" xmlns:r="http://schemas.openxmlformats.org/officeDocument/2006/relationships" xmlns:p="http://schemas.openxmlformats.org/presentationml/2006/main" type="title" preserve="1">
   <p:cSld name="Title Slide">
@@ -962,7 +1134,7 @@
           <a:p>
             <a:fld id="{F4DDFEFA-C047-40C9-9465-BAEAE480DD14}" type="datetimeFigureOut">
               <a:rPr lang="id-ID" smtClean="0"/>
-              <a:t>29/05/2020</a:t>
+              <a:t>01/06/2020</a:t>
             </a:fld>
             <a:endParaRPr lang="id-ID"/>
           </a:p>
@@ -1132,7 +1304,7 @@
           <a:p>
             <a:fld id="{F4DDFEFA-C047-40C9-9465-BAEAE480DD14}" type="datetimeFigureOut">
               <a:rPr lang="id-ID" smtClean="0"/>
-              <a:t>29/05/2020</a:t>
+              <a:t>01/06/2020</a:t>
             </a:fld>
             <a:endParaRPr lang="id-ID"/>
           </a:p>
@@ -1312,7 +1484,7 @@
           <a:p>
             <a:fld id="{F4DDFEFA-C047-40C9-9465-BAEAE480DD14}" type="datetimeFigureOut">
               <a:rPr lang="id-ID" smtClean="0"/>
-              <a:t>29/05/2020</a:t>
+              <a:t>01/06/2020</a:t>
             </a:fld>
             <a:endParaRPr lang="id-ID"/>
           </a:p>
@@ -3342,7 +3514,7 @@
           <a:p>
             <a:fld id="{F4DDFEFA-C047-40C9-9465-BAEAE480DD14}" type="datetimeFigureOut">
               <a:rPr lang="id-ID" smtClean="0"/>
-              <a:t>29/05/2020</a:t>
+              <a:t>01/06/2020</a:t>
             </a:fld>
             <a:endParaRPr lang="id-ID"/>
           </a:p>
@@ -6811,7 +6983,7 @@
           <a:p>
             <a:fld id="{F4DDFEFA-C047-40C9-9465-BAEAE480DD14}" type="datetimeFigureOut">
               <a:rPr lang="id-ID" smtClean="0"/>
-              <a:t>29/05/2020</a:t>
+              <a:t>01/06/2020</a:t>
             </a:fld>
             <a:endParaRPr lang="id-ID"/>
           </a:p>
@@ -11008,7 +11180,7 @@
           <a:p>
             <a:fld id="{F4DDFEFA-C047-40C9-9465-BAEAE480DD14}" type="datetimeFigureOut">
               <a:rPr lang="id-ID" smtClean="0"/>
-              <a:t>29/05/2020</a:t>
+              <a:t>01/06/2020</a:t>
             </a:fld>
             <a:endParaRPr lang="id-ID"/>
           </a:p>
@@ -14623,7 +14795,7 @@
           <a:p>
             <a:fld id="{F4DDFEFA-C047-40C9-9465-BAEAE480DD14}" type="datetimeFigureOut">
               <a:rPr lang="id-ID" smtClean="0"/>
-              <a:t>29/05/2020</a:t>
+              <a:t>01/06/2020</a:t>
             </a:fld>
             <a:endParaRPr lang="id-ID"/>
           </a:p>
@@ -16670,7 +16842,7 @@
           <a:p>
             <a:fld id="{F4DDFEFA-C047-40C9-9465-BAEAE480DD14}" type="datetimeFigureOut">
               <a:rPr lang="id-ID" smtClean="0"/>
-              <a:t>29/05/2020</a:t>
+              <a:t>01/06/2020</a:t>
             </a:fld>
             <a:endParaRPr lang="id-ID"/>
           </a:p>
@@ -16765,7 +16937,7 @@
           <a:p>
             <a:fld id="{F4DDFEFA-C047-40C9-9465-BAEAE480DD14}" type="datetimeFigureOut">
               <a:rPr lang="id-ID" smtClean="0"/>
-              <a:t>29/05/2020</a:t>
+              <a:t>01/06/2020</a:t>
             </a:fld>
             <a:endParaRPr lang="id-ID"/>
           </a:p>
@@ -17042,7 +17214,7 @@
           <a:p>
             <a:fld id="{F4DDFEFA-C047-40C9-9465-BAEAE480DD14}" type="datetimeFigureOut">
               <a:rPr lang="id-ID" smtClean="0"/>
-              <a:t>29/05/2020</a:t>
+              <a:t>01/06/2020</a:t>
             </a:fld>
             <a:endParaRPr lang="id-ID"/>
           </a:p>
@@ -17295,7 +17467,7 @@
           <a:p>
             <a:fld id="{F4DDFEFA-C047-40C9-9465-BAEAE480DD14}" type="datetimeFigureOut">
               <a:rPr lang="id-ID" smtClean="0"/>
-              <a:t>29/05/2020</a:t>
+              <a:t>01/06/2020</a:t>
             </a:fld>
             <a:endParaRPr lang="id-ID"/>
           </a:p>
@@ -17508,7 +17680,7 @@
           <a:p>
             <a:fld id="{F4DDFEFA-C047-40C9-9465-BAEAE480DD14}" type="datetimeFigureOut">
               <a:rPr lang="id-ID" smtClean="0"/>
-              <a:t>29/05/2020</a:t>
+              <a:t>01/06/2020</a:t>
             </a:fld>
             <a:endParaRPr lang="id-ID"/>
           </a:p>
@@ -19047,7 +19219,7 @@
         </p:nvSpPr>
         <p:spPr>
           <a:xfrm>
-            <a:off x="3194433" y="2497093"/>
+            <a:off x="3194433" y="2446242"/>
             <a:ext cx="5643825" cy="1802944"/>
           </a:xfrm>
           <a:prstGeom prst="rect">
@@ -19215,7 +19387,7 @@
               <a:defRPr/>
             </a:pPr>
             <a:r>
-              <a:rPr kumimoji="0" lang="en-US" altLang="ko-KR" sz="2800" b="1" i="0" u="none" strike="noStrike" kern="1200" cap="none" spc="0" normalizeH="0" baseline="0" noProof="0" dirty="0">
+              <a:rPr kumimoji="0" lang="en-US" altLang="ko-KR" sz="2400" b="1" i="0" u="none" strike="noStrike" kern="1200" cap="none" spc="0" normalizeH="0" baseline="0" noProof="0" dirty="0">
                 <a:ln>
                   <a:noFill/>
                 </a:ln>
@@ -19229,10 +19401,10 @@
                 <a:ea typeface="맑은 고딕" pitchFamily="50" charset="-127"/>
                 <a:cs typeface="Arial" pitchFamily="34" charset="0"/>
               </a:rPr>
-              <a:t>Small Business </a:t>
+              <a:t>U.S. Small Business </a:t>
             </a:r>
             <a:r>
-              <a:rPr kumimoji="0" lang="en-US" altLang="ko-KR" sz="2800" b="1" i="0" u="none" strike="noStrike" kern="1200" cap="none" spc="0" normalizeH="0" baseline="0" noProof="0" dirty="0" err="1">
+              <a:rPr kumimoji="0" lang="en-US" altLang="ko-KR" sz="2400" b="1" i="0" u="none" strike="noStrike" kern="1200" cap="none" spc="0" normalizeH="0" baseline="0" noProof="0" dirty="0" err="1">
                 <a:ln>
                   <a:noFill/>
                 </a:ln>
@@ -19248,7 +19420,7 @@
               </a:rPr>
               <a:t>Administrasion</a:t>
             </a:r>
-            <a:endParaRPr kumimoji="0" lang="en-US" altLang="ko-KR" sz="2800" b="1" i="0" u="none" strike="noStrike" kern="1200" cap="none" spc="0" normalizeH="0" baseline="0" noProof="0" dirty="0">
+            <a:endParaRPr kumimoji="0" lang="en-US" altLang="ko-KR" sz="2400" b="1" i="0" u="none" strike="noStrike" kern="1200" cap="none" spc="0" normalizeH="0" baseline="0" noProof="0" dirty="0">
               <a:ln>
                 <a:noFill/>
               </a:ln>
@@ -19282,7 +19454,7 @@
               <a:defRPr/>
             </a:pPr>
             <a:r>
-              <a:rPr lang="en-US" altLang="ko-KR" sz="2800" dirty="0">
+              <a:rPr lang="en-US" altLang="ko-KR" sz="2400" dirty="0">
                 <a:solidFill>
                   <a:srgbClr val="262E69"/>
                 </a:solidFill>
@@ -19291,7 +19463,42 @@
               </a:rPr>
               <a:t>Loan Approval Prediction</a:t>
             </a:r>
-            <a:endParaRPr kumimoji="0" lang="en-US" altLang="ko-KR" sz="2800" b="1" i="0" u="none" strike="noStrike" kern="1200" cap="none" spc="0" normalizeH="0" baseline="0" noProof="0" dirty="0">
+          </a:p>
+          <a:p>
+            <a:pPr marL="0" marR="0" lvl="0" indent="0" algn="ctr" defTabSz="914400" rtl="0" eaLnBrk="1" fontAlgn="auto" latinLnBrk="1" hangingPunct="1">
+              <a:lnSpc>
+                <a:spcPct val="100000"/>
+              </a:lnSpc>
+              <a:spcBef>
+                <a:spcPct val="20000"/>
+              </a:spcBef>
+              <a:spcAft>
+                <a:spcPts val="0"/>
+              </a:spcAft>
+              <a:buClrTx/>
+              <a:buSzTx/>
+              <a:buFont typeface="Arial" pitchFamily="34" charset="0"/>
+              <a:buNone/>
+              <a:tabLst/>
+              <a:defRPr/>
+            </a:pPr>
+            <a:r>
+              <a:rPr kumimoji="0" lang="en-US" altLang="ko-KR" sz="2400" b="1" i="0" u="none" strike="noStrike" kern="1200" cap="none" spc="0" normalizeH="0" baseline="0" noProof="0" dirty="0">
+                <a:ln>
+                  <a:noFill/>
+                </a:ln>
+                <a:solidFill>
+                  <a:srgbClr val="262E69"/>
+                </a:solidFill>
+                <a:effectLst/>
+                <a:uLnTx/>
+                <a:uFillTx/>
+                <a:latin typeface="Arial"/>
+                <a:ea typeface="맑은 고딕" pitchFamily="50" charset="-127"/>
+              </a:rPr>
+              <a:t>Application</a:t>
+            </a:r>
+            <a:endParaRPr kumimoji="0" lang="en-US" altLang="ko-KR" sz="2400" b="1" i="0" u="none" strike="noStrike" kern="1200" cap="none" spc="0" normalizeH="0" baseline="0" noProof="0" dirty="0">
               <a:ln>
                 <a:noFill/>
               </a:ln>
@@ -19301,251 +19508,6 @@
               <a:effectLst/>
               <a:uLnTx/>
               <a:uFillTx/>
-              <a:latin typeface="Arial"/>
-              <a:ea typeface="Arial Unicode MS"/>
-            </a:endParaRPr>
-          </a:p>
-        </p:txBody>
-      </p:sp>
-      <p:sp>
-        <p:nvSpPr>
-          <p:cNvPr id="17" name="Text Placeholder 3"/>
-          <p:cNvSpPr txBox="1">
-            <a:spLocks/>
-          </p:cNvSpPr>
-          <p:nvPr/>
-        </p:nvSpPr>
-        <p:spPr>
-          <a:xfrm>
-            <a:off x="3710901" y="4602821"/>
-            <a:ext cx="4497694" cy="639465"/>
-          </a:xfrm>
-          <a:prstGeom prst="rect">
-            <a:avLst/>
-          </a:prstGeom>
-        </p:spPr>
-        <p:txBody>
-          <a:bodyPr anchor="ctr"/>
-          <a:lstStyle>
-            <a:lvl1pPr marL="0" indent="0" algn="ctr" defTabSz="914400" rtl="0" eaLnBrk="1" fontAlgn="auto" latinLnBrk="1" hangingPunct="1">
-              <a:lnSpc>
-                <a:spcPct val="100000"/>
-              </a:lnSpc>
-              <a:spcBef>
-                <a:spcPts val="0"/>
-              </a:spcBef>
-              <a:spcAft>
-                <a:spcPts val="0"/>
-              </a:spcAft>
-              <a:buFont typeface="Arial" pitchFamily="34" charset="0"/>
-              <a:buNone/>
-              <a:defRPr sz="1200" b="1" kern="1200" baseline="0">
-                <a:solidFill>
-                  <a:schemeClr val="accent1"/>
-                </a:solidFill>
-                <a:latin typeface="+mn-lt"/>
-                <a:ea typeface="+mn-ea"/>
-                <a:cs typeface="Arial" pitchFamily="34" charset="0"/>
-              </a:defRPr>
-            </a:lvl1pPr>
-            <a:lvl2pPr marL="742950" indent="-285750" algn="l" defTabSz="914400" rtl="0" eaLnBrk="1" latinLnBrk="1" hangingPunct="1">
-              <a:spcBef>
-                <a:spcPct val="20000"/>
-              </a:spcBef>
-              <a:buFont typeface="Arial" pitchFamily="34" charset="0"/>
-              <a:buChar char="–"/>
-              <a:defRPr sz="2800" kern="1200">
-                <a:solidFill>
-                  <a:schemeClr val="tx1"/>
-                </a:solidFill>
-                <a:latin typeface="+mn-lt"/>
-                <a:ea typeface="+mn-ea"/>
-                <a:cs typeface="+mn-cs"/>
-              </a:defRPr>
-            </a:lvl2pPr>
-            <a:lvl3pPr marL="1143000" indent="-228600" algn="l" defTabSz="914400" rtl="0" eaLnBrk="1" latinLnBrk="1" hangingPunct="1">
-              <a:spcBef>
-                <a:spcPct val="20000"/>
-              </a:spcBef>
-              <a:buFont typeface="Arial" pitchFamily="34" charset="0"/>
-              <a:buChar char="•"/>
-              <a:defRPr sz="2400" kern="1200">
-                <a:solidFill>
-                  <a:schemeClr val="tx1"/>
-                </a:solidFill>
-                <a:latin typeface="+mn-lt"/>
-                <a:ea typeface="+mn-ea"/>
-                <a:cs typeface="+mn-cs"/>
-              </a:defRPr>
-            </a:lvl3pPr>
-            <a:lvl4pPr marL="1600200" indent="-228600" algn="l" defTabSz="914400" rtl="0" eaLnBrk="1" latinLnBrk="1" hangingPunct="1">
-              <a:spcBef>
-                <a:spcPct val="20000"/>
-              </a:spcBef>
-              <a:buFont typeface="Arial" pitchFamily="34" charset="0"/>
-              <a:buChar char="–"/>
-              <a:defRPr sz="2000" kern="1200">
-                <a:solidFill>
-                  <a:schemeClr val="tx1"/>
-                </a:solidFill>
-                <a:latin typeface="+mn-lt"/>
-                <a:ea typeface="+mn-ea"/>
-                <a:cs typeface="+mn-cs"/>
-              </a:defRPr>
-            </a:lvl4pPr>
-            <a:lvl5pPr marL="2057400" indent="-228600" algn="l" defTabSz="914400" rtl="0" eaLnBrk="1" latinLnBrk="1" hangingPunct="1">
-              <a:spcBef>
-                <a:spcPct val="20000"/>
-              </a:spcBef>
-              <a:buFont typeface="Arial" pitchFamily="34" charset="0"/>
-              <a:buChar char="»"/>
-              <a:defRPr sz="2000" kern="1200">
-                <a:solidFill>
-                  <a:schemeClr val="tx1"/>
-                </a:solidFill>
-                <a:latin typeface="+mn-lt"/>
-                <a:ea typeface="+mn-ea"/>
-                <a:cs typeface="+mn-cs"/>
-              </a:defRPr>
-            </a:lvl5pPr>
-            <a:lvl6pPr marL="2514600" indent="-228600" algn="l" defTabSz="914400" rtl="0" eaLnBrk="1" latinLnBrk="1" hangingPunct="1">
-              <a:spcBef>
-                <a:spcPct val="20000"/>
-              </a:spcBef>
-              <a:buFont typeface="Arial" pitchFamily="34" charset="0"/>
-              <a:buChar char="•"/>
-              <a:defRPr sz="2000" kern="1200">
-                <a:solidFill>
-                  <a:schemeClr val="tx1"/>
-                </a:solidFill>
-                <a:latin typeface="+mn-lt"/>
-                <a:ea typeface="+mn-ea"/>
-                <a:cs typeface="+mn-cs"/>
-              </a:defRPr>
-            </a:lvl6pPr>
-            <a:lvl7pPr marL="2971800" indent="-228600" algn="l" defTabSz="914400" rtl="0" eaLnBrk="1" latinLnBrk="1" hangingPunct="1">
-              <a:spcBef>
-                <a:spcPct val="20000"/>
-              </a:spcBef>
-              <a:buFont typeface="Arial" pitchFamily="34" charset="0"/>
-              <a:buChar char="•"/>
-              <a:defRPr sz="2000" kern="1200">
-                <a:solidFill>
-                  <a:schemeClr val="tx1"/>
-                </a:solidFill>
-                <a:latin typeface="+mn-lt"/>
-                <a:ea typeface="+mn-ea"/>
-                <a:cs typeface="+mn-cs"/>
-              </a:defRPr>
-            </a:lvl7pPr>
-            <a:lvl8pPr marL="3429000" indent="-228600" algn="l" defTabSz="914400" rtl="0" eaLnBrk="1" latinLnBrk="1" hangingPunct="1">
-              <a:spcBef>
-                <a:spcPct val="20000"/>
-              </a:spcBef>
-              <a:buFont typeface="Arial" pitchFamily="34" charset="0"/>
-              <a:buChar char="•"/>
-              <a:defRPr sz="2000" kern="1200">
-                <a:solidFill>
-                  <a:schemeClr val="tx1"/>
-                </a:solidFill>
-                <a:latin typeface="+mn-lt"/>
-                <a:ea typeface="+mn-ea"/>
-                <a:cs typeface="+mn-cs"/>
-              </a:defRPr>
-            </a:lvl8pPr>
-            <a:lvl9pPr marL="3886200" indent="-228600" algn="l" defTabSz="914400" rtl="0" eaLnBrk="1" latinLnBrk="1" hangingPunct="1">
-              <a:spcBef>
-                <a:spcPct val="20000"/>
-              </a:spcBef>
-              <a:buFont typeface="Arial" pitchFamily="34" charset="0"/>
-              <a:buChar char="•"/>
-              <a:defRPr sz="2000" kern="1200">
-                <a:solidFill>
-                  <a:schemeClr val="tx1"/>
-                </a:solidFill>
-                <a:latin typeface="+mn-lt"/>
-                <a:ea typeface="+mn-ea"/>
-                <a:cs typeface="+mn-cs"/>
-              </a:defRPr>
-            </a:lvl9pPr>
-          </a:lstStyle>
-          <a:p>
-            <a:pPr lvl="0">
-              <a:defRPr/>
-            </a:pPr>
-            <a:r>
-              <a:rPr lang="id-ID" altLang="ko-KR" sz="1800" dirty="0">
-                <a:solidFill>
-                  <a:srgbClr val="262E69"/>
-                </a:solidFill>
-                <a:latin typeface="Arial"/>
-                <a:ea typeface="Arial Unicode MS"/>
-              </a:rPr>
-              <a:t>BAGJA SATIARAHARJA</a:t>
-            </a:r>
-            <a:endParaRPr lang="en-US" altLang="ko-KR" sz="1800" dirty="0">
-              <a:solidFill>
-                <a:srgbClr val="262E69"/>
-              </a:solidFill>
-              <a:latin typeface="Arial"/>
-              <a:ea typeface="Arial Unicode MS"/>
-            </a:endParaRPr>
-          </a:p>
-          <a:p>
-            <a:pPr lvl="0">
-              <a:defRPr/>
-            </a:pPr>
-            <a:endParaRPr lang="id-ID" altLang="ko-KR" sz="1800" dirty="0">
-              <a:solidFill>
-                <a:srgbClr val="262E69"/>
-              </a:solidFill>
-              <a:latin typeface="Arial"/>
-              <a:ea typeface="Arial Unicode MS"/>
-            </a:endParaRPr>
-          </a:p>
-          <a:p>
-            <a:pPr>
-              <a:defRPr/>
-            </a:pPr>
-            <a:r>
-              <a:rPr lang="en-US" altLang="ko-KR" sz="1800" dirty="0" err="1">
-                <a:solidFill>
-                  <a:srgbClr val="262E69"/>
-                </a:solidFill>
-                <a:latin typeface="Arial"/>
-                <a:ea typeface="맑은 고딕" pitchFamily="50" charset="-127"/>
-              </a:rPr>
-              <a:t>Purwadhika</a:t>
-            </a:r>
-            <a:r>
-              <a:rPr lang="en-US" altLang="ko-KR" sz="1800" dirty="0">
-                <a:solidFill>
-                  <a:srgbClr val="262E69"/>
-                </a:solidFill>
-                <a:latin typeface="Arial"/>
-                <a:ea typeface="맑은 고딕" pitchFamily="50" charset="-127"/>
-              </a:rPr>
-              <a:t> Startup and Coding School</a:t>
-            </a:r>
-          </a:p>
-          <a:p>
-            <a:pPr>
-              <a:defRPr/>
-            </a:pPr>
-            <a:r>
-              <a:rPr lang="en-US" altLang="ko-KR" sz="1800" dirty="0">
-                <a:solidFill>
-                  <a:srgbClr val="262E69"/>
-                </a:solidFill>
-                <a:latin typeface="Arial"/>
-                <a:ea typeface="맑은 고딕" pitchFamily="50" charset="-127"/>
-              </a:rPr>
-              <a:t>Data Science Trainee</a:t>
-            </a:r>
-            <a:endParaRPr lang="en-US" altLang="ko-KR" sz="1800" dirty="0">
-              <a:solidFill>
-                <a:srgbClr val="262E69"/>
-              </a:solidFill>
               <a:latin typeface="Arial"/>
               <a:ea typeface="Arial Unicode MS"/>
             </a:endParaRPr>
@@ -19754,6 +19716,257 @@
           </a:prstGeom>
         </p:spPr>
       </p:pic>
+      <p:sp>
+        <p:nvSpPr>
+          <p:cNvPr id="14" name="Text Placeholder 3">
+            <a:extLst>
+              <a:ext uri="{FF2B5EF4-FFF2-40B4-BE49-F238E27FC236}">
+                <a16:creationId xmlns:a16="http://schemas.microsoft.com/office/drawing/2014/main" id="{20A57053-1E9A-449C-B846-86FDDD60F3BA}"/>
+              </a:ext>
+            </a:extLst>
+          </p:cNvPr>
+          <p:cNvSpPr txBox="1">
+            <a:spLocks/>
+          </p:cNvSpPr>
+          <p:nvPr/>
+        </p:nvSpPr>
+        <p:spPr>
+          <a:xfrm>
+            <a:off x="3710901" y="4514109"/>
+            <a:ext cx="4497694" cy="639465"/>
+          </a:xfrm>
+          <a:prstGeom prst="rect">
+            <a:avLst/>
+          </a:prstGeom>
+        </p:spPr>
+        <p:txBody>
+          <a:bodyPr anchor="ctr"/>
+          <a:lstStyle>
+            <a:lvl1pPr marL="0" indent="0" algn="ctr" defTabSz="914400" rtl="0" eaLnBrk="1" fontAlgn="auto" latinLnBrk="1" hangingPunct="1">
+              <a:lnSpc>
+                <a:spcPct val="100000"/>
+              </a:lnSpc>
+              <a:spcBef>
+                <a:spcPts val="0"/>
+              </a:spcBef>
+              <a:spcAft>
+                <a:spcPts val="0"/>
+              </a:spcAft>
+              <a:buFont typeface="Arial" pitchFamily="34" charset="0"/>
+              <a:buNone/>
+              <a:defRPr sz="1200" b="1" kern="1200" baseline="0">
+                <a:solidFill>
+                  <a:schemeClr val="accent1"/>
+                </a:solidFill>
+                <a:latin typeface="+mn-lt"/>
+                <a:ea typeface="+mn-ea"/>
+                <a:cs typeface="Arial" pitchFamily="34" charset="0"/>
+              </a:defRPr>
+            </a:lvl1pPr>
+            <a:lvl2pPr marL="742950" indent="-285750" algn="l" defTabSz="914400" rtl="0" eaLnBrk="1" latinLnBrk="1" hangingPunct="1">
+              <a:spcBef>
+                <a:spcPct val="20000"/>
+              </a:spcBef>
+              <a:buFont typeface="Arial" pitchFamily="34" charset="0"/>
+              <a:buChar char="–"/>
+              <a:defRPr sz="2800" kern="1200">
+                <a:solidFill>
+                  <a:schemeClr val="tx1"/>
+                </a:solidFill>
+                <a:latin typeface="+mn-lt"/>
+                <a:ea typeface="+mn-ea"/>
+                <a:cs typeface="+mn-cs"/>
+              </a:defRPr>
+            </a:lvl2pPr>
+            <a:lvl3pPr marL="1143000" indent="-228600" algn="l" defTabSz="914400" rtl="0" eaLnBrk="1" latinLnBrk="1" hangingPunct="1">
+              <a:spcBef>
+                <a:spcPct val="20000"/>
+              </a:spcBef>
+              <a:buFont typeface="Arial" pitchFamily="34" charset="0"/>
+              <a:buChar char="•"/>
+              <a:defRPr sz="2400" kern="1200">
+                <a:solidFill>
+                  <a:schemeClr val="tx1"/>
+                </a:solidFill>
+                <a:latin typeface="+mn-lt"/>
+                <a:ea typeface="+mn-ea"/>
+                <a:cs typeface="+mn-cs"/>
+              </a:defRPr>
+            </a:lvl3pPr>
+            <a:lvl4pPr marL="1600200" indent="-228600" algn="l" defTabSz="914400" rtl="0" eaLnBrk="1" latinLnBrk="1" hangingPunct="1">
+              <a:spcBef>
+                <a:spcPct val="20000"/>
+              </a:spcBef>
+              <a:buFont typeface="Arial" pitchFamily="34" charset="0"/>
+              <a:buChar char="–"/>
+              <a:defRPr sz="2000" kern="1200">
+                <a:solidFill>
+                  <a:schemeClr val="tx1"/>
+                </a:solidFill>
+                <a:latin typeface="+mn-lt"/>
+                <a:ea typeface="+mn-ea"/>
+                <a:cs typeface="+mn-cs"/>
+              </a:defRPr>
+            </a:lvl4pPr>
+            <a:lvl5pPr marL="2057400" indent="-228600" algn="l" defTabSz="914400" rtl="0" eaLnBrk="1" latinLnBrk="1" hangingPunct="1">
+              <a:spcBef>
+                <a:spcPct val="20000"/>
+              </a:spcBef>
+              <a:buFont typeface="Arial" pitchFamily="34" charset="0"/>
+              <a:buChar char="»"/>
+              <a:defRPr sz="2000" kern="1200">
+                <a:solidFill>
+                  <a:schemeClr val="tx1"/>
+                </a:solidFill>
+                <a:latin typeface="+mn-lt"/>
+                <a:ea typeface="+mn-ea"/>
+                <a:cs typeface="+mn-cs"/>
+              </a:defRPr>
+            </a:lvl5pPr>
+            <a:lvl6pPr marL="2514600" indent="-228600" algn="l" defTabSz="914400" rtl="0" eaLnBrk="1" latinLnBrk="1" hangingPunct="1">
+              <a:spcBef>
+                <a:spcPct val="20000"/>
+              </a:spcBef>
+              <a:buFont typeface="Arial" pitchFamily="34" charset="0"/>
+              <a:buChar char="•"/>
+              <a:defRPr sz="2000" kern="1200">
+                <a:solidFill>
+                  <a:schemeClr val="tx1"/>
+                </a:solidFill>
+                <a:latin typeface="+mn-lt"/>
+                <a:ea typeface="+mn-ea"/>
+                <a:cs typeface="+mn-cs"/>
+              </a:defRPr>
+            </a:lvl6pPr>
+            <a:lvl7pPr marL="2971800" indent="-228600" algn="l" defTabSz="914400" rtl="0" eaLnBrk="1" latinLnBrk="1" hangingPunct="1">
+              <a:spcBef>
+                <a:spcPct val="20000"/>
+              </a:spcBef>
+              <a:buFont typeface="Arial" pitchFamily="34" charset="0"/>
+              <a:buChar char="•"/>
+              <a:defRPr sz="2000" kern="1200">
+                <a:solidFill>
+                  <a:schemeClr val="tx1"/>
+                </a:solidFill>
+                <a:latin typeface="+mn-lt"/>
+                <a:ea typeface="+mn-ea"/>
+                <a:cs typeface="+mn-cs"/>
+              </a:defRPr>
+            </a:lvl7pPr>
+            <a:lvl8pPr marL="3429000" indent="-228600" algn="l" defTabSz="914400" rtl="0" eaLnBrk="1" latinLnBrk="1" hangingPunct="1">
+              <a:spcBef>
+                <a:spcPct val="20000"/>
+              </a:spcBef>
+              <a:buFont typeface="Arial" pitchFamily="34" charset="0"/>
+              <a:buChar char="•"/>
+              <a:defRPr sz="2000" kern="1200">
+                <a:solidFill>
+                  <a:schemeClr val="tx1"/>
+                </a:solidFill>
+                <a:latin typeface="+mn-lt"/>
+                <a:ea typeface="+mn-ea"/>
+                <a:cs typeface="+mn-cs"/>
+              </a:defRPr>
+            </a:lvl8pPr>
+            <a:lvl9pPr marL="3886200" indent="-228600" algn="l" defTabSz="914400" rtl="0" eaLnBrk="1" latinLnBrk="1" hangingPunct="1">
+              <a:spcBef>
+                <a:spcPct val="20000"/>
+              </a:spcBef>
+              <a:buFont typeface="Arial" pitchFamily="34" charset="0"/>
+              <a:buChar char="•"/>
+              <a:defRPr sz="2000" kern="1200">
+                <a:solidFill>
+                  <a:schemeClr val="tx1"/>
+                </a:solidFill>
+                <a:latin typeface="+mn-lt"/>
+                <a:ea typeface="+mn-ea"/>
+                <a:cs typeface="+mn-cs"/>
+              </a:defRPr>
+            </a:lvl9pPr>
+          </a:lstStyle>
+          <a:p>
+            <a:pPr lvl="0">
+              <a:defRPr/>
+            </a:pPr>
+            <a:r>
+              <a:rPr lang="id-ID" altLang="ko-KR" sz="1800" dirty="0">
+                <a:solidFill>
+                  <a:srgbClr val="CC1A21"/>
+                </a:solidFill>
+                <a:latin typeface="Arial"/>
+                <a:ea typeface="Arial Unicode MS"/>
+              </a:rPr>
+              <a:t>BAGJA SATIARAHARJA</a:t>
+            </a:r>
+            <a:endParaRPr lang="en-US" altLang="ko-KR" sz="1800" dirty="0">
+              <a:solidFill>
+                <a:srgbClr val="CC1A21"/>
+              </a:solidFill>
+              <a:latin typeface="Arial"/>
+              <a:ea typeface="Arial Unicode MS"/>
+            </a:endParaRPr>
+          </a:p>
+          <a:p>
+            <a:pPr lvl="0">
+              <a:defRPr/>
+            </a:pPr>
+            <a:endParaRPr lang="id-ID" altLang="ko-KR" sz="1800" dirty="0">
+              <a:solidFill>
+                <a:srgbClr val="CC1A21"/>
+              </a:solidFill>
+              <a:latin typeface="Arial"/>
+              <a:ea typeface="Arial Unicode MS"/>
+            </a:endParaRPr>
+          </a:p>
+          <a:p>
+            <a:pPr>
+              <a:defRPr/>
+            </a:pPr>
+            <a:r>
+              <a:rPr lang="en-US" altLang="ko-KR" sz="1800" dirty="0" err="1">
+                <a:solidFill>
+                  <a:srgbClr val="CC1A21"/>
+                </a:solidFill>
+                <a:latin typeface="Arial"/>
+                <a:ea typeface="맑은 고딕" pitchFamily="50" charset="-127"/>
+              </a:rPr>
+              <a:t>Purwadhika</a:t>
+            </a:r>
+            <a:r>
+              <a:rPr lang="en-US" altLang="ko-KR" sz="1800" dirty="0">
+                <a:solidFill>
+                  <a:srgbClr val="CC1A21"/>
+                </a:solidFill>
+                <a:latin typeface="Arial"/>
+                <a:ea typeface="맑은 고딕" pitchFamily="50" charset="-127"/>
+              </a:rPr>
+              <a:t> Startup and Coding School</a:t>
+            </a:r>
+          </a:p>
+          <a:p>
+            <a:pPr>
+              <a:defRPr/>
+            </a:pPr>
+            <a:r>
+              <a:rPr lang="en-US" altLang="ko-KR" sz="1800" dirty="0">
+                <a:solidFill>
+                  <a:srgbClr val="CC1A21"/>
+                </a:solidFill>
+                <a:latin typeface="Arial"/>
+                <a:ea typeface="맑은 고딕" pitchFamily="50" charset="-127"/>
+              </a:rPr>
+              <a:t>Data Science Trainee</a:t>
+            </a:r>
+            <a:endParaRPr lang="en-US" altLang="ko-KR" sz="1800" dirty="0">
+              <a:solidFill>
+                <a:srgbClr val="CC1A21"/>
+              </a:solidFill>
+              <a:latin typeface="Arial"/>
+              <a:ea typeface="Arial Unicode MS"/>
+            </a:endParaRPr>
+          </a:p>
+        </p:txBody>
+      </p:sp>
     </p:spTree>
     <p:extLst>
       <p:ext uri="{BB962C8B-B14F-4D97-AF65-F5344CB8AC3E}">
@@ -20981,6 +21194,110 @@
                                   </p:childTnLst>
                                 </p:cTn>
                               </p:par>
+                              <p:par>
+                                <p:cTn id="35" presetID="49" presetClass="entr" presetSubtype="0" decel="100000" fill="hold" nodeType="withEffect">
+                                  <p:stCondLst>
+                                    <p:cond delay="0"/>
+                                  </p:stCondLst>
+                                  <p:childTnLst>
+                                    <p:set>
+                                      <p:cBhvr>
+                                        <p:cTn id="36" dur="1" fill="hold">
+                                          <p:stCondLst>
+                                            <p:cond delay="0"/>
+                                          </p:stCondLst>
+                                        </p:cTn>
+                                        <p:tgtEl>
+                                          <p:spTgt spid="17"/>
+                                        </p:tgtEl>
+                                        <p:attrNameLst>
+                                          <p:attrName>style.visibility</p:attrName>
+                                        </p:attrNameLst>
+                                      </p:cBhvr>
+                                      <p:to>
+                                        <p:strVal val="visible"/>
+                                      </p:to>
+                                    </p:set>
+                                    <p:anim calcmode="lin" valueType="num">
+                                      <p:cBhvr>
+                                        <p:cTn id="37" dur="500" fill="hold"/>
+                                        <p:tgtEl>
+                                          <p:spTgt spid="17"/>
+                                        </p:tgtEl>
+                                        <p:attrNameLst>
+                                          <p:attrName>ppt_w</p:attrName>
+                                        </p:attrNameLst>
+                                      </p:cBhvr>
+                                      <p:tavLst>
+                                        <p:tav tm="0">
+                                          <p:val>
+                                            <p:fltVal val="0"/>
+                                          </p:val>
+                                        </p:tav>
+                                        <p:tav tm="100000">
+                                          <p:val>
+                                            <p:strVal val="#ppt_w"/>
+                                          </p:val>
+                                        </p:tav>
+                                      </p:tavLst>
+                                    </p:anim>
+                                    <p:anim calcmode="lin" valueType="num">
+                                      <p:cBhvr>
+                                        <p:cTn id="38" dur="500" fill="hold"/>
+                                        <p:tgtEl>
+                                          <p:spTgt spid="17"/>
+                                        </p:tgtEl>
+                                        <p:attrNameLst>
+                                          <p:attrName>ppt_h</p:attrName>
+                                        </p:attrNameLst>
+                                      </p:cBhvr>
+                                      <p:tavLst>
+                                        <p:tav tm="0">
+                                          <p:val>
+                                            <p:fltVal val="0"/>
+                                          </p:val>
+                                        </p:tav>
+                                        <p:tav tm="100000">
+                                          <p:val>
+                                            <p:strVal val="#ppt_h"/>
+                                          </p:val>
+                                        </p:tav>
+                                      </p:tavLst>
+                                    </p:anim>
+                                    <p:anim calcmode="lin" valueType="num">
+                                      <p:cBhvr>
+                                        <p:cTn id="39" dur="500" fill="hold"/>
+                                        <p:tgtEl>
+                                          <p:spTgt spid="17"/>
+                                        </p:tgtEl>
+                                        <p:attrNameLst>
+                                          <p:attrName>style.rotation</p:attrName>
+                                        </p:attrNameLst>
+                                      </p:cBhvr>
+                                      <p:tavLst>
+                                        <p:tav tm="0">
+                                          <p:val>
+                                            <p:fltVal val="360"/>
+                                          </p:val>
+                                        </p:tav>
+                                        <p:tav tm="100000">
+                                          <p:val>
+                                            <p:fltVal val="0"/>
+                                          </p:val>
+                                        </p:tav>
+                                      </p:tavLst>
+                                    </p:anim>
+                                    <p:animEffect transition="in" filter="fade">
+                                      <p:cBhvr>
+                                        <p:cTn id="40" dur="500"/>
+                                        <p:tgtEl>
+                                          <p:spTgt spid="17"/>
+                                        </p:tgtEl>
+                                      </p:cBhvr>
+                                    </p:animEffect>
+                                  </p:childTnLst>
+                                </p:cTn>
+                              </p:par>
                             </p:childTnLst>
                           </p:cTn>
                         </p:par>
@@ -21019,6 +21336,828 @@
 </file>
 
 <file path=ppt/slides/slide11.xml><?xml version="1.0" encoding="utf-8"?>
+<p:sld xmlns:a="http://schemas.openxmlformats.org/drawingml/2006/main" xmlns:r="http://schemas.openxmlformats.org/officeDocument/2006/relationships" xmlns:p="http://schemas.openxmlformats.org/presentationml/2006/main">
+  <p:cSld>
+    <p:bg>
+      <p:bgPr>
+        <a:solidFill>
+          <a:srgbClr val="20346A"/>
+        </a:solidFill>
+        <a:effectLst/>
+      </p:bgPr>
+    </p:bg>
+    <p:spTree>
+      <p:nvGrpSpPr>
+        <p:cNvPr id="1" name=""/>
+        <p:cNvGrpSpPr/>
+        <p:nvPr/>
+      </p:nvGrpSpPr>
+      <p:grpSpPr>
+        <a:xfrm>
+          <a:off x="0" y="0"/>
+          <a:ext cx="0" cy="0"/>
+          <a:chOff x="0" y="0"/>
+          <a:chExt cx="0" cy="0"/>
+        </a:xfrm>
+      </p:grpSpPr>
+      <p:sp>
+        <p:nvSpPr>
+          <p:cNvPr id="7" name="Rectangle 6"/>
+          <p:cNvSpPr/>
+          <p:nvPr/>
+        </p:nvSpPr>
+        <p:spPr>
+          <a:xfrm>
+            <a:off x="-115956" y="194958"/>
+            <a:ext cx="12351657" cy="1255486"/>
+          </a:xfrm>
+          <a:prstGeom prst="rect">
+            <a:avLst/>
+          </a:prstGeom>
+          <a:solidFill>
+            <a:srgbClr val="F7F7F7"/>
+          </a:solidFill>
+          <a:ln>
+            <a:noFill/>
+          </a:ln>
+        </p:spPr>
+        <p:style>
+          <a:lnRef idx="2">
+            <a:schemeClr val="accent1">
+              <a:shade val="50000"/>
+            </a:schemeClr>
+          </a:lnRef>
+          <a:fillRef idx="1">
+            <a:schemeClr val="accent1"/>
+          </a:fillRef>
+          <a:effectRef idx="0">
+            <a:schemeClr val="accent1"/>
+          </a:effectRef>
+          <a:fontRef idx="minor">
+            <a:schemeClr val="lt1"/>
+          </a:fontRef>
+        </p:style>
+        <p:txBody>
+          <a:bodyPr rtlCol="0" anchor="ctr"/>
+          <a:lstStyle/>
+          <a:p>
+            <a:pPr algn="ctr"/>
+            <a:endParaRPr lang="id-ID">
+              <a:solidFill>
+                <a:prstClr val="white"/>
+              </a:solidFill>
+            </a:endParaRPr>
+          </a:p>
+        </p:txBody>
+      </p:sp>
+      <p:sp>
+        <p:nvSpPr>
+          <p:cNvPr id="43" name="Text Placeholder 1"/>
+          <p:cNvSpPr txBox="1">
+            <a:spLocks/>
+          </p:cNvSpPr>
+          <p:nvPr/>
+        </p:nvSpPr>
+        <p:spPr>
+          <a:xfrm>
+            <a:off x="646798" y="534669"/>
+            <a:ext cx="6984776" cy="576064"/>
+          </a:xfrm>
+          <a:prstGeom prst="rect">
+            <a:avLst/>
+          </a:prstGeom>
+        </p:spPr>
+        <p:txBody>
+          <a:bodyPr anchor="ctr"/>
+          <a:lstStyle>
+            <a:lvl1pPr marL="0" indent="0" algn="l" defTabSz="914400" rtl="0" eaLnBrk="1" latinLnBrk="1" hangingPunct="1">
+              <a:spcBef>
+                <a:spcPct val="20000"/>
+              </a:spcBef>
+              <a:buFont typeface="Arial" pitchFamily="34" charset="0"/>
+              <a:buNone/>
+              <a:defRPr sz="3600" b="0" kern="1200" baseline="0">
+                <a:solidFill>
+                  <a:schemeClr val="tx1">
+                    <a:lumMod val="75000"/>
+                    <a:lumOff val="25000"/>
+                  </a:schemeClr>
+                </a:solidFill>
+                <a:latin typeface="+mj-lt"/>
+                <a:ea typeface="+mn-ea"/>
+                <a:cs typeface="Arial" pitchFamily="34" charset="0"/>
+              </a:defRPr>
+            </a:lvl1pPr>
+            <a:lvl2pPr marL="742950" indent="-285750" algn="l" defTabSz="914400" rtl="0" eaLnBrk="1" latinLnBrk="1" hangingPunct="1">
+              <a:spcBef>
+                <a:spcPct val="20000"/>
+              </a:spcBef>
+              <a:buFont typeface="Arial" pitchFamily="34" charset="0"/>
+              <a:buChar char="–"/>
+              <a:defRPr sz="2800" kern="1200">
+                <a:solidFill>
+                  <a:schemeClr val="tx1"/>
+                </a:solidFill>
+                <a:latin typeface="+mn-lt"/>
+                <a:ea typeface="+mn-ea"/>
+                <a:cs typeface="+mn-cs"/>
+              </a:defRPr>
+            </a:lvl2pPr>
+            <a:lvl3pPr marL="1143000" indent="-228600" algn="l" defTabSz="914400" rtl="0" eaLnBrk="1" latinLnBrk="1" hangingPunct="1">
+              <a:spcBef>
+                <a:spcPct val="20000"/>
+              </a:spcBef>
+              <a:buFont typeface="Arial" pitchFamily="34" charset="0"/>
+              <a:buChar char="•"/>
+              <a:defRPr sz="2400" kern="1200">
+                <a:solidFill>
+                  <a:schemeClr val="tx1"/>
+                </a:solidFill>
+                <a:latin typeface="+mn-lt"/>
+                <a:ea typeface="+mn-ea"/>
+                <a:cs typeface="+mn-cs"/>
+              </a:defRPr>
+            </a:lvl3pPr>
+            <a:lvl4pPr marL="1600200" indent="-228600" algn="l" defTabSz="914400" rtl="0" eaLnBrk="1" latinLnBrk="1" hangingPunct="1">
+              <a:spcBef>
+                <a:spcPct val="20000"/>
+              </a:spcBef>
+              <a:buFont typeface="Arial" pitchFamily="34" charset="0"/>
+              <a:buChar char="–"/>
+              <a:defRPr sz="2000" kern="1200">
+                <a:solidFill>
+                  <a:schemeClr val="tx1"/>
+                </a:solidFill>
+                <a:latin typeface="+mn-lt"/>
+                <a:ea typeface="+mn-ea"/>
+                <a:cs typeface="+mn-cs"/>
+              </a:defRPr>
+            </a:lvl4pPr>
+            <a:lvl5pPr marL="2057400" indent="-228600" algn="l" defTabSz="914400" rtl="0" eaLnBrk="1" latinLnBrk="1" hangingPunct="1">
+              <a:spcBef>
+                <a:spcPct val="20000"/>
+              </a:spcBef>
+              <a:buFont typeface="Arial" pitchFamily="34" charset="0"/>
+              <a:buChar char="»"/>
+              <a:defRPr sz="2000" kern="1200">
+                <a:solidFill>
+                  <a:schemeClr val="tx1"/>
+                </a:solidFill>
+                <a:latin typeface="+mn-lt"/>
+                <a:ea typeface="+mn-ea"/>
+                <a:cs typeface="+mn-cs"/>
+              </a:defRPr>
+            </a:lvl5pPr>
+            <a:lvl6pPr marL="2514600" indent="-228600" algn="l" defTabSz="914400" rtl="0" eaLnBrk="1" latinLnBrk="1" hangingPunct="1">
+              <a:spcBef>
+                <a:spcPct val="20000"/>
+              </a:spcBef>
+              <a:buFont typeface="Arial" pitchFamily="34" charset="0"/>
+              <a:buChar char="•"/>
+              <a:defRPr sz="2000" kern="1200">
+                <a:solidFill>
+                  <a:schemeClr val="tx1"/>
+                </a:solidFill>
+                <a:latin typeface="+mn-lt"/>
+                <a:ea typeface="+mn-ea"/>
+                <a:cs typeface="+mn-cs"/>
+              </a:defRPr>
+            </a:lvl6pPr>
+            <a:lvl7pPr marL="2971800" indent="-228600" algn="l" defTabSz="914400" rtl="0" eaLnBrk="1" latinLnBrk="1" hangingPunct="1">
+              <a:spcBef>
+                <a:spcPct val="20000"/>
+              </a:spcBef>
+              <a:buFont typeface="Arial" pitchFamily="34" charset="0"/>
+              <a:buChar char="•"/>
+              <a:defRPr sz="2000" kern="1200">
+                <a:solidFill>
+                  <a:schemeClr val="tx1"/>
+                </a:solidFill>
+                <a:latin typeface="+mn-lt"/>
+                <a:ea typeface="+mn-ea"/>
+                <a:cs typeface="+mn-cs"/>
+              </a:defRPr>
+            </a:lvl7pPr>
+            <a:lvl8pPr marL="3429000" indent="-228600" algn="l" defTabSz="914400" rtl="0" eaLnBrk="1" latinLnBrk="1" hangingPunct="1">
+              <a:spcBef>
+                <a:spcPct val="20000"/>
+              </a:spcBef>
+              <a:buFont typeface="Arial" pitchFamily="34" charset="0"/>
+              <a:buChar char="•"/>
+              <a:defRPr sz="2000" kern="1200">
+                <a:solidFill>
+                  <a:schemeClr val="tx1"/>
+                </a:solidFill>
+                <a:latin typeface="+mn-lt"/>
+                <a:ea typeface="+mn-ea"/>
+                <a:cs typeface="+mn-cs"/>
+              </a:defRPr>
+            </a:lvl8pPr>
+            <a:lvl9pPr marL="3886200" indent="-228600" algn="l" defTabSz="914400" rtl="0" eaLnBrk="1" latinLnBrk="1" hangingPunct="1">
+              <a:spcBef>
+                <a:spcPct val="20000"/>
+              </a:spcBef>
+              <a:buFont typeface="Arial" pitchFamily="34" charset="0"/>
+              <a:buChar char="•"/>
+              <a:defRPr sz="2000" kern="1200">
+                <a:solidFill>
+                  <a:schemeClr val="tx1"/>
+                </a:solidFill>
+                <a:latin typeface="+mn-lt"/>
+                <a:ea typeface="+mn-ea"/>
+                <a:cs typeface="+mn-cs"/>
+              </a:defRPr>
+            </a:lvl9pPr>
+          </a:lstStyle>
+          <a:p>
+            <a:pPr marL="0" marR="0" lvl="0" indent="0" algn="l" defTabSz="914400" rtl="0" eaLnBrk="1" fontAlgn="auto" latinLnBrk="1" hangingPunct="1">
+              <a:lnSpc>
+                <a:spcPct val="100000"/>
+              </a:lnSpc>
+              <a:spcBef>
+                <a:spcPct val="20000"/>
+              </a:spcBef>
+              <a:spcAft>
+                <a:spcPts val="0"/>
+              </a:spcAft>
+              <a:buClrTx/>
+              <a:buSzTx/>
+              <a:buFont typeface="Arial" pitchFamily="34" charset="0"/>
+              <a:buNone/>
+              <a:tabLst/>
+              <a:defRPr/>
+            </a:pPr>
+            <a:r>
+              <a:rPr lang="en-US" altLang="ko-KR" b="1" dirty="0">
+                <a:solidFill>
+                  <a:srgbClr val="1D3168"/>
+                </a:solidFill>
+                <a:latin typeface="Arial"/>
+                <a:ea typeface="Arial Unicode MS"/>
+              </a:rPr>
+              <a:t>Home Interface</a:t>
+            </a:r>
+            <a:endParaRPr kumimoji="0" lang="ko-KR" altLang="en-US" sz="3600" b="1" i="0" u="none" strike="noStrike" kern="1200" cap="none" spc="0" normalizeH="0" baseline="0" noProof="0" dirty="0">
+              <a:ln>
+                <a:noFill/>
+              </a:ln>
+              <a:solidFill>
+                <a:srgbClr val="1D3168"/>
+              </a:solidFill>
+              <a:effectLst/>
+              <a:uLnTx/>
+              <a:uFillTx/>
+              <a:latin typeface="Arial"/>
+              <a:ea typeface="Arial Unicode MS"/>
+              <a:cs typeface="Arial" pitchFamily="34" charset="0"/>
+            </a:endParaRPr>
+          </a:p>
+        </p:txBody>
+      </p:sp>
+      <p:sp>
+        <p:nvSpPr>
+          <p:cNvPr id="44" name="Rectangle 43"/>
+          <p:cNvSpPr/>
+          <p:nvPr/>
+        </p:nvSpPr>
+        <p:spPr>
+          <a:xfrm>
+            <a:off x="-168167" y="194958"/>
+            <a:ext cx="632623" cy="1255486"/>
+          </a:xfrm>
+          <a:prstGeom prst="rect">
+            <a:avLst/>
+          </a:prstGeom>
+          <a:solidFill>
+            <a:srgbClr val="CC1A21"/>
+          </a:solidFill>
+          <a:ln>
+            <a:noFill/>
+          </a:ln>
+        </p:spPr>
+        <p:style>
+          <a:lnRef idx="2">
+            <a:schemeClr val="accent1">
+              <a:shade val="50000"/>
+            </a:schemeClr>
+          </a:lnRef>
+          <a:fillRef idx="1">
+            <a:schemeClr val="accent1"/>
+          </a:fillRef>
+          <a:effectRef idx="0">
+            <a:schemeClr val="accent1"/>
+          </a:effectRef>
+          <a:fontRef idx="minor">
+            <a:schemeClr val="lt1"/>
+          </a:fontRef>
+        </p:style>
+        <p:txBody>
+          <a:bodyPr rtlCol="0" anchor="ctr"/>
+          <a:lstStyle/>
+          <a:p>
+            <a:pPr algn="ctr"/>
+            <a:endParaRPr lang="id-ID">
+              <a:solidFill>
+                <a:prstClr val="white"/>
+              </a:solidFill>
+            </a:endParaRPr>
+          </a:p>
+        </p:txBody>
+      </p:sp>
+      <p:pic>
+        <p:nvPicPr>
+          <p:cNvPr id="5" name="Picture 4">
+            <a:extLst>
+              <a:ext uri="{FF2B5EF4-FFF2-40B4-BE49-F238E27FC236}">
+                <a16:creationId xmlns:a16="http://schemas.microsoft.com/office/drawing/2014/main" id="{F8637633-F3AE-41F1-AD97-2694F8AA3977}"/>
+              </a:ext>
+            </a:extLst>
+          </p:cNvPr>
+          <p:cNvPicPr>
+            <a:picLocks noChangeAspect="1"/>
+          </p:cNvPicPr>
+          <p:nvPr/>
+        </p:nvPicPr>
+        <p:blipFill>
+          <a:blip r:embed="rId2" cstate="print">
+            <a:extLst>
+              <a:ext uri="{28A0092B-C50C-407E-A947-70E740481C1C}">
+                <a14:useLocalDpi xmlns:a14="http://schemas.microsoft.com/office/drawing/2010/main" val="0"/>
+              </a:ext>
+            </a:extLst>
+          </a:blip>
+          <a:stretch>
+            <a:fillRect/>
+          </a:stretch>
+        </p:blipFill>
+        <p:spPr>
+          <a:xfrm>
+            <a:off x="9240290" y="328421"/>
+            <a:ext cx="2632081" cy="988560"/>
+          </a:xfrm>
+          <a:prstGeom prst="rect">
+            <a:avLst/>
+          </a:prstGeom>
+        </p:spPr>
+      </p:pic>
+      <p:pic>
+        <p:nvPicPr>
+          <p:cNvPr id="2" name="Picture 1">
+            <a:extLst>
+              <a:ext uri="{FF2B5EF4-FFF2-40B4-BE49-F238E27FC236}">
+                <a16:creationId xmlns:a16="http://schemas.microsoft.com/office/drawing/2014/main" id="{10E46DCE-FC91-4655-B161-C7F72153334E}"/>
+              </a:ext>
+            </a:extLst>
+          </p:cNvPr>
+          <p:cNvPicPr>
+            <a:picLocks noChangeAspect="1"/>
+          </p:cNvPicPr>
+          <p:nvPr/>
+        </p:nvPicPr>
+        <p:blipFill>
+          <a:blip r:embed="rId3"/>
+          <a:stretch>
+            <a:fillRect/>
+          </a:stretch>
+        </p:blipFill>
+        <p:spPr>
+          <a:xfrm>
+            <a:off x="1856618" y="1583907"/>
+            <a:ext cx="8998749" cy="5059326"/>
+          </a:xfrm>
+          <a:prstGeom prst="rect">
+            <a:avLst/>
+          </a:prstGeom>
+        </p:spPr>
+      </p:pic>
+    </p:spTree>
+    <p:extLst>
+      <p:ext uri="{BB962C8B-B14F-4D97-AF65-F5344CB8AC3E}">
+        <p14:creationId xmlns:p14="http://schemas.microsoft.com/office/powerpoint/2010/main" val="1923409487"/>
+      </p:ext>
+    </p:extLst>
+  </p:cSld>
+  <p:clrMapOvr>
+    <a:masterClrMapping/>
+  </p:clrMapOvr>
+  <p:transition spd="med">
+    <p:push dir="u"/>
+  </p:transition>
+</p:sld>
+</file>
+
+<file path=ppt/slides/slide12.xml><?xml version="1.0" encoding="utf-8"?>
+<p:sld xmlns:a="http://schemas.openxmlformats.org/drawingml/2006/main" xmlns:r="http://schemas.openxmlformats.org/officeDocument/2006/relationships" xmlns:p="http://schemas.openxmlformats.org/presentationml/2006/main">
+  <p:cSld>
+    <p:bg>
+      <p:bgPr>
+        <a:solidFill>
+          <a:srgbClr val="20346A"/>
+        </a:solidFill>
+        <a:effectLst/>
+      </p:bgPr>
+    </p:bg>
+    <p:spTree>
+      <p:nvGrpSpPr>
+        <p:cNvPr id="1" name=""/>
+        <p:cNvGrpSpPr/>
+        <p:nvPr/>
+      </p:nvGrpSpPr>
+      <p:grpSpPr>
+        <a:xfrm>
+          <a:off x="0" y="0"/>
+          <a:ext cx="0" cy="0"/>
+          <a:chOff x="0" y="0"/>
+          <a:chExt cx="0" cy="0"/>
+        </a:xfrm>
+      </p:grpSpPr>
+      <p:sp>
+        <p:nvSpPr>
+          <p:cNvPr id="7" name="Rectangle 6"/>
+          <p:cNvSpPr/>
+          <p:nvPr/>
+        </p:nvSpPr>
+        <p:spPr>
+          <a:xfrm>
+            <a:off x="-115956" y="194958"/>
+            <a:ext cx="12351657" cy="1255486"/>
+          </a:xfrm>
+          <a:prstGeom prst="rect">
+            <a:avLst/>
+          </a:prstGeom>
+          <a:solidFill>
+            <a:srgbClr val="F7F7F7"/>
+          </a:solidFill>
+          <a:ln>
+            <a:noFill/>
+          </a:ln>
+        </p:spPr>
+        <p:style>
+          <a:lnRef idx="2">
+            <a:schemeClr val="accent1">
+              <a:shade val="50000"/>
+            </a:schemeClr>
+          </a:lnRef>
+          <a:fillRef idx="1">
+            <a:schemeClr val="accent1"/>
+          </a:fillRef>
+          <a:effectRef idx="0">
+            <a:schemeClr val="accent1"/>
+          </a:effectRef>
+          <a:fontRef idx="minor">
+            <a:schemeClr val="lt1"/>
+          </a:fontRef>
+        </p:style>
+        <p:txBody>
+          <a:bodyPr rtlCol="0" anchor="ctr"/>
+          <a:lstStyle/>
+          <a:p>
+            <a:pPr algn="ctr"/>
+            <a:endParaRPr lang="id-ID">
+              <a:solidFill>
+                <a:prstClr val="white"/>
+              </a:solidFill>
+            </a:endParaRPr>
+          </a:p>
+        </p:txBody>
+      </p:sp>
+      <p:sp>
+        <p:nvSpPr>
+          <p:cNvPr id="43" name="Text Placeholder 1"/>
+          <p:cNvSpPr txBox="1">
+            <a:spLocks/>
+          </p:cNvSpPr>
+          <p:nvPr/>
+        </p:nvSpPr>
+        <p:spPr>
+          <a:xfrm>
+            <a:off x="646798" y="534669"/>
+            <a:ext cx="6984776" cy="576064"/>
+          </a:xfrm>
+          <a:prstGeom prst="rect">
+            <a:avLst/>
+          </a:prstGeom>
+        </p:spPr>
+        <p:txBody>
+          <a:bodyPr anchor="ctr"/>
+          <a:lstStyle>
+            <a:lvl1pPr marL="0" indent="0" algn="l" defTabSz="914400" rtl="0" eaLnBrk="1" latinLnBrk="1" hangingPunct="1">
+              <a:spcBef>
+                <a:spcPct val="20000"/>
+              </a:spcBef>
+              <a:buFont typeface="Arial" pitchFamily="34" charset="0"/>
+              <a:buNone/>
+              <a:defRPr sz="3600" b="0" kern="1200" baseline="0">
+                <a:solidFill>
+                  <a:schemeClr val="tx1">
+                    <a:lumMod val="75000"/>
+                    <a:lumOff val="25000"/>
+                  </a:schemeClr>
+                </a:solidFill>
+                <a:latin typeface="+mj-lt"/>
+                <a:ea typeface="+mn-ea"/>
+                <a:cs typeface="Arial" pitchFamily="34" charset="0"/>
+              </a:defRPr>
+            </a:lvl1pPr>
+            <a:lvl2pPr marL="742950" indent="-285750" algn="l" defTabSz="914400" rtl="0" eaLnBrk="1" latinLnBrk="1" hangingPunct="1">
+              <a:spcBef>
+                <a:spcPct val="20000"/>
+              </a:spcBef>
+              <a:buFont typeface="Arial" pitchFamily="34" charset="0"/>
+              <a:buChar char="–"/>
+              <a:defRPr sz="2800" kern="1200">
+                <a:solidFill>
+                  <a:schemeClr val="tx1"/>
+                </a:solidFill>
+                <a:latin typeface="+mn-lt"/>
+                <a:ea typeface="+mn-ea"/>
+                <a:cs typeface="+mn-cs"/>
+              </a:defRPr>
+            </a:lvl2pPr>
+            <a:lvl3pPr marL="1143000" indent="-228600" algn="l" defTabSz="914400" rtl="0" eaLnBrk="1" latinLnBrk="1" hangingPunct="1">
+              <a:spcBef>
+                <a:spcPct val="20000"/>
+              </a:spcBef>
+              <a:buFont typeface="Arial" pitchFamily="34" charset="0"/>
+              <a:buChar char="•"/>
+              <a:defRPr sz="2400" kern="1200">
+                <a:solidFill>
+                  <a:schemeClr val="tx1"/>
+                </a:solidFill>
+                <a:latin typeface="+mn-lt"/>
+                <a:ea typeface="+mn-ea"/>
+                <a:cs typeface="+mn-cs"/>
+              </a:defRPr>
+            </a:lvl3pPr>
+            <a:lvl4pPr marL="1600200" indent="-228600" algn="l" defTabSz="914400" rtl="0" eaLnBrk="1" latinLnBrk="1" hangingPunct="1">
+              <a:spcBef>
+                <a:spcPct val="20000"/>
+              </a:spcBef>
+              <a:buFont typeface="Arial" pitchFamily="34" charset="0"/>
+              <a:buChar char="–"/>
+              <a:defRPr sz="2000" kern="1200">
+                <a:solidFill>
+                  <a:schemeClr val="tx1"/>
+                </a:solidFill>
+                <a:latin typeface="+mn-lt"/>
+                <a:ea typeface="+mn-ea"/>
+                <a:cs typeface="+mn-cs"/>
+              </a:defRPr>
+            </a:lvl4pPr>
+            <a:lvl5pPr marL="2057400" indent="-228600" algn="l" defTabSz="914400" rtl="0" eaLnBrk="1" latinLnBrk="1" hangingPunct="1">
+              <a:spcBef>
+                <a:spcPct val="20000"/>
+              </a:spcBef>
+              <a:buFont typeface="Arial" pitchFamily="34" charset="0"/>
+              <a:buChar char="»"/>
+              <a:defRPr sz="2000" kern="1200">
+                <a:solidFill>
+                  <a:schemeClr val="tx1"/>
+                </a:solidFill>
+                <a:latin typeface="+mn-lt"/>
+                <a:ea typeface="+mn-ea"/>
+                <a:cs typeface="+mn-cs"/>
+              </a:defRPr>
+            </a:lvl5pPr>
+            <a:lvl6pPr marL="2514600" indent="-228600" algn="l" defTabSz="914400" rtl="0" eaLnBrk="1" latinLnBrk="1" hangingPunct="1">
+              <a:spcBef>
+                <a:spcPct val="20000"/>
+              </a:spcBef>
+              <a:buFont typeface="Arial" pitchFamily="34" charset="0"/>
+              <a:buChar char="•"/>
+              <a:defRPr sz="2000" kern="1200">
+                <a:solidFill>
+                  <a:schemeClr val="tx1"/>
+                </a:solidFill>
+                <a:latin typeface="+mn-lt"/>
+                <a:ea typeface="+mn-ea"/>
+                <a:cs typeface="+mn-cs"/>
+              </a:defRPr>
+            </a:lvl6pPr>
+            <a:lvl7pPr marL="2971800" indent="-228600" algn="l" defTabSz="914400" rtl="0" eaLnBrk="1" latinLnBrk="1" hangingPunct="1">
+              <a:spcBef>
+                <a:spcPct val="20000"/>
+              </a:spcBef>
+              <a:buFont typeface="Arial" pitchFamily="34" charset="0"/>
+              <a:buChar char="•"/>
+              <a:defRPr sz="2000" kern="1200">
+                <a:solidFill>
+                  <a:schemeClr val="tx1"/>
+                </a:solidFill>
+                <a:latin typeface="+mn-lt"/>
+                <a:ea typeface="+mn-ea"/>
+                <a:cs typeface="+mn-cs"/>
+              </a:defRPr>
+            </a:lvl7pPr>
+            <a:lvl8pPr marL="3429000" indent="-228600" algn="l" defTabSz="914400" rtl="0" eaLnBrk="1" latinLnBrk="1" hangingPunct="1">
+              <a:spcBef>
+                <a:spcPct val="20000"/>
+              </a:spcBef>
+              <a:buFont typeface="Arial" pitchFamily="34" charset="0"/>
+              <a:buChar char="•"/>
+              <a:defRPr sz="2000" kern="1200">
+                <a:solidFill>
+                  <a:schemeClr val="tx1"/>
+                </a:solidFill>
+                <a:latin typeface="+mn-lt"/>
+                <a:ea typeface="+mn-ea"/>
+                <a:cs typeface="+mn-cs"/>
+              </a:defRPr>
+            </a:lvl8pPr>
+            <a:lvl9pPr marL="3886200" indent="-228600" algn="l" defTabSz="914400" rtl="0" eaLnBrk="1" latinLnBrk="1" hangingPunct="1">
+              <a:spcBef>
+                <a:spcPct val="20000"/>
+              </a:spcBef>
+              <a:buFont typeface="Arial" pitchFamily="34" charset="0"/>
+              <a:buChar char="•"/>
+              <a:defRPr sz="2000" kern="1200">
+                <a:solidFill>
+                  <a:schemeClr val="tx1"/>
+                </a:solidFill>
+                <a:latin typeface="+mn-lt"/>
+                <a:ea typeface="+mn-ea"/>
+                <a:cs typeface="+mn-cs"/>
+              </a:defRPr>
+            </a:lvl9pPr>
+          </a:lstStyle>
+          <a:p>
+            <a:pPr marL="0" marR="0" lvl="0" indent="0" algn="l" defTabSz="914400" rtl="0" eaLnBrk="1" fontAlgn="auto" latinLnBrk="1" hangingPunct="1">
+              <a:lnSpc>
+                <a:spcPct val="100000"/>
+              </a:lnSpc>
+              <a:spcBef>
+                <a:spcPct val="20000"/>
+              </a:spcBef>
+              <a:spcAft>
+                <a:spcPts val="0"/>
+              </a:spcAft>
+              <a:buClrTx/>
+              <a:buSzTx/>
+              <a:buFont typeface="Arial" pitchFamily="34" charset="0"/>
+              <a:buNone/>
+              <a:tabLst/>
+              <a:defRPr/>
+            </a:pPr>
+            <a:r>
+              <a:rPr lang="en-US" altLang="ko-KR" b="1" dirty="0">
+                <a:solidFill>
+                  <a:srgbClr val="1D3168"/>
+                </a:solidFill>
+                <a:latin typeface="Arial"/>
+                <a:ea typeface="Arial Unicode MS"/>
+              </a:rPr>
+              <a:t>About Interface</a:t>
+            </a:r>
+            <a:endParaRPr kumimoji="0" lang="ko-KR" altLang="en-US" sz="3600" b="1" i="0" u="none" strike="noStrike" kern="1200" cap="none" spc="0" normalizeH="0" baseline="0" noProof="0" dirty="0">
+              <a:ln>
+                <a:noFill/>
+              </a:ln>
+              <a:solidFill>
+                <a:srgbClr val="1D3168"/>
+              </a:solidFill>
+              <a:effectLst/>
+              <a:uLnTx/>
+              <a:uFillTx/>
+              <a:latin typeface="Arial"/>
+              <a:ea typeface="Arial Unicode MS"/>
+              <a:cs typeface="Arial" pitchFamily="34" charset="0"/>
+            </a:endParaRPr>
+          </a:p>
+        </p:txBody>
+      </p:sp>
+      <p:sp>
+        <p:nvSpPr>
+          <p:cNvPr id="44" name="Rectangle 43"/>
+          <p:cNvSpPr/>
+          <p:nvPr/>
+        </p:nvSpPr>
+        <p:spPr>
+          <a:xfrm>
+            <a:off x="-168167" y="194958"/>
+            <a:ext cx="632623" cy="1255486"/>
+          </a:xfrm>
+          <a:prstGeom prst="rect">
+            <a:avLst/>
+          </a:prstGeom>
+          <a:solidFill>
+            <a:srgbClr val="CC1A21"/>
+          </a:solidFill>
+          <a:ln>
+            <a:noFill/>
+          </a:ln>
+        </p:spPr>
+        <p:style>
+          <a:lnRef idx="2">
+            <a:schemeClr val="accent1">
+              <a:shade val="50000"/>
+            </a:schemeClr>
+          </a:lnRef>
+          <a:fillRef idx="1">
+            <a:schemeClr val="accent1"/>
+          </a:fillRef>
+          <a:effectRef idx="0">
+            <a:schemeClr val="accent1"/>
+          </a:effectRef>
+          <a:fontRef idx="minor">
+            <a:schemeClr val="lt1"/>
+          </a:fontRef>
+        </p:style>
+        <p:txBody>
+          <a:bodyPr rtlCol="0" anchor="ctr"/>
+          <a:lstStyle/>
+          <a:p>
+            <a:pPr algn="ctr"/>
+            <a:endParaRPr lang="id-ID">
+              <a:solidFill>
+                <a:prstClr val="white"/>
+              </a:solidFill>
+            </a:endParaRPr>
+          </a:p>
+        </p:txBody>
+      </p:sp>
+      <p:pic>
+        <p:nvPicPr>
+          <p:cNvPr id="5" name="Picture 4">
+            <a:extLst>
+              <a:ext uri="{FF2B5EF4-FFF2-40B4-BE49-F238E27FC236}">
+                <a16:creationId xmlns:a16="http://schemas.microsoft.com/office/drawing/2014/main" id="{F8637633-F3AE-41F1-AD97-2694F8AA3977}"/>
+              </a:ext>
+            </a:extLst>
+          </p:cNvPr>
+          <p:cNvPicPr>
+            <a:picLocks noChangeAspect="1"/>
+          </p:cNvPicPr>
+          <p:nvPr/>
+        </p:nvPicPr>
+        <p:blipFill>
+          <a:blip r:embed="rId2" cstate="print">
+            <a:extLst>
+              <a:ext uri="{28A0092B-C50C-407E-A947-70E740481C1C}">
+                <a14:useLocalDpi xmlns:a14="http://schemas.microsoft.com/office/drawing/2010/main" val="0"/>
+              </a:ext>
+            </a:extLst>
+          </a:blip>
+          <a:stretch>
+            <a:fillRect/>
+          </a:stretch>
+        </p:blipFill>
+        <p:spPr>
+          <a:xfrm>
+            <a:off x="9240290" y="328421"/>
+            <a:ext cx="2632081" cy="988560"/>
+          </a:xfrm>
+          <a:prstGeom prst="rect">
+            <a:avLst/>
+          </a:prstGeom>
+        </p:spPr>
+      </p:pic>
+      <p:pic>
+        <p:nvPicPr>
+          <p:cNvPr id="2" name="Picture 1">
+            <a:extLst>
+              <a:ext uri="{FF2B5EF4-FFF2-40B4-BE49-F238E27FC236}">
+                <a16:creationId xmlns:a16="http://schemas.microsoft.com/office/drawing/2014/main" id="{2A4E0507-2928-4325-B188-297013BF6428}"/>
+              </a:ext>
+            </a:extLst>
+          </p:cNvPr>
+          <p:cNvPicPr>
+            <a:picLocks noChangeAspect="1"/>
+          </p:cNvPicPr>
+          <p:nvPr/>
+        </p:nvPicPr>
+        <p:blipFill>
+          <a:blip r:embed="rId3"/>
+          <a:stretch>
+            <a:fillRect/>
+          </a:stretch>
+        </p:blipFill>
+        <p:spPr>
+          <a:xfrm>
+            <a:off x="1800123" y="1790155"/>
+            <a:ext cx="8591753" cy="4830502"/>
+          </a:xfrm>
+          <a:prstGeom prst="rect">
+            <a:avLst/>
+          </a:prstGeom>
+        </p:spPr>
+      </p:pic>
+    </p:spTree>
+    <p:extLst>
+      <p:ext uri="{BB962C8B-B14F-4D97-AF65-F5344CB8AC3E}">
+        <p14:creationId xmlns:p14="http://schemas.microsoft.com/office/powerpoint/2010/main" val="2039499809"/>
+      </p:ext>
+    </p:extLst>
+  </p:cSld>
+  <p:clrMapOvr>
+    <a:masterClrMapping/>
+  </p:clrMapOvr>
+  <p:transition spd="med">
+    <p:push dir="u"/>
+  </p:transition>
+</p:sld>
+</file>
+
+<file path=ppt/slides/slide13.xml><?xml version="1.0" encoding="utf-8"?>
 <p:sld xmlns:a="http://schemas.openxmlformats.org/drawingml/2006/main" xmlns:r="http://schemas.openxmlformats.org/officeDocument/2006/relationships" xmlns:p="http://schemas.openxmlformats.org/presentationml/2006/main">
   <p:cSld>
     <p:bg>
@@ -21429,7 +22568,7 @@
 </p:sld>
 </file>
 
-<file path=ppt/slides/slide12.xml><?xml version="1.0" encoding="utf-8"?>
+<file path=ppt/slides/slide14.xml><?xml version="1.0" encoding="utf-8"?>
 <p:sld xmlns:a="http://schemas.openxmlformats.org/drawingml/2006/main" xmlns:r="http://schemas.openxmlformats.org/officeDocument/2006/relationships" xmlns:p="http://schemas.openxmlformats.org/presentationml/2006/main">
   <p:cSld>
     <p:bg>
@@ -21840,7 +22979,7 @@
 </p:sld>
 </file>
 
-<file path=ppt/slides/slide13.xml><?xml version="1.0" encoding="utf-8"?>
+<file path=ppt/slides/slide15.xml><?xml version="1.0" encoding="utf-8"?>
 <p:sld xmlns:a="http://schemas.openxmlformats.org/drawingml/2006/main" xmlns:r="http://schemas.openxmlformats.org/officeDocument/2006/relationships" xmlns:p="http://schemas.openxmlformats.org/presentationml/2006/main">
   <p:cSld>
     <p:bg>
@@ -22251,7 +23390,7 @@
 </p:sld>
 </file>
 
-<file path=ppt/slides/slide14.xml><?xml version="1.0" encoding="utf-8"?>
+<file path=ppt/slides/slide16.xml><?xml version="1.0" encoding="utf-8"?>
 <p:sld xmlns:a="http://schemas.openxmlformats.org/drawingml/2006/main" xmlns:r="http://schemas.openxmlformats.org/officeDocument/2006/relationships" xmlns:p="http://schemas.openxmlformats.org/presentationml/2006/main">
   <p:cSld>
     <p:bg>
@@ -22662,7 +23801,7 @@
 </p:sld>
 </file>
 
-<file path=ppt/slides/slide15.xml><?xml version="1.0" encoding="utf-8"?>
+<file path=ppt/slides/slide17.xml><?xml version="1.0" encoding="utf-8"?>
 <p:sld xmlns:a="http://schemas.openxmlformats.org/drawingml/2006/main" xmlns:r="http://schemas.openxmlformats.org/officeDocument/2006/relationships" xmlns:p="http://schemas.openxmlformats.org/presentationml/2006/main">
   <p:cSld>
     <p:bg>
@@ -23073,7 +24212,7 @@
 </p:sld>
 </file>
 
-<file path=ppt/slides/slide16.xml><?xml version="1.0" encoding="utf-8"?>
+<file path=ppt/slides/slide18.xml><?xml version="1.0" encoding="utf-8"?>
 <p:sld xmlns:a="http://schemas.openxmlformats.org/drawingml/2006/main" xmlns:r="http://schemas.openxmlformats.org/officeDocument/2006/relationships" xmlns:p="http://schemas.openxmlformats.org/presentationml/2006/main">
   <p:cSld>
     <p:bg>
@@ -23484,7 +24623,3421 @@
 </p:sld>
 </file>
 
-<file path=ppt/slides/slide17.xml><?xml version="1.0" encoding="utf-8"?>
+<file path=ppt/slides/slide19.xml><?xml version="1.0" encoding="utf-8"?>
+<p:sld xmlns:a="http://schemas.openxmlformats.org/drawingml/2006/main" xmlns:r="http://schemas.openxmlformats.org/officeDocument/2006/relationships" xmlns:p="http://schemas.openxmlformats.org/presentationml/2006/main">
+  <p:cSld>
+    <p:bg>
+      <p:bgPr>
+        <a:solidFill>
+          <a:srgbClr val="262E69"/>
+        </a:solidFill>
+        <a:effectLst/>
+      </p:bgPr>
+    </p:bg>
+    <p:spTree>
+      <p:nvGrpSpPr>
+        <p:cNvPr id="1" name=""/>
+        <p:cNvGrpSpPr/>
+        <p:nvPr/>
+      </p:nvGrpSpPr>
+      <p:grpSpPr>
+        <a:xfrm>
+          <a:off x="0" y="0"/>
+          <a:ext cx="0" cy="0"/>
+          <a:chOff x="0" y="0"/>
+          <a:chExt cx="0" cy="0"/>
+        </a:xfrm>
+      </p:grpSpPr>
+      <p:sp>
+        <p:nvSpPr>
+          <p:cNvPr id="12" name="Oval 11"/>
+          <p:cNvSpPr/>
+          <p:nvPr/>
+        </p:nvSpPr>
+        <p:spPr>
+          <a:xfrm>
+            <a:off x="3181223" y="335252"/>
+            <a:ext cx="6274192" cy="6274192"/>
+          </a:xfrm>
+          <a:prstGeom prst="ellipse">
+            <a:avLst/>
+          </a:prstGeom>
+          <a:solidFill>
+            <a:schemeClr val="bg1"/>
+          </a:solidFill>
+          <a:ln w="101600">
+            <a:solidFill>
+              <a:schemeClr val="bg1"/>
+            </a:solidFill>
+          </a:ln>
+        </p:spPr>
+        <p:style>
+          <a:lnRef idx="2">
+            <a:schemeClr val="accent1">
+              <a:shade val="50000"/>
+            </a:schemeClr>
+          </a:lnRef>
+          <a:fillRef idx="1">
+            <a:schemeClr val="accent1"/>
+          </a:fillRef>
+          <a:effectRef idx="0">
+            <a:schemeClr val="accent1"/>
+          </a:effectRef>
+          <a:fontRef idx="minor">
+            <a:schemeClr val="lt1"/>
+          </a:fontRef>
+        </p:style>
+        <p:txBody>
+          <a:bodyPr rtlCol="0" anchor="ctr"/>
+          <a:lstStyle/>
+          <a:p>
+            <a:pPr algn="ctr"/>
+            <a:endParaRPr lang="id-ID"/>
+          </a:p>
+        </p:txBody>
+      </p:sp>
+      <p:sp>
+        <p:nvSpPr>
+          <p:cNvPr id="10" name="Oval 9"/>
+          <p:cNvSpPr/>
+          <p:nvPr/>
+        </p:nvSpPr>
+        <p:spPr>
+          <a:xfrm>
+            <a:off x="3360477" y="544419"/>
+            <a:ext cx="5908431" cy="5908431"/>
+          </a:xfrm>
+          <a:prstGeom prst="ellipse">
+            <a:avLst/>
+          </a:prstGeom>
+          <a:solidFill>
+            <a:srgbClr val="262E69"/>
+          </a:solidFill>
+          <a:ln w="101600">
+            <a:solidFill>
+              <a:srgbClr val="262E69"/>
+            </a:solidFill>
+          </a:ln>
+        </p:spPr>
+        <p:style>
+          <a:lnRef idx="2">
+            <a:schemeClr val="accent1">
+              <a:shade val="50000"/>
+            </a:schemeClr>
+          </a:lnRef>
+          <a:fillRef idx="1">
+            <a:schemeClr val="accent1"/>
+          </a:fillRef>
+          <a:effectRef idx="0">
+            <a:schemeClr val="accent1"/>
+          </a:effectRef>
+          <a:fontRef idx="minor">
+            <a:schemeClr val="lt1"/>
+          </a:fontRef>
+        </p:style>
+        <p:txBody>
+          <a:bodyPr rtlCol="0" anchor="ctr"/>
+          <a:lstStyle/>
+          <a:p>
+            <a:pPr algn="ctr"/>
+            <a:endParaRPr lang="id-ID"/>
+          </a:p>
+        </p:txBody>
+      </p:sp>
+      <p:sp>
+        <p:nvSpPr>
+          <p:cNvPr id="11" name="Oval 10"/>
+          <p:cNvSpPr/>
+          <p:nvPr/>
+        </p:nvSpPr>
+        <p:spPr>
+          <a:xfrm>
+            <a:off x="3613696" y="797638"/>
+            <a:ext cx="5401992" cy="5401992"/>
+          </a:xfrm>
+          <a:prstGeom prst="ellipse">
+            <a:avLst/>
+          </a:prstGeom>
+          <a:solidFill>
+            <a:srgbClr val="FFFFFF"/>
+          </a:solidFill>
+          <a:ln w="101600">
+            <a:solidFill>
+              <a:srgbClr val="FFFFFF"/>
+            </a:solidFill>
+          </a:ln>
+        </p:spPr>
+        <p:style>
+          <a:lnRef idx="2">
+            <a:schemeClr val="accent1">
+              <a:shade val="50000"/>
+            </a:schemeClr>
+          </a:lnRef>
+          <a:fillRef idx="1">
+            <a:schemeClr val="accent1"/>
+          </a:fillRef>
+          <a:effectRef idx="0">
+            <a:schemeClr val="accent1"/>
+          </a:effectRef>
+          <a:fontRef idx="minor">
+            <a:schemeClr val="lt1"/>
+          </a:fontRef>
+        </p:style>
+        <p:txBody>
+          <a:bodyPr rtlCol="0" anchor="ctr"/>
+          <a:lstStyle/>
+          <a:p>
+            <a:pPr algn="ctr"/>
+            <a:endParaRPr lang="id-ID"/>
+          </a:p>
+        </p:txBody>
+      </p:sp>
+      <p:sp>
+        <p:nvSpPr>
+          <p:cNvPr id="7" name="Rectangle 6"/>
+          <p:cNvSpPr/>
+          <p:nvPr/>
+        </p:nvSpPr>
+        <p:spPr>
+          <a:xfrm>
+            <a:off x="2516386" y="3688111"/>
+            <a:ext cx="7594318" cy="769441"/>
+          </a:xfrm>
+          <a:prstGeom prst="rect">
+            <a:avLst/>
+          </a:prstGeom>
+          <a:noFill/>
+        </p:spPr>
+        <p:txBody>
+          <a:bodyPr wrap="square" lIns="91440" tIns="45720" rIns="91440" bIns="45720">
+            <a:spAutoFit/>
+          </a:bodyPr>
+          <a:lstStyle/>
+          <a:p>
+            <a:pPr algn="ctr"/>
+            <a:r>
+              <a:rPr lang="en-US" sz="4400" dirty="0">
+                <a:ln w="0"/>
+                <a:solidFill>
+                  <a:srgbClr val="262E69"/>
+                </a:solidFill>
+                <a:effectLst>
+                  <a:outerShdw blurRad="38100" dist="19050" dir="2700000" algn="tl" rotWithShape="0">
+                    <a:schemeClr val="dk1">
+                      <a:alpha val="40000"/>
+                    </a:schemeClr>
+                  </a:outerShdw>
+                </a:effectLst>
+                <a:latin typeface="Segoe UI Black" panose="020B0A02040204020203" pitchFamily="34" charset="0"/>
+                <a:ea typeface="Segoe UI Black" panose="020B0A02040204020203" pitchFamily="34" charset="0"/>
+                <a:cs typeface="Segoe UI Black" panose="020B0A02040204020203" pitchFamily="34" charset="0"/>
+              </a:rPr>
+              <a:t>Conclusion</a:t>
+            </a:r>
+            <a:endParaRPr lang="id-ID" sz="4400" dirty="0">
+              <a:ln w="0"/>
+              <a:solidFill>
+                <a:srgbClr val="262E69"/>
+              </a:solidFill>
+              <a:effectLst>
+                <a:outerShdw blurRad="38100" dist="19050" dir="2700000" algn="tl" rotWithShape="0">
+                  <a:schemeClr val="dk1">
+                    <a:alpha val="40000"/>
+                  </a:schemeClr>
+                </a:outerShdw>
+              </a:effectLst>
+              <a:latin typeface="Segoe UI Black" panose="020B0A02040204020203" pitchFamily="34" charset="0"/>
+              <a:ea typeface="Segoe UI Black" panose="020B0A02040204020203" pitchFamily="34" charset="0"/>
+              <a:cs typeface="Segoe UI Black" panose="020B0A02040204020203" pitchFamily="34" charset="0"/>
+            </a:endParaRPr>
+          </a:p>
+        </p:txBody>
+      </p:sp>
+      <p:cxnSp>
+        <p:nvCxnSpPr>
+          <p:cNvPr id="20" name="Straight Connector 19"/>
+          <p:cNvCxnSpPr/>
+          <p:nvPr/>
+        </p:nvCxnSpPr>
+        <p:spPr>
+          <a:xfrm>
+            <a:off x="3868666" y="4529568"/>
+            <a:ext cx="4864424" cy="0"/>
+          </a:xfrm>
+          <a:prstGeom prst="line">
+            <a:avLst/>
+          </a:prstGeom>
+          <a:ln>
+            <a:solidFill>
+              <a:srgbClr val="262E69"/>
+            </a:solidFill>
+          </a:ln>
+        </p:spPr>
+        <p:style>
+          <a:lnRef idx="1">
+            <a:schemeClr val="accent1"/>
+          </a:lnRef>
+          <a:fillRef idx="0">
+            <a:schemeClr val="accent1"/>
+          </a:fillRef>
+          <a:effectRef idx="0">
+            <a:schemeClr val="accent1"/>
+          </a:effectRef>
+          <a:fontRef idx="minor">
+            <a:schemeClr val="tx1"/>
+          </a:fontRef>
+        </p:style>
+      </p:cxnSp>
+      <p:cxnSp>
+        <p:nvCxnSpPr>
+          <p:cNvPr id="21" name="Straight Connector 20"/>
+          <p:cNvCxnSpPr/>
+          <p:nvPr/>
+        </p:nvCxnSpPr>
+        <p:spPr>
+          <a:xfrm>
+            <a:off x="3868666" y="3621848"/>
+            <a:ext cx="4864424" cy="0"/>
+          </a:xfrm>
+          <a:prstGeom prst="line">
+            <a:avLst/>
+          </a:prstGeom>
+          <a:ln>
+            <a:solidFill>
+              <a:srgbClr val="262E69"/>
+            </a:solidFill>
+          </a:ln>
+        </p:spPr>
+        <p:style>
+          <a:lnRef idx="1">
+            <a:schemeClr val="accent1"/>
+          </a:lnRef>
+          <a:fillRef idx="0">
+            <a:schemeClr val="accent1"/>
+          </a:fillRef>
+          <a:effectRef idx="0">
+            <a:schemeClr val="accent1"/>
+          </a:effectRef>
+          <a:fontRef idx="minor">
+            <a:schemeClr val="tx1"/>
+          </a:fontRef>
+        </p:style>
+      </p:cxnSp>
+      <p:sp>
+        <p:nvSpPr>
+          <p:cNvPr id="9" name="Rectangle 8"/>
+          <p:cNvSpPr/>
+          <p:nvPr/>
+        </p:nvSpPr>
+        <p:spPr>
+          <a:xfrm rot="2916533">
+            <a:off x="-2054567" y="4801262"/>
+            <a:ext cx="4436148" cy="3141882"/>
+          </a:xfrm>
+          <a:prstGeom prst="rect">
+            <a:avLst/>
+          </a:prstGeom>
+          <a:solidFill>
+            <a:srgbClr val="E30000"/>
+          </a:solidFill>
+          <a:ln>
+            <a:solidFill>
+              <a:srgbClr val="FF0000"/>
+            </a:solidFill>
+          </a:ln>
+        </p:spPr>
+        <p:style>
+          <a:lnRef idx="2">
+            <a:schemeClr val="accent1">
+              <a:shade val="50000"/>
+            </a:schemeClr>
+          </a:lnRef>
+          <a:fillRef idx="1">
+            <a:schemeClr val="accent1"/>
+          </a:fillRef>
+          <a:effectRef idx="0">
+            <a:schemeClr val="accent1"/>
+          </a:effectRef>
+          <a:fontRef idx="minor">
+            <a:schemeClr val="lt1"/>
+          </a:fontRef>
+        </p:style>
+        <p:txBody>
+          <a:bodyPr rtlCol="0" anchor="ctr"/>
+          <a:lstStyle/>
+          <a:p>
+            <a:pPr algn="ctr"/>
+            <a:endParaRPr lang="id-ID"/>
+          </a:p>
+        </p:txBody>
+      </p:sp>
+      <p:cxnSp>
+        <p:nvCxnSpPr>
+          <p:cNvPr id="13" name="Straight Connector 12"/>
+          <p:cNvCxnSpPr/>
+          <p:nvPr/>
+        </p:nvCxnSpPr>
+        <p:spPr>
+          <a:xfrm>
+            <a:off x="-95484" y="3135970"/>
+            <a:ext cx="3549795" cy="3919671"/>
+          </a:xfrm>
+          <a:prstGeom prst="line">
+            <a:avLst/>
+          </a:prstGeom>
+          <a:ln w="63500" cap="flat" cmpd="sng">
+            <a:solidFill>
+              <a:srgbClr val="E30000"/>
+            </a:solidFill>
+            <a:prstDash val="dash"/>
+          </a:ln>
+        </p:spPr>
+        <p:style>
+          <a:lnRef idx="1">
+            <a:schemeClr val="accent1"/>
+          </a:lnRef>
+          <a:fillRef idx="0">
+            <a:schemeClr val="accent1"/>
+          </a:fillRef>
+          <a:effectRef idx="0">
+            <a:schemeClr val="accent1"/>
+          </a:effectRef>
+          <a:fontRef idx="minor">
+            <a:schemeClr val="tx1"/>
+          </a:fontRef>
+        </p:style>
+      </p:cxnSp>
+      <p:sp>
+        <p:nvSpPr>
+          <p:cNvPr id="14" name="Rectangle 13"/>
+          <p:cNvSpPr/>
+          <p:nvPr/>
+        </p:nvSpPr>
+        <p:spPr>
+          <a:xfrm rot="2916533">
+            <a:off x="9842714" y="-1196194"/>
+            <a:ext cx="4436148" cy="3141882"/>
+          </a:xfrm>
+          <a:prstGeom prst="rect">
+            <a:avLst/>
+          </a:prstGeom>
+          <a:solidFill>
+            <a:srgbClr val="E10000"/>
+          </a:solidFill>
+          <a:ln>
+            <a:solidFill>
+              <a:srgbClr val="FF0000"/>
+            </a:solidFill>
+          </a:ln>
+        </p:spPr>
+        <p:style>
+          <a:lnRef idx="2">
+            <a:schemeClr val="accent1">
+              <a:shade val="50000"/>
+            </a:schemeClr>
+          </a:lnRef>
+          <a:fillRef idx="1">
+            <a:schemeClr val="accent1"/>
+          </a:fillRef>
+          <a:effectRef idx="0">
+            <a:schemeClr val="accent1"/>
+          </a:effectRef>
+          <a:fontRef idx="minor">
+            <a:schemeClr val="lt1"/>
+          </a:fontRef>
+        </p:style>
+        <p:txBody>
+          <a:bodyPr rtlCol="0" anchor="ctr"/>
+          <a:lstStyle/>
+          <a:p>
+            <a:pPr algn="ctr"/>
+            <a:endParaRPr lang="id-ID"/>
+          </a:p>
+        </p:txBody>
+      </p:sp>
+      <p:cxnSp>
+        <p:nvCxnSpPr>
+          <p:cNvPr id="15" name="Straight Connector 14"/>
+          <p:cNvCxnSpPr/>
+          <p:nvPr/>
+        </p:nvCxnSpPr>
+        <p:spPr>
+          <a:xfrm>
+            <a:off x="8969303" y="-177208"/>
+            <a:ext cx="3549795" cy="3919671"/>
+          </a:xfrm>
+          <a:prstGeom prst="line">
+            <a:avLst/>
+          </a:prstGeom>
+          <a:ln w="63500" cap="flat" cmpd="sng">
+            <a:solidFill>
+              <a:srgbClr val="E30000"/>
+            </a:solidFill>
+            <a:prstDash val="dash"/>
+          </a:ln>
+        </p:spPr>
+        <p:style>
+          <a:lnRef idx="1">
+            <a:schemeClr val="accent1"/>
+          </a:lnRef>
+          <a:fillRef idx="0">
+            <a:schemeClr val="accent1"/>
+          </a:fillRef>
+          <a:effectRef idx="0">
+            <a:schemeClr val="accent1"/>
+          </a:effectRef>
+          <a:fontRef idx="minor">
+            <a:schemeClr val="tx1"/>
+          </a:fontRef>
+        </p:style>
+      </p:cxnSp>
+      <p:pic>
+        <p:nvPicPr>
+          <p:cNvPr id="17" name="Picture 16">
+            <a:extLst>
+              <a:ext uri="{FF2B5EF4-FFF2-40B4-BE49-F238E27FC236}">
+                <a16:creationId xmlns:a16="http://schemas.microsoft.com/office/drawing/2014/main" id="{3F93FBFE-F74C-4B56-B6E6-ACF8050D28C9}"/>
+              </a:ext>
+            </a:extLst>
+          </p:cNvPr>
+          <p:cNvPicPr>
+            <a:picLocks noChangeAspect="1"/>
+          </p:cNvPicPr>
+          <p:nvPr/>
+        </p:nvPicPr>
+        <p:blipFill>
+          <a:blip r:embed="rId3" cstate="print">
+            <a:extLst>
+              <a:ext uri="{28A0092B-C50C-407E-A947-70E740481C1C}">
+                <a14:useLocalDpi xmlns:a14="http://schemas.microsoft.com/office/drawing/2010/main" val="0"/>
+              </a:ext>
+            </a:extLst>
+          </a:blip>
+          <a:stretch>
+            <a:fillRect/>
+          </a:stretch>
+        </p:blipFill>
+        <p:spPr>
+          <a:xfrm>
+            <a:off x="5002611" y="1681236"/>
+            <a:ext cx="2621869" cy="1494415"/>
+          </a:xfrm>
+          <a:prstGeom prst="rect">
+            <a:avLst/>
+          </a:prstGeom>
+        </p:spPr>
+      </p:pic>
+    </p:spTree>
+    <p:extLst>
+      <p:ext uri="{BB962C8B-B14F-4D97-AF65-F5344CB8AC3E}">
+        <p14:creationId xmlns:p14="http://schemas.microsoft.com/office/powerpoint/2010/main" val="334481006"/>
+      </p:ext>
+    </p:extLst>
+  </p:cSld>
+  <p:clrMapOvr>
+    <a:masterClrMapping/>
+  </p:clrMapOvr>
+  <p:transition spd="slow">
+    <p:push dir="u"/>
+  </p:transition>
+  <p:timing>
+    <p:tnLst>
+      <p:par>
+        <p:cTn id="1" dur="indefinite" restart="never" nodeType="tmRoot">
+          <p:childTnLst>
+            <p:seq concurrent="1" nextAc="seek">
+              <p:cTn id="2" dur="indefinite" nodeType="mainSeq">
+                <p:childTnLst>
+                  <p:par>
+                    <p:cTn id="3" fill="hold">
+                      <p:stCondLst>
+                        <p:cond delay="indefinite"/>
+                        <p:cond evt="onBegin" delay="0">
+                          <p:tn val="2"/>
+                        </p:cond>
+                      </p:stCondLst>
+                      <p:childTnLst>
+                        <p:par>
+                          <p:cTn id="4" fill="hold">
+                            <p:stCondLst>
+                              <p:cond delay="0"/>
+                            </p:stCondLst>
+                            <p:childTnLst>
+                              <p:par>
+                                <p:cTn id="5" presetID="49" presetClass="entr" presetSubtype="0" decel="100000" fill="hold" grpId="0" nodeType="withEffect">
+                                  <p:stCondLst>
+                                    <p:cond delay="0"/>
+                                  </p:stCondLst>
+                                  <p:childTnLst>
+                                    <p:set>
+                                      <p:cBhvr>
+                                        <p:cTn id="6" dur="1" fill="hold">
+                                          <p:stCondLst>
+                                            <p:cond delay="0"/>
+                                          </p:stCondLst>
+                                        </p:cTn>
+                                        <p:tgtEl>
+                                          <p:spTgt spid="11"/>
+                                        </p:tgtEl>
+                                        <p:attrNameLst>
+                                          <p:attrName>style.visibility</p:attrName>
+                                        </p:attrNameLst>
+                                      </p:cBhvr>
+                                      <p:to>
+                                        <p:strVal val="visible"/>
+                                      </p:to>
+                                    </p:set>
+                                    <p:anim calcmode="lin" valueType="num">
+                                      <p:cBhvr>
+                                        <p:cTn id="7" dur="500" fill="hold"/>
+                                        <p:tgtEl>
+                                          <p:spTgt spid="11"/>
+                                        </p:tgtEl>
+                                        <p:attrNameLst>
+                                          <p:attrName>ppt_w</p:attrName>
+                                        </p:attrNameLst>
+                                      </p:cBhvr>
+                                      <p:tavLst>
+                                        <p:tav tm="0">
+                                          <p:val>
+                                            <p:fltVal val="0"/>
+                                          </p:val>
+                                        </p:tav>
+                                        <p:tav tm="100000">
+                                          <p:val>
+                                            <p:strVal val="#ppt_w"/>
+                                          </p:val>
+                                        </p:tav>
+                                      </p:tavLst>
+                                    </p:anim>
+                                    <p:anim calcmode="lin" valueType="num">
+                                      <p:cBhvr>
+                                        <p:cTn id="8" dur="500" fill="hold"/>
+                                        <p:tgtEl>
+                                          <p:spTgt spid="11"/>
+                                        </p:tgtEl>
+                                        <p:attrNameLst>
+                                          <p:attrName>ppt_h</p:attrName>
+                                        </p:attrNameLst>
+                                      </p:cBhvr>
+                                      <p:tavLst>
+                                        <p:tav tm="0">
+                                          <p:val>
+                                            <p:fltVal val="0"/>
+                                          </p:val>
+                                        </p:tav>
+                                        <p:tav tm="100000">
+                                          <p:val>
+                                            <p:strVal val="#ppt_h"/>
+                                          </p:val>
+                                        </p:tav>
+                                      </p:tavLst>
+                                    </p:anim>
+                                    <p:anim calcmode="lin" valueType="num">
+                                      <p:cBhvr>
+                                        <p:cTn id="9" dur="500" fill="hold"/>
+                                        <p:tgtEl>
+                                          <p:spTgt spid="11"/>
+                                        </p:tgtEl>
+                                        <p:attrNameLst>
+                                          <p:attrName>style.rotation</p:attrName>
+                                        </p:attrNameLst>
+                                      </p:cBhvr>
+                                      <p:tavLst>
+                                        <p:tav tm="0">
+                                          <p:val>
+                                            <p:fltVal val="360"/>
+                                          </p:val>
+                                        </p:tav>
+                                        <p:tav tm="100000">
+                                          <p:val>
+                                            <p:fltVal val="0"/>
+                                          </p:val>
+                                        </p:tav>
+                                      </p:tavLst>
+                                    </p:anim>
+                                    <p:animEffect transition="in" filter="fade">
+                                      <p:cBhvr>
+                                        <p:cTn id="10" dur="500"/>
+                                        <p:tgtEl>
+                                          <p:spTgt spid="11"/>
+                                        </p:tgtEl>
+                                      </p:cBhvr>
+                                    </p:animEffect>
+                                  </p:childTnLst>
+                                </p:cTn>
+                              </p:par>
+                              <p:par>
+                                <p:cTn id="11" presetID="49" presetClass="entr" presetSubtype="0" decel="100000" fill="hold" grpId="0" nodeType="withEffect">
+                                  <p:stCondLst>
+                                    <p:cond delay="0"/>
+                                  </p:stCondLst>
+                                  <p:childTnLst>
+                                    <p:set>
+                                      <p:cBhvr>
+                                        <p:cTn id="12" dur="1" fill="hold">
+                                          <p:stCondLst>
+                                            <p:cond delay="0"/>
+                                          </p:stCondLst>
+                                        </p:cTn>
+                                        <p:tgtEl>
+                                          <p:spTgt spid="7"/>
+                                        </p:tgtEl>
+                                        <p:attrNameLst>
+                                          <p:attrName>style.visibility</p:attrName>
+                                        </p:attrNameLst>
+                                      </p:cBhvr>
+                                      <p:to>
+                                        <p:strVal val="visible"/>
+                                      </p:to>
+                                    </p:set>
+                                    <p:anim calcmode="lin" valueType="num">
+                                      <p:cBhvr>
+                                        <p:cTn id="13" dur="500" fill="hold"/>
+                                        <p:tgtEl>
+                                          <p:spTgt spid="7"/>
+                                        </p:tgtEl>
+                                        <p:attrNameLst>
+                                          <p:attrName>ppt_w</p:attrName>
+                                        </p:attrNameLst>
+                                      </p:cBhvr>
+                                      <p:tavLst>
+                                        <p:tav tm="0">
+                                          <p:val>
+                                            <p:fltVal val="0"/>
+                                          </p:val>
+                                        </p:tav>
+                                        <p:tav tm="100000">
+                                          <p:val>
+                                            <p:strVal val="#ppt_w"/>
+                                          </p:val>
+                                        </p:tav>
+                                      </p:tavLst>
+                                    </p:anim>
+                                    <p:anim calcmode="lin" valueType="num">
+                                      <p:cBhvr>
+                                        <p:cTn id="14" dur="500" fill="hold"/>
+                                        <p:tgtEl>
+                                          <p:spTgt spid="7"/>
+                                        </p:tgtEl>
+                                        <p:attrNameLst>
+                                          <p:attrName>ppt_h</p:attrName>
+                                        </p:attrNameLst>
+                                      </p:cBhvr>
+                                      <p:tavLst>
+                                        <p:tav tm="0">
+                                          <p:val>
+                                            <p:fltVal val="0"/>
+                                          </p:val>
+                                        </p:tav>
+                                        <p:tav tm="100000">
+                                          <p:val>
+                                            <p:strVal val="#ppt_h"/>
+                                          </p:val>
+                                        </p:tav>
+                                      </p:tavLst>
+                                    </p:anim>
+                                    <p:anim calcmode="lin" valueType="num">
+                                      <p:cBhvr>
+                                        <p:cTn id="15" dur="500" fill="hold"/>
+                                        <p:tgtEl>
+                                          <p:spTgt spid="7"/>
+                                        </p:tgtEl>
+                                        <p:attrNameLst>
+                                          <p:attrName>style.rotation</p:attrName>
+                                        </p:attrNameLst>
+                                      </p:cBhvr>
+                                      <p:tavLst>
+                                        <p:tav tm="0">
+                                          <p:val>
+                                            <p:fltVal val="360"/>
+                                          </p:val>
+                                        </p:tav>
+                                        <p:tav tm="100000">
+                                          <p:val>
+                                            <p:fltVal val="0"/>
+                                          </p:val>
+                                        </p:tav>
+                                      </p:tavLst>
+                                    </p:anim>
+                                    <p:animEffect transition="in" filter="fade">
+                                      <p:cBhvr>
+                                        <p:cTn id="16" dur="500"/>
+                                        <p:tgtEl>
+                                          <p:spTgt spid="7"/>
+                                        </p:tgtEl>
+                                      </p:cBhvr>
+                                    </p:animEffect>
+                                  </p:childTnLst>
+                                </p:cTn>
+                              </p:par>
+                              <p:par>
+                                <p:cTn id="17" presetID="21" presetClass="entr" presetSubtype="1" repeatCount="indefinite" fill="hold" grpId="0" nodeType="withEffect">
+                                  <p:stCondLst>
+                                    <p:cond delay="0"/>
+                                  </p:stCondLst>
+                                  <p:childTnLst>
+                                    <p:set>
+                                      <p:cBhvr>
+                                        <p:cTn id="18" dur="1" fill="hold">
+                                          <p:stCondLst>
+                                            <p:cond delay="0"/>
+                                          </p:stCondLst>
+                                        </p:cTn>
+                                        <p:tgtEl>
+                                          <p:spTgt spid="12"/>
+                                        </p:tgtEl>
+                                        <p:attrNameLst>
+                                          <p:attrName>style.visibility</p:attrName>
+                                        </p:attrNameLst>
+                                      </p:cBhvr>
+                                      <p:to>
+                                        <p:strVal val="visible"/>
+                                      </p:to>
+                                    </p:set>
+                                    <p:animEffect transition="in" filter="wheel(1)">
+                                      <p:cBhvr>
+                                        <p:cTn id="19" dur="2000"/>
+                                        <p:tgtEl>
+                                          <p:spTgt spid="12"/>
+                                        </p:tgtEl>
+                                      </p:cBhvr>
+                                    </p:animEffect>
+                                  </p:childTnLst>
+                                </p:cTn>
+                              </p:par>
+                              <p:par>
+                                <p:cTn id="20" presetID="21" presetClass="entr" presetSubtype="1" repeatCount="indefinite" fill="hold" grpId="0" nodeType="withEffect">
+                                  <p:stCondLst>
+                                    <p:cond delay="0"/>
+                                  </p:stCondLst>
+                                  <p:childTnLst>
+                                    <p:set>
+                                      <p:cBhvr>
+                                        <p:cTn id="21" dur="1" fill="hold">
+                                          <p:stCondLst>
+                                            <p:cond delay="0"/>
+                                          </p:stCondLst>
+                                        </p:cTn>
+                                        <p:tgtEl>
+                                          <p:spTgt spid="10"/>
+                                        </p:tgtEl>
+                                        <p:attrNameLst>
+                                          <p:attrName>style.visibility</p:attrName>
+                                        </p:attrNameLst>
+                                      </p:cBhvr>
+                                      <p:to>
+                                        <p:strVal val="visible"/>
+                                      </p:to>
+                                    </p:set>
+                                    <p:animEffect transition="in" filter="wheel(1)">
+                                      <p:cBhvr>
+                                        <p:cTn id="22" dur="2000"/>
+                                        <p:tgtEl>
+                                          <p:spTgt spid="10"/>
+                                        </p:tgtEl>
+                                      </p:cBhvr>
+                                    </p:animEffect>
+                                  </p:childTnLst>
+                                </p:cTn>
+                              </p:par>
+                              <p:par>
+                                <p:cTn id="23" presetID="31" presetClass="entr" presetSubtype="0" fill="hold" nodeType="withEffect">
+                                  <p:stCondLst>
+                                    <p:cond delay="0"/>
+                                  </p:stCondLst>
+                                  <p:childTnLst>
+                                    <p:set>
+                                      <p:cBhvr>
+                                        <p:cTn id="24" dur="1" fill="hold">
+                                          <p:stCondLst>
+                                            <p:cond delay="0"/>
+                                          </p:stCondLst>
+                                        </p:cTn>
+                                        <p:tgtEl>
+                                          <p:spTgt spid="21"/>
+                                        </p:tgtEl>
+                                        <p:attrNameLst>
+                                          <p:attrName>style.visibility</p:attrName>
+                                        </p:attrNameLst>
+                                      </p:cBhvr>
+                                      <p:to>
+                                        <p:strVal val="visible"/>
+                                      </p:to>
+                                    </p:set>
+                                    <p:anim calcmode="lin" valueType="num">
+                                      <p:cBhvr>
+                                        <p:cTn id="25" dur="500" fill="hold"/>
+                                        <p:tgtEl>
+                                          <p:spTgt spid="21"/>
+                                        </p:tgtEl>
+                                        <p:attrNameLst>
+                                          <p:attrName>ppt_w</p:attrName>
+                                        </p:attrNameLst>
+                                      </p:cBhvr>
+                                      <p:tavLst>
+                                        <p:tav tm="0">
+                                          <p:val>
+                                            <p:fltVal val="0"/>
+                                          </p:val>
+                                        </p:tav>
+                                        <p:tav tm="100000">
+                                          <p:val>
+                                            <p:strVal val="#ppt_w"/>
+                                          </p:val>
+                                        </p:tav>
+                                      </p:tavLst>
+                                    </p:anim>
+                                    <p:anim calcmode="lin" valueType="num">
+                                      <p:cBhvr>
+                                        <p:cTn id="26" dur="500" fill="hold"/>
+                                        <p:tgtEl>
+                                          <p:spTgt spid="21"/>
+                                        </p:tgtEl>
+                                        <p:attrNameLst>
+                                          <p:attrName>ppt_h</p:attrName>
+                                        </p:attrNameLst>
+                                      </p:cBhvr>
+                                      <p:tavLst>
+                                        <p:tav tm="0">
+                                          <p:val>
+                                            <p:fltVal val="0"/>
+                                          </p:val>
+                                        </p:tav>
+                                        <p:tav tm="100000">
+                                          <p:val>
+                                            <p:strVal val="#ppt_h"/>
+                                          </p:val>
+                                        </p:tav>
+                                      </p:tavLst>
+                                    </p:anim>
+                                    <p:anim calcmode="lin" valueType="num">
+                                      <p:cBhvr>
+                                        <p:cTn id="27" dur="500" fill="hold"/>
+                                        <p:tgtEl>
+                                          <p:spTgt spid="21"/>
+                                        </p:tgtEl>
+                                        <p:attrNameLst>
+                                          <p:attrName>style.rotation</p:attrName>
+                                        </p:attrNameLst>
+                                      </p:cBhvr>
+                                      <p:tavLst>
+                                        <p:tav tm="0">
+                                          <p:val>
+                                            <p:fltVal val="90"/>
+                                          </p:val>
+                                        </p:tav>
+                                        <p:tav tm="100000">
+                                          <p:val>
+                                            <p:fltVal val="0"/>
+                                          </p:val>
+                                        </p:tav>
+                                      </p:tavLst>
+                                    </p:anim>
+                                    <p:animEffect transition="in" filter="fade">
+                                      <p:cBhvr>
+                                        <p:cTn id="28" dur="500"/>
+                                        <p:tgtEl>
+                                          <p:spTgt spid="21"/>
+                                        </p:tgtEl>
+                                      </p:cBhvr>
+                                    </p:animEffect>
+                                  </p:childTnLst>
+                                </p:cTn>
+                              </p:par>
+                              <p:par>
+                                <p:cTn id="29" presetID="31" presetClass="entr" presetSubtype="0" fill="hold" nodeType="withEffect">
+                                  <p:stCondLst>
+                                    <p:cond delay="0"/>
+                                  </p:stCondLst>
+                                  <p:childTnLst>
+                                    <p:set>
+                                      <p:cBhvr>
+                                        <p:cTn id="30" dur="1" fill="hold">
+                                          <p:stCondLst>
+                                            <p:cond delay="0"/>
+                                          </p:stCondLst>
+                                        </p:cTn>
+                                        <p:tgtEl>
+                                          <p:spTgt spid="20"/>
+                                        </p:tgtEl>
+                                        <p:attrNameLst>
+                                          <p:attrName>style.visibility</p:attrName>
+                                        </p:attrNameLst>
+                                      </p:cBhvr>
+                                      <p:to>
+                                        <p:strVal val="visible"/>
+                                      </p:to>
+                                    </p:set>
+                                    <p:anim calcmode="lin" valueType="num">
+                                      <p:cBhvr>
+                                        <p:cTn id="31" dur="500" fill="hold"/>
+                                        <p:tgtEl>
+                                          <p:spTgt spid="20"/>
+                                        </p:tgtEl>
+                                        <p:attrNameLst>
+                                          <p:attrName>ppt_w</p:attrName>
+                                        </p:attrNameLst>
+                                      </p:cBhvr>
+                                      <p:tavLst>
+                                        <p:tav tm="0">
+                                          <p:val>
+                                            <p:fltVal val="0"/>
+                                          </p:val>
+                                        </p:tav>
+                                        <p:tav tm="100000">
+                                          <p:val>
+                                            <p:strVal val="#ppt_w"/>
+                                          </p:val>
+                                        </p:tav>
+                                      </p:tavLst>
+                                    </p:anim>
+                                    <p:anim calcmode="lin" valueType="num">
+                                      <p:cBhvr>
+                                        <p:cTn id="32" dur="500" fill="hold"/>
+                                        <p:tgtEl>
+                                          <p:spTgt spid="20"/>
+                                        </p:tgtEl>
+                                        <p:attrNameLst>
+                                          <p:attrName>ppt_h</p:attrName>
+                                        </p:attrNameLst>
+                                      </p:cBhvr>
+                                      <p:tavLst>
+                                        <p:tav tm="0">
+                                          <p:val>
+                                            <p:fltVal val="0"/>
+                                          </p:val>
+                                        </p:tav>
+                                        <p:tav tm="100000">
+                                          <p:val>
+                                            <p:strVal val="#ppt_h"/>
+                                          </p:val>
+                                        </p:tav>
+                                      </p:tavLst>
+                                    </p:anim>
+                                    <p:anim calcmode="lin" valueType="num">
+                                      <p:cBhvr>
+                                        <p:cTn id="33" dur="500" fill="hold"/>
+                                        <p:tgtEl>
+                                          <p:spTgt spid="20"/>
+                                        </p:tgtEl>
+                                        <p:attrNameLst>
+                                          <p:attrName>style.rotation</p:attrName>
+                                        </p:attrNameLst>
+                                      </p:cBhvr>
+                                      <p:tavLst>
+                                        <p:tav tm="0">
+                                          <p:val>
+                                            <p:fltVal val="90"/>
+                                          </p:val>
+                                        </p:tav>
+                                        <p:tav tm="100000">
+                                          <p:val>
+                                            <p:fltVal val="0"/>
+                                          </p:val>
+                                        </p:tav>
+                                      </p:tavLst>
+                                    </p:anim>
+                                    <p:animEffect transition="in" filter="fade">
+                                      <p:cBhvr>
+                                        <p:cTn id="34" dur="500"/>
+                                        <p:tgtEl>
+                                          <p:spTgt spid="20"/>
+                                        </p:tgtEl>
+                                      </p:cBhvr>
+                                    </p:animEffect>
+                                  </p:childTnLst>
+                                </p:cTn>
+                              </p:par>
+                              <p:par>
+                                <p:cTn id="35" presetID="49" presetClass="entr" presetSubtype="0" decel="100000" fill="hold" nodeType="withEffect">
+                                  <p:stCondLst>
+                                    <p:cond delay="0"/>
+                                  </p:stCondLst>
+                                  <p:childTnLst>
+                                    <p:set>
+                                      <p:cBhvr>
+                                        <p:cTn id="36" dur="1" fill="hold">
+                                          <p:stCondLst>
+                                            <p:cond delay="0"/>
+                                          </p:stCondLst>
+                                        </p:cTn>
+                                        <p:tgtEl>
+                                          <p:spTgt spid="17"/>
+                                        </p:tgtEl>
+                                        <p:attrNameLst>
+                                          <p:attrName>style.visibility</p:attrName>
+                                        </p:attrNameLst>
+                                      </p:cBhvr>
+                                      <p:to>
+                                        <p:strVal val="visible"/>
+                                      </p:to>
+                                    </p:set>
+                                    <p:anim calcmode="lin" valueType="num">
+                                      <p:cBhvr>
+                                        <p:cTn id="37" dur="500" fill="hold"/>
+                                        <p:tgtEl>
+                                          <p:spTgt spid="17"/>
+                                        </p:tgtEl>
+                                        <p:attrNameLst>
+                                          <p:attrName>ppt_w</p:attrName>
+                                        </p:attrNameLst>
+                                      </p:cBhvr>
+                                      <p:tavLst>
+                                        <p:tav tm="0">
+                                          <p:val>
+                                            <p:fltVal val="0"/>
+                                          </p:val>
+                                        </p:tav>
+                                        <p:tav tm="100000">
+                                          <p:val>
+                                            <p:strVal val="#ppt_w"/>
+                                          </p:val>
+                                        </p:tav>
+                                      </p:tavLst>
+                                    </p:anim>
+                                    <p:anim calcmode="lin" valueType="num">
+                                      <p:cBhvr>
+                                        <p:cTn id="38" dur="500" fill="hold"/>
+                                        <p:tgtEl>
+                                          <p:spTgt spid="17"/>
+                                        </p:tgtEl>
+                                        <p:attrNameLst>
+                                          <p:attrName>ppt_h</p:attrName>
+                                        </p:attrNameLst>
+                                      </p:cBhvr>
+                                      <p:tavLst>
+                                        <p:tav tm="0">
+                                          <p:val>
+                                            <p:fltVal val="0"/>
+                                          </p:val>
+                                        </p:tav>
+                                        <p:tav tm="100000">
+                                          <p:val>
+                                            <p:strVal val="#ppt_h"/>
+                                          </p:val>
+                                        </p:tav>
+                                      </p:tavLst>
+                                    </p:anim>
+                                    <p:anim calcmode="lin" valueType="num">
+                                      <p:cBhvr>
+                                        <p:cTn id="39" dur="500" fill="hold"/>
+                                        <p:tgtEl>
+                                          <p:spTgt spid="17"/>
+                                        </p:tgtEl>
+                                        <p:attrNameLst>
+                                          <p:attrName>style.rotation</p:attrName>
+                                        </p:attrNameLst>
+                                      </p:cBhvr>
+                                      <p:tavLst>
+                                        <p:tav tm="0">
+                                          <p:val>
+                                            <p:fltVal val="360"/>
+                                          </p:val>
+                                        </p:tav>
+                                        <p:tav tm="100000">
+                                          <p:val>
+                                            <p:fltVal val="0"/>
+                                          </p:val>
+                                        </p:tav>
+                                      </p:tavLst>
+                                    </p:anim>
+                                    <p:animEffect transition="in" filter="fade">
+                                      <p:cBhvr>
+                                        <p:cTn id="40" dur="500"/>
+                                        <p:tgtEl>
+                                          <p:spTgt spid="17"/>
+                                        </p:tgtEl>
+                                      </p:cBhvr>
+                                    </p:animEffect>
+                                  </p:childTnLst>
+                                </p:cTn>
+                              </p:par>
+                            </p:childTnLst>
+                          </p:cTn>
+                        </p:par>
+                      </p:childTnLst>
+                    </p:cTn>
+                  </p:par>
+                </p:childTnLst>
+              </p:cTn>
+              <p:prevCondLst>
+                <p:cond evt="onPrev" delay="0">
+                  <p:tgtEl>
+                    <p:sldTgt/>
+                  </p:tgtEl>
+                </p:cond>
+              </p:prevCondLst>
+              <p:nextCondLst>
+                <p:cond evt="onNext" delay="0">
+                  <p:tgtEl>
+                    <p:sldTgt/>
+                  </p:tgtEl>
+                </p:cond>
+              </p:nextCondLst>
+            </p:seq>
+          </p:childTnLst>
+        </p:cTn>
+      </p:par>
+    </p:tnLst>
+    <p:bldLst>
+      <p:bldP spid="12" grpId="0" animBg="1"/>
+      <p:bldP spid="10" grpId="0" animBg="1"/>
+      <p:bldP spid="11" grpId="0" animBg="1"/>
+      <p:bldP spid="7" grpId="0"/>
+    </p:bldLst>
+  </p:timing>
+</p:sld>
+</file>
+
+<file path=ppt/slides/slide2.xml><?xml version="1.0" encoding="utf-8"?>
+<p:sld xmlns:a="http://schemas.openxmlformats.org/drawingml/2006/main" xmlns:r="http://schemas.openxmlformats.org/officeDocument/2006/relationships" xmlns:p="http://schemas.openxmlformats.org/presentationml/2006/main">
+  <p:cSld>
+    <p:bg>
+      <p:bgPr>
+        <a:solidFill>
+          <a:srgbClr val="262E69"/>
+        </a:solidFill>
+        <a:effectLst/>
+      </p:bgPr>
+    </p:bg>
+    <p:spTree>
+      <p:nvGrpSpPr>
+        <p:cNvPr id="1" name=""/>
+        <p:cNvGrpSpPr/>
+        <p:nvPr/>
+      </p:nvGrpSpPr>
+      <p:grpSpPr>
+        <a:xfrm>
+          <a:off x="0" y="0"/>
+          <a:ext cx="0" cy="0"/>
+          <a:chOff x="0" y="0"/>
+          <a:chExt cx="0" cy="0"/>
+        </a:xfrm>
+      </p:grpSpPr>
+      <p:sp>
+        <p:nvSpPr>
+          <p:cNvPr id="12" name="Oval 11"/>
+          <p:cNvSpPr/>
+          <p:nvPr/>
+        </p:nvSpPr>
+        <p:spPr>
+          <a:xfrm>
+            <a:off x="3181223" y="335252"/>
+            <a:ext cx="6274192" cy="6274192"/>
+          </a:xfrm>
+          <a:prstGeom prst="ellipse">
+            <a:avLst/>
+          </a:prstGeom>
+          <a:solidFill>
+            <a:schemeClr val="bg1"/>
+          </a:solidFill>
+          <a:ln w="101600">
+            <a:solidFill>
+              <a:schemeClr val="bg1"/>
+            </a:solidFill>
+          </a:ln>
+        </p:spPr>
+        <p:style>
+          <a:lnRef idx="2">
+            <a:schemeClr val="accent1">
+              <a:shade val="50000"/>
+            </a:schemeClr>
+          </a:lnRef>
+          <a:fillRef idx="1">
+            <a:schemeClr val="accent1"/>
+          </a:fillRef>
+          <a:effectRef idx="0">
+            <a:schemeClr val="accent1"/>
+          </a:effectRef>
+          <a:fontRef idx="minor">
+            <a:schemeClr val="lt1"/>
+          </a:fontRef>
+        </p:style>
+        <p:txBody>
+          <a:bodyPr rtlCol="0" anchor="ctr"/>
+          <a:lstStyle/>
+          <a:p>
+            <a:pPr algn="ctr"/>
+            <a:endParaRPr lang="id-ID"/>
+          </a:p>
+        </p:txBody>
+      </p:sp>
+      <p:sp>
+        <p:nvSpPr>
+          <p:cNvPr id="10" name="Oval 9"/>
+          <p:cNvSpPr/>
+          <p:nvPr/>
+        </p:nvSpPr>
+        <p:spPr>
+          <a:xfrm>
+            <a:off x="3360477" y="544419"/>
+            <a:ext cx="5908431" cy="5908431"/>
+          </a:xfrm>
+          <a:prstGeom prst="ellipse">
+            <a:avLst/>
+          </a:prstGeom>
+          <a:solidFill>
+            <a:srgbClr val="262E69"/>
+          </a:solidFill>
+          <a:ln w="101600">
+            <a:solidFill>
+              <a:srgbClr val="262E69"/>
+            </a:solidFill>
+          </a:ln>
+        </p:spPr>
+        <p:style>
+          <a:lnRef idx="2">
+            <a:schemeClr val="accent1">
+              <a:shade val="50000"/>
+            </a:schemeClr>
+          </a:lnRef>
+          <a:fillRef idx="1">
+            <a:schemeClr val="accent1"/>
+          </a:fillRef>
+          <a:effectRef idx="0">
+            <a:schemeClr val="accent1"/>
+          </a:effectRef>
+          <a:fontRef idx="minor">
+            <a:schemeClr val="lt1"/>
+          </a:fontRef>
+        </p:style>
+        <p:txBody>
+          <a:bodyPr rtlCol="0" anchor="ctr"/>
+          <a:lstStyle/>
+          <a:p>
+            <a:pPr algn="ctr"/>
+            <a:endParaRPr lang="id-ID"/>
+          </a:p>
+        </p:txBody>
+      </p:sp>
+      <p:sp>
+        <p:nvSpPr>
+          <p:cNvPr id="11" name="Oval 10"/>
+          <p:cNvSpPr/>
+          <p:nvPr/>
+        </p:nvSpPr>
+        <p:spPr>
+          <a:xfrm>
+            <a:off x="3613696" y="797638"/>
+            <a:ext cx="5401992" cy="5401992"/>
+          </a:xfrm>
+          <a:prstGeom prst="ellipse">
+            <a:avLst/>
+          </a:prstGeom>
+          <a:solidFill>
+            <a:srgbClr val="FFFFFF"/>
+          </a:solidFill>
+          <a:ln w="101600">
+            <a:solidFill>
+              <a:srgbClr val="FFFFFF"/>
+            </a:solidFill>
+          </a:ln>
+        </p:spPr>
+        <p:style>
+          <a:lnRef idx="2">
+            <a:schemeClr val="accent1">
+              <a:shade val="50000"/>
+            </a:schemeClr>
+          </a:lnRef>
+          <a:fillRef idx="1">
+            <a:schemeClr val="accent1"/>
+          </a:fillRef>
+          <a:effectRef idx="0">
+            <a:schemeClr val="accent1"/>
+          </a:effectRef>
+          <a:fontRef idx="minor">
+            <a:schemeClr val="lt1"/>
+          </a:fontRef>
+        </p:style>
+        <p:txBody>
+          <a:bodyPr rtlCol="0" anchor="ctr"/>
+          <a:lstStyle/>
+          <a:p>
+            <a:pPr algn="ctr"/>
+            <a:endParaRPr lang="id-ID"/>
+          </a:p>
+        </p:txBody>
+      </p:sp>
+      <p:sp>
+        <p:nvSpPr>
+          <p:cNvPr id="7" name="Rectangle 6"/>
+          <p:cNvSpPr/>
+          <p:nvPr/>
+        </p:nvSpPr>
+        <p:spPr>
+          <a:xfrm>
+            <a:off x="2516386" y="3688111"/>
+            <a:ext cx="7594318" cy="769441"/>
+          </a:xfrm>
+          <a:prstGeom prst="rect">
+            <a:avLst/>
+          </a:prstGeom>
+          <a:noFill/>
+        </p:spPr>
+        <p:txBody>
+          <a:bodyPr wrap="square" lIns="91440" tIns="45720" rIns="91440" bIns="45720">
+            <a:spAutoFit/>
+          </a:bodyPr>
+          <a:lstStyle/>
+          <a:p>
+            <a:pPr algn="ctr"/>
+            <a:r>
+              <a:rPr lang="en-US" sz="4400" dirty="0">
+                <a:ln w="0"/>
+                <a:solidFill>
+                  <a:srgbClr val="262E69"/>
+                </a:solidFill>
+                <a:effectLst>
+                  <a:outerShdw blurRad="38100" dist="19050" dir="2700000" algn="tl" rotWithShape="0">
+                    <a:schemeClr val="dk1">
+                      <a:alpha val="40000"/>
+                    </a:schemeClr>
+                  </a:outerShdw>
+                </a:effectLst>
+                <a:latin typeface="Segoe UI Black" panose="020B0A02040204020203" pitchFamily="34" charset="0"/>
+                <a:ea typeface="Segoe UI Black" panose="020B0A02040204020203" pitchFamily="34" charset="0"/>
+                <a:cs typeface="Segoe UI Black" panose="020B0A02040204020203" pitchFamily="34" charset="0"/>
+              </a:rPr>
+              <a:t>Project Mission</a:t>
+            </a:r>
+            <a:endParaRPr lang="id-ID" sz="4400" dirty="0">
+              <a:ln w="0"/>
+              <a:solidFill>
+                <a:srgbClr val="262E69"/>
+              </a:solidFill>
+              <a:effectLst>
+                <a:outerShdw blurRad="38100" dist="19050" dir="2700000" algn="tl" rotWithShape="0">
+                  <a:schemeClr val="dk1">
+                    <a:alpha val="40000"/>
+                  </a:schemeClr>
+                </a:outerShdw>
+              </a:effectLst>
+              <a:latin typeface="Segoe UI Black" panose="020B0A02040204020203" pitchFamily="34" charset="0"/>
+              <a:ea typeface="Segoe UI Black" panose="020B0A02040204020203" pitchFamily="34" charset="0"/>
+              <a:cs typeface="Segoe UI Black" panose="020B0A02040204020203" pitchFamily="34" charset="0"/>
+            </a:endParaRPr>
+          </a:p>
+        </p:txBody>
+      </p:sp>
+      <p:cxnSp>
+        <p:nvCxnSpPr>
+          <p:cNvPr id="20" name="Straight Connector 19"/>
+          <p:cNvCxnSpPr/>
+          <p:nvPr/>
+        </p:nvCxnSpPr>
+        <p:spPr>
+          <a:xfrm>
+            <a:off x="3868666" y="4529568"/>
+            <a:ext cx="4864424" cy="0"/>
+          </a:xfrm>
+          <a:prstGeom prst="line">
+            <a:avLst/>
+          </a:prstGeom>
+          <a:ln>
+            <a:solidFill>
+              <a:srgbClr val="262E69"/>
+            </a:solidFill>
+          </a:ln>
+        </p:spPr>
+        <p:style>
+          <a:lnRef idx="1">
+            <a:schemeClr val="accent1"/>
+          </a:lnRef>
+          <a:fillRef idx="0">
+            <a:schemeClr val="accent1"/>
+          </a:fillRef>
+          <a:effectRef idx="0">
+            <a:schemeClr val="accent1"/>
+          </a:effectRef>
+          <a:fontRef idx="minor">
+            <a:schemeClr val="tx1"/>
+          </a:fontRef>
+        </p:style>
+      </p:cxnSp>
+      <p:cxnSp>
+        <p:nvCxnSpPr>
+          <p:cNvPr id="21" name="Straight Connector 20"/>
+          <p:cNvCxnSpPr/>
+          <p:nvPr/>
+        </p:nvCxnSpPr>
+        <p:spPr>
+          <a:xfrm>
+            <a:off x="3868666" y="3621848"/>
+            <a:ext cx="4864424" cy="0"/>
+          </a:xfrm>
+          <a:prstGeom prst="line">
+            <a:avLst/>
+          </a:prstGeom>
+          <a:ln>
+            <a:solidFill>
+              <a:srgbClr val="262E69"/>
+            </a:solidFill>
+          </a:ln>
+        </p:spPr>
+        <p:style>
+          <a:lnRef idx="1">
+            <a:schemeClr val="accent1"/>
+          </a:lnRef>
+          <a:fillRef idx="0">
+            <a:schemeClr val="accent1"/>
+          </a:fillRef>
+          <a:effectRef idx="0">
+            <a:schemeClr val="accent1"/>
+          </a:effectRef>
+          <a:fontRef idx="minor">
+            <a:schemeClr val="tx1"/>
+          </a:fontRef>
+        </p:style>
+      </p:cxnSp>
+      <p:sp>
+        <p:nvSpPr>
+          <p:cNvPr id="9" name="Rectangle 8"/>
+          <p:cNvSpPr/>
+          <p:nvPr/>
+        </p:nvSpPr>
+        <p:spPr>
+          <a:xfrm rot="2916533">
+            <a:off x="-2054567" y="4801262"/>
+            <a:ext cx="4436148" cy="3141882"/>
+          </a:xfrm>
+          <a:prstGeom prst="rect">
+            <a:avLst/>
+          </a:prstGeom>
+          <a:solidFill>
+            <a:srgbClr val="E30000"/>
+          </a:solidFill>
+          <a:ln>
+            <a:solidFill>
+              <a:srgbClr val="FF0000"/>
+            </a:solidFill>
+          </a:ln>
+        </p:spPr>
+        <p:style>
+          <a:lnRef idx="2">
+            <a:schemeClr val="accent1">
+              <a:shade val="50000"/>
+            </a:schemeClr>
+          </a:lnRef>
+          <a:fillRef idx="1">
+            <a:schemeClr val="accent1"/>
+          </a:fillRef>
+          <a:effectRef idx="0">
+            <a:schemeClr val="accent1"/>
+          </a:effectRef>
+          <a:fontRef idx="minor">
+            <a:schemeClr val="lt1"/>
+          </a:fontRef>
+        </p:style>
+        <p:txBody>
+          <a:bodyPr rtlCol="0" anchor="ctr"/>
+          <a:lstStyle/>
+          <a:p>
+            <a:pPr algn="ctr"/>
+            <a:endParaRPr lang="id-ID"/>
+          </a:p>
+        </p:txBody>
+      </p:sp>
+      <p:cxnSp>
+        <p:nvCxnSpPr>
+          <p:cNvPr id="13" name="Straight Connector 12"/>
+          <p:cNvCxnSpPr/>
+          <p:nvPr/>
+        </p:nvCxnSpPr>
+        <p:spPr>
+          <a:xfrm>
+            <a:off x="-95484" y="3135970"/>
+            <a:ext cx="3549795" cy="3919671"/>
+          </a:xfrm>
+          <a:prstGeom prst="line">
+            <a:avLst/>
+          </a:prstGeom>
+          <a:ln w="63500" cap="flat" cmpd="sng">
+            <a:solidFill>
+              <a:srgbClr val="E30000"/>
+            </a:solidFill>
+            <a:prstDash val="dash"/>
+          </a:ln>
+        </p:spPr>
+        <p:style>
+          <a:lnRef idx="1">
+            <a:schemeClr val="accent1"/>
+          </a:lnRef>
+          <a:fillRef idx="0">
+            <a:schemeClr val="accent1"/>
+          </a:fillRef>
+          <a:effectRef idx="0">
+            <a:schemeClr val="accent1"/>
+          </a:effectRef>
+          <a:fontRef idx="minor">
+            <a:schemeClr val="tx1"/>
+          </a:fontRef>
+        </p:style>
+      </p:cxnSp>
+      <p:sp>
+        <p:nvSpPr>
+          <p:cNvPr id="14" name="Rectangle 13"/>
+          <p:cNvSpPr/>
+          <p:nvPr/>
+        </p:nvSpPr>
+        <p:spPr>
+          <a:xfrm rot="2916533">
+            <a:off x="9842714" y="-1196194"/>
+            <a:ext cx="4436148" cy="3141882"/>
+          </a:xfrm>
+          <a:prstGeom prst="rect">
+            <a:avLst/>
+          </a:prstGeom>
+          <a:solidFill>
+            <a:srgbClr val="E10000"/>
+          </a:solidFill>
+          <a:ln>
+            <a:solidFill>
+              <a:srgbClr val="FF0000"/>
+            </a:solidFill>
+          </a:ln>
+        </p:spPr>
+        <p:style>
+          <a:lnRef idx="2">
+            <a:schemeClr val="accent1">
+              <a:shade val="50000"/>
+            </a:schemeClr>
+          </a:lnRef>
+          <a:fillRef idx="1">
+            <a:schemeClr val="accent1"/>
+          </a:fillRef>
+          <a:effectRef idx="0">
+            <a:schemeClr val="accent1"/>
+          </a:effectRef>
+          <a:fontRef idx="minor">
+            <a:schemeClr val="lt1"/>
+          </a:fontRef>
+        </p:style>
+        <p:txBody>
+          <a:bodyPr rtlCol="0" anchor="ctr"/>
+          <a:lstStyle/>
+          <a:p>
+            <a:pPr algn="ctr"/>
+            <a:endParaRPr lang="id-ID"/>
+          </a:p>
+        </p:txBody>
+      </p:sp>
+      <p:cxnSp>
+        <p:nvCxnSpPr>
+          <p:cNvPr id="15" name="Straight Connector 14"/>
+          <p:cNvCxnSpPr/>
+          <p:nvPr/>
+        </p:nvCxnSpPr>
+        <p:spPr>
+          <a:xfrm>
+            <a:off x="8969303" y="-177208"/>
+            <a:ext cx="3549795" cy="3919671"/>
+          </a:xfrm>
+          <a:prstGeom prst="line">
+            <a:avLst/>
+          </a:prstGeom>
+          <a:ln w="63500" cap="flat" cmpd="sng">
+            <a:solidFill>
+              <a:srgbClr val="E30000"/>
+            </a:solidFill>
+            <a:prstDash val="dash"/>
+          </a:ln>
+        </p:spPr>
+        <p:style>
+          <a:lnRef idx="1">
+            <a:schemeClr val="accent1"/>
+          </a:lnRef>
+          <a:fillRef idx="0">
+            <a:schemeClr val="accent1"/>
+          </a:fillRef>
+          <a:effectRef idx="0">
+            <a:schemeClr val="accent1"/>
+          </a:effectRef>
+          <a:fontRef idx="minor">
+            <a:schemeClr val="tx1"/>
+          </a:fontRef>
+        </p:style>
+      </p:cxnSp>
+      <p:pic>
+        <p:nvPicPr>
+          <p:cNvPr id="17" name="Picture 16">
+            <a:extLst>
+              <a:ext uri="{FF2B5EF4-FFF2-40B4-BE49-F238E27FC236}">
+                <a16:creationId xmlns:a16="http://schemas.microsoft.com/office/drawing/2014/main" id="{3F93FBFE-F74C-4B56-B6E6-ACF8050D28C9}"/>
+              </a:ext>
+            </a:extLst>
+          </p:cNvPr>
+          <p:cNvPicPr>
+            <a:picLocks noChangeAspect="1"/>
+          </p:cNvPicPr>
+          <p:nvPr/>
+        </p:nvPicPr>
+        <p:blipFill>
+          <a:blip r:embed="rId3" cstate="print">
+            <a:extLst>
+              <a:ext uri="{28A0092B-C50C-407E-A947-70E740481C1C}">
+                <a14:useLocalDpi xmlns:a14="http://schemas.microsoft.com/office/drawing/2010/main" val="0"/>
+              </a:ext>
+            </a:extLst>
+          </a:blip>
+          <a:stretch>
+            <a:fillRect/>
+          </a:stretch>
+        </p:blipFill>
+        <p:spPr>
+          <a:xfrm>
+            <a:off x="5002611" y="1681236"/>
+            <a:ext cx="2621869" cy="1494415"/>
+          </a:xfrm>
+          <a:prstGeom prst="rect">
+            <a:avLst/>
+          </a:prstGeom>
+        </p:spPr>
+      </p:pic>
+    </p:spTree>
+    <p:extLst>
+      <p:ext uri="{BB962C8B-B14F-4D97-AF65-F5344CB8AC3E}">
+        <p14:creationId xmlns:p14="http://schemas.microsoft.com/office/powerpoint/2010/main" val="3430682952"/>
+      </p:ext>
+    </p:extLst>
+  </p:cSld>
+  <p:clrMapOvr>
+    <a:masterClrMapping/>
+  </p:clrMapOvr>
+  <p:transition spd="slow">
+    <p:push dir="u"/>
+  </p:transition>
+  <p:timing>
+    <p:tnLst>
+      <p:par>
+        <p:cTn id="1" dur="indefinite" restart="never" nodeType="tmRoot">
+          <p:childTnLst>
+            <p:seq concurrent="1" nextAc="seek">
+              <p:cTn id="2" dur="indefinite" nodeType="mainSeq">
+                <p:childTnLst>
+                  <p:par>
+                    <p:cTn id="3" fill="hold">
+                      <p:stCondLst>
+                        <p:cond delay="indefinite"/>
+                        <p:cond evt="onBegin" delay="0">
+                          <p:tn val="2"/>
+                        </p:cond>
+                      </p:stCondLst>
+                      <p:childTnLst>
+                        <p:par>
+                          <p:cTn id="4" fill="hold">
+                            <p:stCondLst>
+                              <p:cond delay="0"/>
+                            </p:stCondLst>
+                            <p:childTnLst>
+                              <p:par>
+                                <p:cTn id="5" presetID="49" presetClass="entr" presetSubtype="0" decel="100000" fill="hold" nodeType="withEffect">
+                                  <p:stCondLst>
+                                    <p:cond delay="0"/>
+                                  </p:stCondLst>
+                                  <p:childTnLst>
+                                    <p:set>
+                                      <p:cBhvr>
+                                        <p:cTn id="6" dur="1" fill="hold">
+                                          <p:stCondLst>
+                                            <p:cond delay="0"/>
+                                          </p:stCondLst>
+                                        </p:cTn>
+                                        <p:tgtEl>
+                                          <p:spTgt spid="17"/>
+                                        </p:tgtEl>
+                                        <p:attrNameLst>
+                                          <p:attrName>style.visibility</p:attrName>
+                                        </p:attrNameLst>
+                                      </p:cBhvr>
+                                      <p:to>
+                                        <p:strVal val="visible"/>
+                                      </p:to>
+                                    </p:set>
+                                    <p:anim calcmode="lin" valueType="num">
+                                      <p:cBhvr>
+                                        <p:cTn id="7" dur="500" fill="hold"/>
+                                        <p:tgtEl>
+                                          <p:spTgt spid="17"/>
+                                        </p:tgtEl>
+                                        <p:attrNameLst>
+                                          <p:attrName>ppt_w</p:attrName>
+                                        </p:attrNameLst>
+                                      </p:cBhvr>
+                                      <p:tavLst>
+                                        <p:tav tm="0">
+                                          <p:val>
+                                            <p:fltVal val="0"/>
+                                          </p:val>
+                                        </p:tav>
+                                        <p:tav tm="100000">
+                                          <p:val>
+                                            <p:strVal val="#ppt_w"/>
+                                          </p:val>
+                                        </p:tav>
+                                      </p:tavLst>
+                                    </p:anim>
+                                    <p:anim calcmode="lin" valueType="num">
+                                      <p:cBhvr>
+                                        <p:cTn id="8" dur="500" fill="hold"/>
+                                        <p:tgtEl>
+                                          <p:spTgt spid="17"/>
+                                        </p:tgtEl>
+                                        <p:attrNameLst>
+                                          <p:attrName>ppt_h</p:attrName>
+                                        </p:attrNameLst>
+                                      </p:cBhvr>
+                                      <p:tavLst>
+                                        <p:tav tm="0">
+                                          <p:val>
+                                            <p:fltVal val="0"/>
+                                          </p:val>
+                                        </p:tav>
+                                        <p:tav tm="100000">
+                                          <p:val>
+                                            <p:strVal val="#ppt_h"/>
+                                          </p:val>
+                                        </p:tav>
+                                      </p:tavLst>
+                                    </p:anim>
+                                    <p:anim calcmode="lin" valueType="num">
+                                      <p:cBhvr>
+                                        <p:cTn id="9" dur="500" fill="hold"/>
+                                        <p:tgtEl>
+                                          <p:spTgt spid="17"/>
+                                        </p:tgtEl>
+                                        <p:attrNameLst>
+                                          <p:attrName>style.rotation</p:attrName>
+                                        </p:attrNameLst>
+                                      </p:cBhvr>
+                                      <p:tavLst>
+                                        <p:tav tm="0">
+                                          <p:val>
+                                            <p:fltVal val="360"/>
+                                          </p:val>
+                                        </p:tav>
+                                        <p:tav tm="100000">
+                                          <p:val>
+                                            <p:fltVal val="0"/>
+                                          </p:val>
+                                        </p:tav>
+                                      </p:tavLst>
+                                    </p:anim>
+                                    <p:animEffect transition="in" filter="fade">
+                                      <p:cBhvr>
+                                        <p:cTn id="10" dur="500"/>
+                                        <p:tgtEl>
+                                          <p:spTgt spid="17"/>
+                                        </p:tgtEl>
+                                      </p:cBhvr>
+                                    </p:animEffect>
+                                  </p:childTnLst>
+                                </p:cTn>
+                              </p:par>
+                              <p:par>
+                                <p:cTn id="11" presetID="49" presetClass="entr" presetSubtype="0" decel="100000" fill="hold" grpId="0" nodeType="withEffect">
+                                  <p:stCondLst>
+                                    <p:cond delay="0"/>
+                                  </p:stCondLst>
+                                  <p:childTnLst>
+                                    <p:set>
+                                      <p:cBhvr>
+                                        <p:cTn id="12" dur="1" fill="hold">
+                                          <p:stCondLst>
+                                            <p:cond delay="0"/>
+                                          </p:stCondLst>
+                                        </p:cTn>
+                                        <p:tgtEl>
+                                          <p:spTgt spid="11"/>
+                                        </p:tgtEl>
+                                        <p:attrNameLst>
+                                          <p:attrName>style.visibility</p:attrName>
+                                        </p:attrNameLst>
+                                      </p:cBhvr>
+                                      <p:to>
+                                        <p:strVal val="visible"/>
+                                      </p:to>
+                                    </p:set>
+                                    <p:anim calcmode="lin" valueType="num">
+                                      <p:cBhvr>
+                                        <p:cTn id="13" dur="500" fill="hold"/>
+                                        <p:tgtEl>
+                                          <p:spTgt spid="11"/>
+                                        </p:tgtEl>
+                                        <p:attrNameLst>
+                                          <p:attrName>ppt_w</p:attrName>
+                                        </p:attrNameLst>
+                                      </p:cBhvr>
+                                      <p:tavLst>
+                                        <p:tav tm="0">
+                                          <p:val>
+                                            <p:fltVal val="0"/>
+                                          </p:val>
+                                        </p:tav>
+                                        <p:tav tm="100000">
+                                          <p:val>
+                                            <p:strVal val="#ppt_w"/>
+                                          </p:val>
+                                        </p:tav>
+                                      </p:tavLst>
+                                    </p:anim>
+                                    <p:anim calcmode="lin" valueType="num">
+                                      <p:cBhvr>
+                                        <p:cTn id="14" dur="500" fill="hold"/>
+                                        <p:tgtEl>
+                                          <p:spTgt spid="11"/>
+                                        </p:tgtEl>
+                                        <p:attrNameLst>
+                                          <p:attrName>ppt_h</p:attrName>
+                                        </p:attrNameLst>
+                                      </p:cBhvr>
+                                      <p:tavLst>
+                                        <p:tav tm="0">
+                                          <p:val>
+                                            <p:fltVal val="0"/>
+                                          </p:val>
+                                        </p:tav>
+                                        <p:tav tm="100000">
+                                          <p:val>
+                                            <p:strVal val="#ppt_h"/>
+                                          </p:val>
+                                        </p:tav>
+                                      </p:tavLst>
+                                    </p:anim>
+                                    <p:anim calcmode="lin" valueType="num">
+                                      <p:cBhvr>
+                                        <p:cTn id="15" dur="500" fill="hold"/>
+                                        <p:tgtEl>
+                                          <p:spTgt spid="11"/>
+                                        </p:tgtEl>
+                                        <p:attrNameLst>
+                                          <p:attrName>style.rotation</p:attrName>
+                                        </p:attrNameLst>
+                                      </p:cBhvr>
+                                      <p:tavLst>
+                                        <p:tav tm="0">
+                                          <p:val>
+                                            <p:fltVal val="360"/>
+                                          </p:val>
+                                        </p:tav>
+                                        <p:tav tm="100000">
+                                          <p:val>
+                                            <p:fltVal val="0"/>
+                                          </p:val>
+                                        </p:tav>
+                                      </p:tavLst>
+                                    </p:anim>
+                                    <p:animEffect transition="in" filter="fade">
+                                      <p:cBhvr>
+                                        <p:cTn id="16" dur="500"/>
+                                        <p:tgtEl>
+                                          <p:spTgt spid="11"/>
+                                        </p:tgtEl>
+                                      </p:cBhvr>
+                                    </p:animEffect>
+                                  </p:childTnLst>
+                                </p:cTn>
+                              </p:par>
+                              <p:par>
+                                <p:cTn id="17" presetID="49" presetClass="entr" presetSubtype="0" decel="100000" fill="hold" grpId="0" nodeType="withEffect">
+                                  <p:stCondLst>
+                                    <p:cond delay="0"/>
+                                  </p:stCondLst>
+                                  <p:childTnLst>
+                                    <p:set>
+                                      <p:cBhvr>
+                                        <p:cTn id="18" dur="1" fill="hold">
+                                          <p:stCondLst>
+                                            <p:cond delay="0"/>
+                                          </p:stCondLst>
+                                        </p:cTn>
+                                        <p:tgtEl>
+                                          <p:spTgt spid="7"/>
+                                        </p:tgtEl>
+                                        <p:attrNameLst>
+                                          <p:attrName>style.visibility</p:attrName>
+                                        </p:attrNameLst>
+                                      </p:cBhvr>
+                                      <p:to>
+                                        <p:strVal val="visible"/>
+                                      </p:to>
+                                    </p:set>
+                                    <p:anim calcmode="lin" valueType="num">
+                                      <p:cBhvr>
+                                        <p:cTn id="19" dur="500" fill="hold"/>
+                                        <p:tgtEl>
+                                          <p:spTgt spid="7"/>
+                                        </p:tgtEl>
+                                        <p:attrNameLst>
+                                          <p:attrName>ppt_w</p:attrName>
+                                        </p:attrNameLst>
+                                      </p:cBhvr>
+                                      <p:tavLst>
+                                        <p:tav tm="0">
+                                          <p:val>
+                                            <p:fltVal val="0"/>
+                                          </p:val>
+                                        </p:tav>
+                                        <p:tav tm="100000">
+                                          <p:val>
+                                            <p:strVal val="#ppt_w"/>
+                                          </p:val>
+                                        </p:tav>
+                                      </p:tavLst>
+                                    </p:anim>
+                                    <p:anim calcmode="lin" valueType="num">
+                                      <p:cBhvr>
+                                        <p:cTn id="20" dur="500" fill="hold"/>
+                                        <p:tgtEl>
+                                          <p:spTgt spid="7"/>
+                                        </p:tgtEl>
+                                        <p:attrNameLst>
+                                          <p:attrName>ppt_h</p:attrName>
+                                        </p:attrNameLst>
+                                      </p:cBhvr>
+                                      <p:tavLst>
+                                        <p:tav tm="0">
+                                          <p:val>
+                                            <p:fltVal val="0"/>
+                                          </p:val>
+                                        </p:tav>
+                                        <p:tav tm="100000">
+                                          <p:val>
+                                            <p:strVal val="#ppt_h"/>
+                                          </p:val>
+                                        </p:tav>
+                                      </p:tavLst>
+                                    </p:anim>
+                                    <p:anim calcmode="lin" valueType="num">
+                                      <p:cBhvr>
+                                        <p:cTn id="21" dur="500" fill="hold"/>
+                                        <p:tgtEl>
+                                          <p:spTgt spid="7"/>
+                                        </p:tgtEl>
+                                        <p:attrNameLst>
+                                          <p:attrName>style.rotation</p:attrName>
+                                        </p:attrNameLst>
+                                      </p:cBhvr>
+                                      <p:tavLst>
+                                        <p:tav tm="0">
+                                          <p:val>
+                                            <p:fltVal val="360"/>
+                                          </p:val>
+                                        </p:tav>
+                                        <p:tav tm="100000">
+                                          <p:val>
+                                            <p:fltVal val="0"/>
+                                          </p:val>
+                                        </p:tav>
+                                      </p:tavLst>
+                                    </p:anim>
+                                    <p:animEffect transition="in" filter="fade">
+                                      <p:cBhvr>
+                                        <p:cTn id="22" dur="500"/>
+                                        <p:tgtEl>
+                                          <p:spTgt spid="7"/>
+                                        </p:tgtEl>
+                                      </p:cBhvr>
+                                    </p:animEffect>
+                                  </p:childTnLst>
+                                </p:cTn>
+                              </p:par>
+                              <p:par>
+                                <p:cTn id="23" presetID="21" presetClass="entr" presetSubtype="1" repeatCount="indefinite" fill="hold" grpId="0" nodeType="withEffect">
+                                  <p:stCondLst>
+                                    <p:cond delay="0"/>
+                                  </p:stCondLst>
+                                  <p:childTnLst>
+                                    <p:set>
+                                      <p:cBhvr>
+                                        <p:cTn id="24" dur="1" fill="hold">
+                                          <p:stCondLst>
+                                            <p:cond delay="0"/>
+                                          </p:stCondLst>
+                                        </p:cTn>
+                                        <p:tgtEl>
+                                          <p:spTgt spid="12"/>
+                                        </p:tgtEl>
+                                        <p:attrNameLst>
+                                          <p:attrName>style.visibility</p:attrName>
+                                        </p:attrNameLst>
+                                      </p:cBhvr>
+                                      <p:to>
+                                        <p:strVal val="visible"/>
+                                      </p:to>
+                                    </p:set>
+                                    <p:animEffect transition="in" filter="wheel(1)">
+                                      <p:cBhvr>
+                                        <p:cTn id="25" dur="2000"/>
+                                        <p:tgtEl>
+                                          <p:spTgt spid="12"/>
+                                        </p:tgtEl>
+                                      </p:cBhvr>
+                                    </p:animEffect>
+                                  </p:childTnLst>
+                                </p:cTn>
+                              </p:par>
+                              <p:par>
+                                <p:cTn id="26" presetID="21" presetClass="entr" presetSubtype="1" repeatCount="indefinite" fill="hold" grpId="0" nodeType="withEffect">
+                                  <p:stCondLst>
+                                    <p:cond delay="0"/>
+                                  </p:stCondLst>
+                                  <p:childTnLst>
+                                    <p:set>
+                                      <p:cBhvr>
+                                        <p:cTn id="27" dur="1" fill="hold">
+                                          <p:stCondLst>
+                                            <p:cond delay="0"/>
+                                          </p:stCondLst>
+                                        </p:cTn>
+                                        <p:tgtEl>
+                                          <p:spTgt spid="10"/>
+                                        </p:tgtEl>
+                                        <p:attrNameLst>
+                                          <p:attrName>style.visibility</p:attrName>
+                                        </p:attrNameLst>
+                                      </p:cBhvr>
+                                      <p:to>
+                                        <p:strVal val="visible"/>
+                                      </p:to>
+                                    </p:set>
+                                    <p:animEffect transition="in" filter="wheel(1)">
+                                      <p:cBhvr>
+                                        <p:cTn id="28" dur="2000"/>
+                                        <p:tgtEl>
+                                          <p:spTgt spid="10"/>
+                                        </p:tgtEl>
+                                      </p:cBhvr>
+                                    </p:animEffect>
+                                  </p:childTnLst>
+                                </p:cTn>
+                              </p:par>
+                              <p:par>
+                                <p:cTn id="29" presetID="31" presetClass="entr" presetSubtype="0" fill="hold" nodeType="withEffect">
+                                  <p:stCondLst>
+                                    <p:cond delay="0"/>
+                                  </p:stCondLst>
+                                  <p:childTnLst>
+                                    <p:set>
+                                      <p:cBhvr>
+                                        <p:cTn id="30" dur="1" fill="hold">
+                                          <p:stCondLst>
+                                            <p:cond delay="0"/>
+                                          </p:stCondLst>
+                                        </p:cTn>
+                                        <p:tgtEl>
+                                          <p:spTgt spid="21"/>
+                                        </p:tgtEl>
+                                        <p:attrNameLst>
+                                          <p:attrName>style.visibility</p:attrName>
+                                        </p:attrNameLst>
+                                      </p:cBhvr>
+                                      <p:to>
+                                        <p:strVal val="visible"/>
+                                      </p:to>
+                                    </p:set>
+                                    <p:anim calcmode="lin" valueType="num">
+                                      <p:cBhvr>
+                                        <p:cTn id="31" dur="500" fill="hold"/>
+                                        <p:tgtEl>
+                                          <p:spTgt spid="21"/>
+                                        </p:tgtEl>
+                                        <p:attrNameLst>
+                                          <p:attrName>ppt_w</p:attrName>
+                                        </p:attrNameLst>
+                                      </p:cBhvr>
+                                      <p:tavLst>
+                                        <p:tav tm="0">
+                                          <p:val>
+                                            <p:fltVal val="0"/>
+                                          </p:val>
+                                        </p:tav>
+                                        <p:tav tm="100000">
+                                          <p:val>
+                                            <p:strVal val="#ppt_w"/>
+                                          </p:val>
+                                        </p:tav>
+                                      </p:tavLst>
+                                    </p:anim>
+                                    <p:anim calcmode="lin" valueType="num">
+                                      <p:cBhvr>
+                                        <p:cTn id="32" dur="500" fill="hold"/>
+                                        <p:tgtEl>
+                                          <p:spTgt spid="21"/>
+                                        </p:tgtEl>
+                                        <p:attrNameLst>
+                                          <p:attrName>ppt_h</p:attrName>
+                                        </p:attrNameLst>
+                                      </p:cBhvr>
+                                      <p:tavLst>
+                                        <p:tav tm="0">
+                                          <p:val>
+                                            <p:fltVal val="0"/>
+                                          </p:val>
+                                        </p:tav>
+                                        <p:tav tm="100000">
+                                          <p:val>
+                                            <p:strVal val="#ppt_h"/>
+                                          </p:val>
+                                        </p:tav>
+                                      </p:tavLst>
+                                    </p:anim>
+                                    <p:anim calcmode="lin" valueType="num">
+                                      <p:cBhvr>
+                                        <p:cTn id="33" dur="500" fill="hold"/>
+                                        <p:tgtEl>
+                                          <p:spTgt spid="21"/>
+                                        </p:tgtEl>
+                                        <p:attrNameLst>
+                                          <p:attrName>style.rotation</p:attrName>
+                                        </p:attrNameLst>
+                                      </p:cBhvr>
+                                      <p:tavLst>
+                                        <p:tav tm="0">
+                                          <p:val>
+                                            <p:fltVal val="90"/>
+                                          </p:val>
+                                        </p:tav>
+                                        <p:tav tm="100000">
+                                          <p:val>
+                                            <p:fltVal val="0"/>
+                                          </p:val>
+                                        </p:tav>
+                                      </p:tavLst>
+                                    </p:anim>
+                                    <p:animEffect transition="in" filter="fade">
+                                      <p:cBhvr>
+                                        <p:cTn id="34" dur="500"/>
+                                        <p:tgtEl>
+                                          <p:spTgt spid="21"/>
+                                        </p:tgtEl>
+                                      </p:cBhvr>
+                                    </p:animEffect>
+                                  </p:childTnLst>
+                                </p:cTn>
+                              </p:par>
+                              <p:par>
+                                <p:cTn id="35" presetID="31" presetClass="entr" presetSubtype="0" fill="hold" nodeType="withEffect">
+                                  <p:stCondLst>
+                                    <p:cond delay="0"/>
+                                  </p:stCondLst>
+                                  <p:childTnLst>
+                                    <p:set>
+                                      <p:cBhvr>
+                                        <p:cTn id="36" dur="1" fill="hold">
+                                          <p:stCondLst>
+                                            <p:cond delay="0"/>
+                                          </p:stCondLst>
+                                        </p:cTn>
+                                        <p:tgtEl>
+                                          <p:spTgt spid="20"/>
+                                        </p:tgtEl>
+                                        <p:attrNameLst>
+                                          <p:attrName>style.visibility</p:attrName>
+                                        </p:attrNameLst>
+                                      </p:cBhvr>
+                                      <p:to>
+                                        <p:strVal val="visible"/>
+                                      </p:to>
+                                    </p:set>
+                                    <p:anim calcmode="lin" valueType="num">
+                                      <p:cBhvr>
+                                        <p:cTn id="37" dur="500" fill="hold"/>
+                                        <p:tgtEl>
+                                          <p:spTgt spid="20"/>
+                                        </p:tgtEl>
+                                        <p:attrNameLst>
+                                          <p:attrName>ppt_w</p:attrName>
+                                        </p:attrNameLst>
+                                      </p:cBhvr>
+                                      <p:tavLst>
+                                        <p:tav tm="0">
+                                          <p:val>
+                                            <p:fltVal val="0"/>
+                                          </p:val>
+                                        </p:tav>
+                                        <p:tav tm="100000">
+                                          <p:val>
+                                            <p:strVal val="#ppt_w"/>
+                                          </p:val>
+                                        </p:tav>
+                                      </p:tavLst>
+                                    </p:anim>
+                                    <p:anim calcmode="lin" valueType="num">
+                                      <p:cBhvr>
+                                        <p:cTn id="38" dur="500" fill="hold"/>
+                                        <p:tgtEl>
+                                          <p:spTgt spid="20"/>
+                                        </p:tgtEl>
+                                        <p:attrNameLst>
+                                          <p:attrName>ppt_h</p:attrName>
+                                        </p:attrNameLst>
+                                      </p:cBhvr>
+                                      <p:tavLst>
+                                        <p:tav tm="0">
+                                          <p:val>
+                                            <p:fltVal val="0"/>
+                                          </p:val>
+                                        </p:tav>
+                                        <p:tav tm="100000">
+                                          <p:val>
+                                            <p:strVal val="#ppt_h"/>
+                                          </p:val>
+                                        </p:tav>
+                                      </p:tavLst>
+                                    </p:anim>
+                                    <p:anim calcmode="lin" valueType="num">
+                                      <p:cBhvr>
+                                        <p:cTn id="39" dur="500" fill="hold"/>
+                                        <p:tgtEl>
+                                          <p:spTgt spid="20"/>
+                                        </p:tgtEl>
+                                        <p:attrNameLst>
+                                          <p:attrName>style.rotation</p:attrName>
+                                        </p:attrNameLst>
+                                      </p:cBhvr>
+                                      <p:tavLst>
+                                        <p:tav tm="0">
+                                          <p:val>
+                                            <p:fltVal val="90"/>
+                                          </p:val>
+                                        </p:tav>
+                                        <p:tav tm="100000">
+                                          <p:val>
+                                            <p:fltVal val="0"/>
+                                          </p:val>
+                                        </p:tav>
+                                      </p:tavLst>
+                                    </p:anim>
+                                    <p:animEffect transition="in" filter="fade">
+                                      <p:cBhvr>
+                                        <p:cTn id="40" dur="500"/>
+                                        <p:tgtEl>
+                                          <p:spTgt spid="20"/>
+                                        </p:tgtEl>
+                                      </p:cBhvr>
+                                    </p:animEffect>
+                                  </p:childTnLst>
+                                </p:cTn>
+                              </p:par>
+                            </p:childTnLst>
+                          </p:cTn>
+                        </p:par>
+                      </p:childTnLst>
+                    </p:cTn>
+                  </p:par>
+                </p:childTnLst>
+              </p:cTn>
+              <p:prevCondLst>
+                <p:cond evt="onPrev" delay="0">
+                  <p:tgtEl>
+                    <p:sldTgt/>
+                  </p:tgtEl>
+                </p:cond>
+              </p:prevCondLst>
+              <p:nextCondLst>
+                <p:cond evt="onNext" delay="0">
+                  <p:tgtEl>
+                    <p:sldTgt/>
+                  </p:tgtEl>
+                </p:cond>
+              </p:nextCondLst>
+            </p:seq>
+          </p:childTnLst>
+        </p:cTn>
+      </p:par>
+    </p:tnLst>
+    <p:bldLst>
+      <p:bldP spid="12" grpId="0" animBg="1"/>
+      <p:bldP spid="10" grpId="0" animBg="1"/>
+      <p:bldP spid="11" grpId="0" animBg="1"/>
+      <p:bldP spid="7" grpId="0"/>
+    </p:bldLst>
+  </p:timing>
+</p:sld>
+</file>
+
+<file path=ppt/slides/slide20.xml><?xml version="1.0" encoding="utf-8"?>
+<p:sld xmlns:a="http://schemas.openxmlformats.org/drawingml/2006/main" xmlns:r="http://schemas.openxmlformats.org/officeDocument/2006/relationships" xmlns:p="http://schemas.openxmlformats.org/presentationml/2006/main">
+  <p:cSld>
+    <p:bg>
+      <p:bgPr>
+        <a:solidFill>
+          <a:srgbClr val="20346A"/>
+        </a:solidFill>
+        <a:effectLst/>
+      </p:bgPr>
+    </p:bg>
+    <p:spTree>
+      <p:nvGrpSpPr>
+        <p:cNvPr id="1" name=""/>
+        <p:cNvGrpSpPr/>
+        <p:nvPr/>
+      </p:nvGrpSpPr>
+      <p:grpSpPr>
+        <a:xfrm>
+          <a:off x="0" y="0"/>
+          <a:ext cx="0" cy="0"/>
+          <a:chOff x="0" y="0"/>
+          <a:chExt cx="0" cy="0"/>
+        </a:xfrm>
+      </p:grpSpPr>
+      <p:grpSp>
+        <p:nvGrpSpPr>
+          <p:cNvPr id="16" name="Group 15">
+            <a:extLst>
+              <a:ext uri="{FF2B5EF4-FFF2-40B4-BE49-F238E27FC236}">
+                <a16:creationId xmlns:a16="http://schemas.microsoft.com/office/drawing/2014/main" id="{B1E9C61C-BA4E-4B9B-ACA0-51D5C38908CF}"/>
+              </a:ext>
+            </a:extLst>
+          </p:cNvPr>
+          <p:cNvGrpSpPr/>
+          <p:nvPr/>
+        </p:nvGrpSpPr>
+        <p:grpSpPr>
+          <a:xfrm>
+            <a:off x="4688559" y="2229778"/>
+            <a:ext cx="2814881" cy="503274"/>
+            <a:chOff x="3683000" y="3089524"/>
+            <a:chExt cx="3632200" cy="1451770"/>
+          </a:xfrm>
+          <a:solidFill>
+            <a:srgbClr val="FFFFFF"/>
+          </a:solidFill>
+        </p:grpSpPr>
+        <p:sp>
+          <p:nvSpPr>
+            <p:cNvPr id="21" name="Snip Diagonal Corner Rectangle 22">
+              <a:extLst>
+                <a:ext uri="{FF2B5EF4-FFF2-40B4-BE49-F238E27FC236}">
+                  <a16:creationId xmlns:a16="http://schemas.microsoft.com/office/drawing/2014/main" id="{CC09C988-27ED-4D22-9F02-BD5BE4A56425}"/>
+                </a:ext>
+              </a:extLst>
+            </p:cNvPr>
+            <p:cNvSpPr/>
+            <p:nvPr/>
+          </p:nvSpPr>
+          <p:spPr>
+            <a:xfrm>
+              <a:off x="3835400" y="3241924"/>
+              <a:ext cx="3479800" cy="1299370"/>
+            </a:xfrm>
+            <a:prstGeom prst="snip2DiagRect">
+              <a:avLst/>
+            </a:prstGeom>
+            <a:solidFill>
+              <a:srgbClr val="C00000"/>
+            </a:solidFill>
+            <a:ln>
+              <a:solidFill>
+                <a:srgbClr val="CC1A21"/>
+              </a:solidFill>
+            </a:ln>
+          </p:spPr>
+          <p:style>
+            <a:lnRef idx="2">
+              <a:schemeClr val="accent1">
+                <a:shade val="50000"/>
+              </a:schemeClr>
+            </a:lnRef>
+            <a:fillRef idx="1">
+              <a:schemeClr val="accent1"/>
+            </a:fillRef>
+            <a:effectRef idx="0">
+              <a:schemeClr val="accent1"/>
+            </a:effectRef>
+            <a:fontRef idx="minor">
+              <a:schemeClr val="lt1"/>
+            </a:fontRef>
+          </p:style>
+          <p:txBody>
+            <a:bodyPr rtlCol="0" anchor="ctr"/>
+            <a:lstStyle/>
+            <a:p>
+              <a:pPr algn="ctr"/>
+              <a:endParaRPr lang="id-ID"/>
+            </a:p>
+          </p:txBody>
+        </p:sp>
+        <p:sp>
+          <p:nvSpPr>
+            <p:cNvPr id="22" name="Snip Diagonal Corner Rectangle 3">
+              <a:extLst>
+                <a:ext uri="{FF2B5EF4-FFF2-40B4-BE49-F238E27FC236}">
+                  <a16:creationId xmlns:a16="http://schemas.microsoft.com/office/drawing/2014/main" id="{6F458FF9-9B69-4D00-AFE3-53979EDB558E}"/>
+                </a:ext>
+              </a:extLst>
+            </p:cNvPr>
+            <p:cNvSpPr/>
+            <p:nvPr/>
+          </p:nvSpPr>
+          <p:spPr>
+            <a:xfrm>
+              <a:off x="3683000" y="3089524"/>
+              <a:ext cx="3479800" cy="1299370"/>
+            </a:xfrm>
+            <a:prstGeom prst="snip2DiagRect">
+              <a:avLst/>
+            </a:prstGeom>
+            <a:grpFill/>
+            <a:ln>
+              <a:noFill/>
+            </a:ln>
+          </p:spPr>
+          <p:style>
+            <a:lnRef idx="2">
+              <a:schemeClr val="accent1">
+                <a:shade val="50000"/>
+              </a:schemeClr>
+            </a:lnRef>
+            <a:fillRef idx="1">
+              <a:schemeClr val="accent1"/>
+            </a:fillRef>
+            <a:effectRef idx="0">
+              <a:schemeClr val="accent1"/>
+            </a:effectRef>
+            <a:fontRef idx="minor">
+              <a:schemeClr val="lt1"/>
+            </a:fontRef>
+          </p:style>
+          <p:txBody>
+            <a:bodyPr rtlCol="0" anchor="ctr"/>
+            <a:lstStyle/>
+            <a:p>
+              <a:pPr algn="ctr"/>
+              <a:endParaRPr lang="id-ID"/>
+            </a:p>
+          </p:txBody>
+        </p:sp>
+      </p:grpSp>
+      <p:sp>
+        <p:nvSpPr>
+          <p:cNvPr id="48" name="TextBox 47"/>
+          <p:cNvSpPr txBox="1"/>
+          <p:nvPr/>
+        </p:nvSpPr>
+        <p:spPr>
+          <a:xfrm>
+            <a:off x="378652" y="2253640"/>
+            <a:ext cx="11316588" cy="2000548"/>
+          </a:xfrm>
+          <a:prstGeom prst="rect">
+            <a:avLst/>
+          </a:prstGeom>
+          <a:noFill/>
+        </p:spPr>
+        <p:txBody>
+          <a:bodyPr wrap="square" rtlCol="0">
+            <a:spAutoFit/>
+          </a:bodyPr>
+          <a:lstStyle/>
+          <a:p>
+            <a:pPr algn="ctr"/>
+            <a:r>
+              <a:rPr lang="en-US" sz="2800" dirty="0">
+                <a:solidFill>
+                  <a:srgbClr val="CC1A21"/>
+                </a:solidFill>
+                <a:latin typeface="Segoe UI Semibold" panose="020B0702040204020203" pitchFamily="34" charset="0"/>
+                <a:cs typeface="Segoe UI Semibold" panose="020B0702040204020203" pitchFamily="34" charset="0"/>
+              </a:rPr>
+              <a:t>CONCLUSION</a:t>
+            </a:r>
+          </a:p>
+          <a:p>
+            <a:pPr algn="ctr"/>
+            <a:r>
+              <a:rPr lang="en-US" sz="2400" dirty="0">
+                <a:solidFill>
+                  <a:schemeClr val="bg1"/>
+                </a:solidFill>
+                <a:latin typeface="Segoe UI Semibold" panose="020B0702040204020203" pitchFamily="34" charset="0"/>
+                <a:cs typeface="Segoe UI Semibold" panose="020B0702040204020203" pitchFamily="34" charset="0"/>
+              </a:rPr>
+              <a:t>We can make a new loan approval application using the </a:t>
+            </a:r>
+            <a:r>
+              <a:rPr lang="en-US" sz="2400" dirty="0">
+                <a:solidFill>
+                  <a:srgbClr val="CC1A21"/>
+                </a:solidFill>
+                <a:latin typeface="Segoe UI Semibold" panose="020B0702040204020203" pitchFamily="34" charset="0"/>
+                <a:cs typeface="Segoe UI Semibold" panose="020B0702040204020203" pitchFamily="34" charset="0"/>
+              </a:rPr>
+              <a:t>Gradient Boost Classifier algorithm</a:t>
+            </a:r>
+            <a:r>
+              <a:rPr lang="en-US" sz="2400" dirty="0">
+                <a:solidFill>
+                  <a:schemeClr val="bg1"/>
+                </a:solidFill>
+                <a:latin typeface="Segoe UI Semibold" panose="020B0702040204020203" pitchFamily="34" charset="0"/>
+                <a:cs typeface="Segoe UI Semibold" panose="020B0702040204020203" pitchFamily="34" charset="0"/>
+              </a:rPr>
+              <a:t>. The Gradient Boost Classifier was chosen because it has the highest AUC and accuracy scores than the other five models with </a:t>
+            </a:r>
+            <a:r>
+              <a:rPr lang="en-US" sz="2400" dirty="0">
+                <a:solidFill>
+                  <a:srgbClr val="CC1A21"/>
+                </a:solidFill>
+                <a:latin typeface="Segoe UI Semibold" panose="020B0702040204020203" pitchFamily="34" charset="0"/>
+                <a:cs typeface="Segoe UI Semibold" panose="020B0702040204020203" pitchFamily="34" charset="0"/>
+              </a:rPr>
+              <a:t>91% accuracy </a:t>
+            </a:r>
+            <a:r>
+              <a:rPr lang="en-US" sz="2400" dirty="0">
+                <a:solidFill>
+                  <a:schemeClr val="bg1"/>
+                </a:solidFill>
+                <a:latin typeface="Segoe UI Semibold" panose="020B0702040204020203" pitchFamily="34" charset="0"/>
+                <a:cs typeface="Segoe UI Semibold" panose="020B0702040204020203" pitchFamily="34" charset="0"/>
+              </a:rPr>
+              <a:t>and</a:t>
+            </a:r>
+            <a:r>
+              <a:rPr lang="en-US" sz="2400" dirty="0">
+                <a:solidFill>
+                  <a:srgbClr val="CC1A21"/>
+                </a:solidFill>
+                <a:latin typeface="Segoe UI Semibold" panose="020B0702040204020203" pitchFamily="34" charset="0"/>
+                <a:cs typeface="Segoe UI Semibold" panose="020B0702040204020203" pitchFamily="34" charset="0"/>
+              </a:rPr>
+              <a:t> 0,971 AUC score</a:t>
+            </a:r>
+            <a:r>
+              <a:rPr lang="en-US" sz="2400" dirty="0">
+                <a:solidFill>
+                  <a:schemeClr val="bg1"/>
+                </a:solidFill>
+                <a:latin typeface="Segoe UI Semibold" panose="020B0702040204020203" pitchFamily="34" charset="0"/>
+                <a:cs typeface="Segoe UI Semibold" panose="020B0702040204020203" pitchFamily="34" charset="0"/>
+              </a:rPr>
+              <a:t>. This model also has the </a:t>
+            </a:r>
+            <a:r>
+              <a:rPr lang="en-US" sz="2400" dirty="0">
+                <a:solidFill>
+                  <a:srgbClr val="CC1A21"/>
+                </a:solidFill>
+                <a:latin typeface="Segoe UI Semibold" panose="020B0702040204020203" pitchFamily="34" charset="0"/>
+                <a:cs typeface="Segoe UI Semibold" panose="020B0702040204020203" pitchFamily="34" charset="0"/>
+              </a:rPr>
+              <a:t>least False Positive result</a:t>
+            </a:r>
+            <a:r>
+              <a:rPr lang="en-US" sz="2400" dirty="0">
+                <a:solidFill>
+                  <a:schemeClr val="bg1"/>
+                </a:solidFill>
+                <a:latin typeface="Segoe UI Semibold" panose="020B0702040204020203" pitchFamily="34" charset="0"/>
+                <a:cs typeface="Segoe UI Semibold" panose="020B0702040204020203" pitchFamily="34" charset="0"/>
+              </a:rPr>
+              <a:t>.</a:t>
+            </a:r>
+            <a:endParaRPr lang="id-ID" sz="2400" dirty="0">
+              <a:solidFill>
+                <a:schemeClr val="bg1"/>
+              </a:solidFill>
+              <a:latin typeface="Segoe UI Semibold" panose="020B0702040204020203" pitchFamily="34" charset="0"/>
+              <a:cs typeface="Segoe UI Semibold" panose="020B0702040204020203" pitchFamily="34" charset="0"/>
+            </a:endParaRPr>
+          </a:p>
+        </p:txBody>
+      </p:sp>
+      <p:grpSp>
+        <p:nvGrpSpPr>
+          <p:cNvPr id="24" name="Group 23">
+            <a:extLst>
+              <a:ext uri="{FF2B5EF4-FFF2-40B4-BE49-F238E27FC236}">
+                <a16:creationId xmlns:a16="http://schemas.microsoft.com/office/drawing/2014/main" id="{F1681C0D-D7F7-4519-92C3-96B09017D2FF}"/>
+              </a:ext>
+            </a:extLst>
+          </p:cNvPr>
+          <p:cNvGrpSpPr/>
+          <p:nvPr/>
+        </p:nvGrpSpPr>
+        <p:grpSpPr>
+          <a:xfrm>
+            <a:off x="4688559" y="4492751"/>
+            <a:ext cx="2814881" cy="505085"/>
+            <a:chOff x="3683000" y="3089524"/>
+            <a:chExt cx="3632200" cy="1451770"/>
+          </a:xfrm>
+          <a:solidFill>
+            <a:srgbClr val="FFFFFF"/>
+          </a:solidFill>
+        </p:grpSpPr>
+        <p:sp>
+          <p:nvSpPr>
+            <p:cNvPr id="25" name="Snip Diagonal Corner Rectangle 22">
+              <a:extLst>
+                <a:ext uri="{FF2B5EF4-FFF2-40B4-BE49-F238E27FC236}">
+                  <a16:creationId xmlns:a16="http://schemas.microsoft.com/office/drawing/2014/main" id="{1837889B-2966-4538-AA07-012C892BAA3F}"/>
+                </a:ext>
+              </a:extLst>
+            </p:cNvPr>
+            <p:cNvSpPr/>
+            <p:nvPr/>
+          </p:nvSpPr>
+          <p:spPr>
+            <a:xfrm>
+              <a:off x="3835400" y="3241924"/>
+              <a:ext cx="3479800" cy="1299370"/>
+            </a:xfrm>
+            <a:prstGeom prst="snip2DiagRect">
+              <a:avLst/>
+            </a:prstGeom>
+            <a:solidFill>
+              <a:srgbClr val="C00000"/>
+            </a:solidFill>
+            <a:ln>
+              <a:solidFill>
+                <a:srgbClr val="CC1A21"/>
+              </a:solidFill>
+            </a:ln>
+          </p:spPr>
+          <p:style>
+            <a:lnRef idx="2">
+              <a:schemeClr val="accent1">
+                <a:shade val="50000"/>
+              </a:schemeClr>
+            </a:lnRef>
+            <a:fillRef idx="1">
+              <a:schemeClr val="accent1"/>
+            </a:fillRef>
+            <a:effectRef idx="0">
+              <a:schemeClr val="accent1"/>
+            </a:effectRef>
+            <a:fontRef idx="minor">
+              <a:schemeClr val="lt1"/>
+            </a:fontRef>
+          </p:style>
+          <p:txBody>
+            <a:bodyPr rtlCol="0" anchor="ctr"/>
+            <a:lstStyle/>
+            <a:p>
+              <a:pPr algn="ctr"/>
+              <a:endParaRPr lang="id-ID"/>
+            </a:p>
+          </p:txBody>
+        </p:sp>
+        <p:sp>
+          <p:nvSpPr>
+            <p:cNvPr id="26" name="Snip Diagonal Corner Rectangle 3">
+              <a:extLst>
+                <a:ext uri="{FF2B5EF4-FFF2-40B4-BE49-F238E27FC236}">
+                  <a16:creationId xmlns:a16="http://schemas.microsoft.com/office/drawing/2014/main" id="{4D845139-BC00-42AB-9BA8-0A49502FB2BA}"/>
+                </a:ext>
+              </a:extLst>
+            </p:cNvPr>
+            <p:cNvSpPr/>
+            <p:nvPr/>
+          </p:nvSpPr>
+          <p:spPr>
+            <a:xfrm>
+              <a:off x="3683000" y="3089524"/>
+              <a:ext cx="3479800" cy="1299370"/>
+            </a:xfrm>
+            <a:prstGeom prst="snip2DiagRect">
+              <a:avLst/>
+            </a:prstGeom>
+            <a:grpFill/>
+            <a:ln>
+              <a:noFill/>
+            </a:ln>
+          </p:spPr>
+          <p:style>
+            <a:lnRef idx="2">
+              <a:schemeClr val="accent1">
+                <a:shade val="50000"/>
+              </a:schemeClr>
+            </a:lnRef>
+            <a:fillRef idx="1">
+              <a:schemeClr val="accent1"/>
+            </a:fillRef>
+            <a:effectRef idx="0">
+              <a:schemeClr val="accent1"/>
+            </a:effectRef>
+            <a:fontRef idx="minor">
+              <a:schemeClr val="lt1"/>
+            </a:fontRef>
+          </p:style>
+          <p:txBody>
+            <a:bodyPr rtlCol="0" anchor="ctr"/>
+            <a:lstStyle/>
+            <a:p>
+              <a:pPr algn="ctr"/>
+              <a:endParaRPr lang="id-ID"/>
+            </a:p>
+          </p:txBody>
+        </p:sp>
+      </p:grpSp>
+      <p:sp>
+        <p:nvSpPr>
+          <p:cNvPr id="7" name="Rectangle 6"/>
+          <p:cNvSpPr/>
+          <p:nvPr/>
+        </p:nvSpPr>
+        <p:spPr>
+          <a:xfrm>
+            <a:off x="-115956" y="194958"/>
+            <a:ext cx="12351657" cy="1255486"/>
+          </a:xfrm>
+          <a:prstGeom prst="rect">
+            <a:avLst/>
+          </a:prstGeom>
+          <a:solidFill>
+            <a:srgbClr val="F7F7F7"/>
+          </a:solidFill>
+          <a:ln>
+            <a:noFill/>
+          </a:ln>
+        </p:spPr>
+        <p:style>
+          <a:lnRef idx="2">
+            <a:schemeClr val="accent1">
+              <a:shade val="50000"/>
+            </a:schemeClr>
+          </a:lnRef>
+          <a:fillRef idx="1">
+            <a:schemeClr val="accent1"/>
+          </a:fillRef>
+          <a:effectRef idx="0">
+            <a:schemeClr val="accent1"/>
+          </a:effectRef>
+          <a:fontRef idx="minor">
+            <a:schemeClr val="lt1"/>
+          </a:fontRef>
+        </p:style>
+        <p:txBody>
+          <a:bodyPr rtlCol="0" anchor="ctr"/>
+          <a:lstStyle/>
+          <a:p>
+            <a:pPr algn="ctr"/>
+            <a:endParaRPr lang="id-ID">
+              <a:solidFill>
+                <a:prstClr val="white"/>
+              </a:solidFill>
+            </a:endParaRPr>
+          </a:p>
+        </p:txBody>
+      </p:sp>
+      <p:sp>
+        <p:nvSpPr>
+          <p:cNvPr id="43" name="Text Placeholder 1"/>
+          <p:cNvSpPr txBox="1">
+            <a:spLocks/>
+          </p:cNvSpPr>
+          <p:nvPr/>
+        </p:nvSpPr>
+        <p:spPr>
+          <a:xfrm>
+            <a:off x="646798" y="534669"/>
+            <a:ext cx="6984776" cy="576064"/>
+          </a:xfrm>
+          <a:prstGeom prst="rect">
+            <a:avLst/>
+          </a:prstGeom>
+        </p:spPr>
+        <p:txBody>
+          <a:bodyPr anchor="ctr"/>
+          <a:lstStyle>
+            <a:lvl1pPr marL="0" indent="0" algn="l" defTabSz="914400" rtl="0" eaLnBrk="1" latinLnBrk="1" hangingPunct="1">
+              <a:spcBef>
+                <a:spcPct val="20000"/>
+              </a:spcBef>
+              <a:buFont typeface="Arial" pitchFamily="34" charset="0"/>
+              <a:buNone/>
+              <a:defRPr sz="3600" b="0" kern="1200" baseline="0">
+                <a:solidFill>
+                  <a:schemeClr val="tx1">
+                    <a:lumMod val="75000"/>
+                    <a:lumOff val="25000"/>
+                  </a:schemeClr>
+                </a:solidFill>
+                <a:latin typeface="+mj-lt"/>
+                <a:ea typeface="+mn-ea"/>
+                <a:cs typeface="Arial" pitchFamily="34" charset="0"/>
+              </a:defRPr>
+            </a:lvl1pPr>
+            <a:lvl2pPr marL="742950" indent="-285750" algn="l" defTabSz="914400" rtl="0" eaLnBrk="1" latinLnBrk="1" hangingPunct="1">
+              <a:spcBef>
+                <a:spcPct val="20000"/>
+              </a:spcBef>
+              <a:buFont typeface="Arial" pitchFamily="34" charset="0"/>
+              <a:buChar char="–"/>
+              <a:defRPr sz="2800" kern="1200">
+                <a:solidFill>
+                  <a:schemeClr val="tx1"/>
+                </a:solidFill>
+                <a:latin typeface="+mn-lt"/>
+                <a:ea typeface="+mn-ea"/>
+                <a:cs typeface="+mn-cs"/>
+              </a:defRPr>
+            </a:lvl2pPr>
+            <a:lvl3pPr marL="1143000" indent="-228600" algn="l" defTabSz="914400" rtl="0" eaLnBrk="1" latinLnBrk="1" hangingPunct="1">
+              <a:spcBef>
+                <a:spcPct val="20000"/>
+              </a:spcBef>
+              <a:buFont typeface="Arial" pitchFamily="34" charset="0"/>
+              <a:buChar char="•"/>
+              <a:defRPr sz="2400" kern="1200">
+                <a:solidFill>
+                  <a:schemeClr val="tx1"/>
+                </a:solidFill>
+                <a:latin typeface="+mn-lt"/>
+                <a:ea typeface="+mn-ea"/>
+                <a:cs typeface="+mn-cs"/>
+              </a:defRPr>
+            </a:lvl3pPr>
+            <a:lvl4pPr marL="1600200" indent="-228600" algn="l" defTabSz="914400" rtl="0" eaLnBrk="1" latinLnBrk="1" hangingPunct="1">
+              <a:spcBef>
+                <a:spcPct val="20000"/>
+              </a:spcBef>
+              <a:buFont typeface="Arial" pitchFamily="34" charset="0"/>
+              <a:buChar char="–"/>
+              <a:defRPr sz="2000" kern="1200">
+                <a:solidFill>
+                  <a:schemeClr val="tx1"/>
+                </a:solidFill>
+                <a:latin typeface="+mn-lt"/>
+                <a:ea typeface="+mn-ea"/>
+                <a:cs typeface="+mn-cs"/>
+              </a:defRPr>
+            </a:lvl4pPr>
+            <a:lvl5pPr marL="2057400" indent="-228600" algn="l" defTabSz="914400" rtl="0" eaLnBrk="1" latinLnBrk="1" hangingPunct="1">
+              <a:spcBef>
+                <a:spcPct val="20000"/>
+              </a:spcBef>
+              <a:buFont typeface="Arial" pitchFamily="34" charset="0"/>
+              <a:buChar char="»"/>
+              <a:defRPr sz="2000" kern="1200">
+                <a:solidFill>
+                  <a:schemeClr val="tx1"/>
+                </a:solidFill>
+                <a:latin typeface="+mn-lt"/>
+                <a:ea typeface="+mn-ea"/>
+                <a:cs typeface="+mn-cs"/>
+              </a:defRPr>
+            </a:lvl5pPr>
+            <a:lvl6pPr marL="2514600" indent="-228600" algn="l" defTabSz="914400" rtl="0" eaLnBrk="1" latinLnBrk="1" hangingPunct="1">
+              <a:spcBef>
+                <a:spcPct val="20000"/>
+              </a:spcBef>
+              <a:buFont typeface="Arial" pitchFamily="34" charset="0"/>
+              <a:buChar char="•"/>
+              <a:defRPr sz="2000" kern="1200">
+                <a:solidFill>
+                  <a:schemeClr val="tx1"/>
+                </a:solidFill>
+                <a:latin typeface="+mn-lt"/>
+                <a:ea typeface="+mn-ea"/>
+                <a:cs typeface="+mn-cs"/>
+              </a:defRPr>
+            </a:lvl6pPr>
+            <a:lvl7pPr marL="2971800" indent="-228600" algn="l" defTabSz="914400" rtl="0" eaLnBrk="1" latinLnBrk="1" hangingPunct="1">
+              <a:spcBef>
+                <a:spcPct val="20000"/>
+              </a:spcBef>
+              <a:buFont typeface="Arial" pitchFamily="34" charset="0"/>
+              <a:buChar char="•"/>
+              <a:defRPr sz="2000" kern="1200">
+                <a:solidFill>
+                  <a:schemeClr val="tx1"/>
+                </a:solidFill>
+                <a:latin typeface="+mn-lt"/>
+                <a:ea typeface="+mn-ea"/>
+                <a:cs typeface="+mn-cs"/>
+              </a:defRPr>
+            </a:lvl7pPr>
+            <a:lvl8pPr marL="3429000" indent="-228600" algn="l" defTabSz="914400" rtl="0" eaLnBrk="1" latinLnBrk="1" hangingPunct="1">
+              <a:spcBef>
+                <a:spcPct val="20000"/>
+              </a:spcBef>
+              <a:buFont typeface="Arial" pitchFamily="34" charset="0"/>
+              <a:buChar char="•"/>
+              <a:defRPr sz="2000" kern="1200">
+                <a:solidFill>
+                  <a:schemeClr val="tx1"/>
+                </a:solidFill>
+                <a:latin typeface="+mn-lt"/>
+                <a:ea typeface="+mn-ea"/>
+                <a:cs typeface="+mn-cs"/>
+              </a:defRPr>
+            </a:lvl8pPr>
+            <a:lvl9pPr marL="3886200" indent="-228600" algn="l" defTabSz="914400" rtl="0" eaLnBrk="1" latinLnBrk="1" hangingPunct="1">
+              <a:spcBef>
+                <a:spcPct val="20000"/>
+              </a:spcBef>
+              <a:buFont typeface="Arial" pitchFamily="34" charset="0"/>
+              <a:buChar char="•"/>
+              <a:defRPr sz="2000" kern="1200">
+                <a:solidFill>
+                  <a:schemeClr val="tx1"/>
+                </a:solidFill>
+                <a:latin typeface="+mn-lt"/>
+                <a:ea typeface="+mn-ea"/>
+                <a:cs typeface="+mn-cs"/>
+              </a:defRPr>
+            </a:lvl9pPr>
+          </a:lstStyle>
+          <a:p>
+            <a:pPr marL="0" marR="0" lvl="0" indent="0" algn="l" defTabSz="914400" rtl="0" eaLnBrk="1" fontAlgn="auto" latinLnBrk="1" hangingPunct="1">
+              <a:lnSpc>
+                <a:spcPct val="100000"/>
+              </a:lnSpc>
+              <a:spcBef>
+                <a:spcPct val="20000"/>
+              </a:spcBef>
+              <a:spcAft>
+                <a:spcPts val="0"/>
+              </a:spcAft>
+              <a:buClrTx/>
+              <a:buSzTx/>
+              <a:buFont typeface="Arial" pitchFamily="34" charset="0"/>
+              <a:buNone/>
+              <a:tabLst/>
+              <a:defRPr/>
+            </a:pPr>
+            <a:r>
+              <a:rPr kumimoji="0" lang="en-US" altLang="ko-KR" sz="3600" b="1" i="0" u="none" strike="noStrike" kern="1200" cap="none" spc="0" normalizeH="0" baseline="0" noProof="0" dirty="0">
+                <a:ln>
+                  <a:noFill/>
+                </a:ln>
+                <a:solidFill>
+                  <a:srgbClr val="1D3168"/>
+                </a:solidFill>
+                <a:effectLst/>
+                <a:uLnTx/>
+                <a:uFillTx/>
+                <a:latin typeface="Arial"/>
+                <a:ea typeface="Arial Unicode MS"/>
+                <a:cs typeface="Arial" pitchFamily="34" charset="0"/>
+              </a:rPr>
+              <a:t>Conclusion</a:t>
+            </a:r>
+            <a:endParaRPr kumimoji="0" lang="ko-KR" altLang="en-US" sz="3600" b="1" i="0" u="none" strike="noStrike" kern="1200" cap="none" spc="0" normalizeH="0" baseline="0" noProof="0" dirty="0">
+              <a:ln>
+                <a:noFill/>
+              </a:ln>
+              <a:solidFill>
+                <a:srgbClr val="1D3168"/>
+              </a:solidFill>
+              <a:effectLst/>
+              <a:uLnTx/>
+              <a:uFillTx/>
+              <a:latin typeface="Arial"/>
+              <a:ea typeface="Arial Unicode MS"/>
+              <a:cs typeface="Arial" pitchFamily="34" charset="0"/>
+            </a:endParaRPr>
+          </a:p>
+        </p:txBody>
+      </p:sp>
+      <p:sp>
+        <p:nvSpPr>
+          <p:cNvPr id="44" name="Rectangle 43"/>
+          <p:cNvSpPr/>
+          <p:nvPr/>
+        </p:nvSpPr>
+        <p:spPr>
+          <a:xfrm>
+            <a:off x="-168167" y="194958"/>
+            <a:ext cx="632623" cy="1255486"/>
+          </a:xfrm>
+          <a:prstGeom prst="rect">
+            <a:avLst/>
+          </a:prstGeom>
+          <a:solidFill>
+            <a:srgbClr val="CC1A21"/>
+          </a:solidFill>
+          <a:ln>
+            <a:noFill/>
+          </a:ln>
+        </p:spPr>
+        <p:style>
+          <a:lnRef idx="2">
+            <a:schemeClr val="accent1">
+              <a:shade val="50000"/>
+            </a:schemeClr>
+          </a:lnRef>
+          <a:fillRef idx="1">
+            <a:schemeClr val="accent1"/>
+          </a:fillRef>
+          <a:effectRef idx="0">
+            <a:schemeClr val="accent1"/>
+          </a:effectRef>
+          <a:fontRef idx="minor">
+            <a:schemeClr val="lt1"/>
+          </a:fontRef>
+        </p:style>
+        <p:txBody>
+          <a:bodyPr rtlCol="0" anchor="ctr"/>
+          <a:lstStyle/>
+          <a:p>
+            <a:pPr algn="ctr"/>
+            <a:endParaRPr lang="id-ID">
+              <a:solidFill>
+                <a:prstClr val="white"/>
+              </a:solidFill>
+            </a:endParaRPr>
+          </a:p>
+        </p:txBody>
+      </p:sp>
+      <p:grpSp>
+        <p:nvGrpSpPr>
+          <p:cNvPr id="13" name="Group 12"/>
+          <p:cNvGrpSpPr/>
+          <p:nvPr/>
+        </p:nvGrpSpPr>
+        <p:grpSpPr>
+          <a:xfrm>
+            <a:off x="246531" y="1656692"/>
+            <a:ext cx="800534" cy="1300104"/>
+            <a:chOff x="148144" y="2101812"/>
+            <a:chExt cx="800534" cy="1300104"/>
+          </a:xfrm>
+        </p:grpSpPr>
+        <p:sp>
+          <p:nvSpPr>
+            <p:cNvPr id="53" name="Half Frame 52"/>
+            <p:cNvSpPr/>
+            <p:nvPr/>
+          </p:nvSpPr>
+          <p:spPr>
+            <a:xfrm>
+              <a:off x="165283" y="2159907"/>
+              <a:ext cx="783395" cy="1242009"/>
+            </a:xfrm>
+            <a:prstGeom prst="halfFrame">
+              <a:avLst/>
+            </a:prstGeom>
+            <a:solidFill>
+              <a:srgbClr val="CC1A21"/>
+            </a:solidFill>
+            <a:ln>
+              <a:solidFill>
+                <a:srgbClr val="CC1A21"/>
+              </a:solidFill>
+            </a:ln>
+          </p:spPr>
+          <p:style>
+            <a:lnRef idx="2">
+              <a:schemeClr val="accent1">
+                <a:shade val="50000"/>
+              </a:schemeClr>
+            </a:lnRef>
+            <a:fillRef idx="1">
+              <a:schemeClr val="accent1"/>
+            </a:fillRef>
+            <a:effectRef idx="0">
+              <a:schemeClr val="accent1"/>
+            </a:effectRef>
+            <a:fontRef idx="minor">
+              <a:schemeClr val="lt1"/>
+            </a:fontRef>
+          </p:style>
+          <p:txBody>
+            <a:bodyPr rtlCol="0" anchor="ctr"/>
+            <a:lstStyle/>
+            <a:p>
+              <a:pPr algn="ctr"/>
+              <a:endParaRPr lang="id-ID">
+                <a:solidFill>
+                  <a:schemeClr val="tx1"/>
+                </a:solidFill>
+              </a:endParaRPr>
+            </a:p>
+          </p:txBody>
+        </p:sp>
+        <p:sp>
+          <p:nvSpPr>
+            <p:cNvPr id="12" name="Half Frame 11"/>
+            <p:cNvSpPr/>
+            <p:nvPr/>
+          </p:nvSpPr>
+          <p:spPr>
+            <a:xfrm>
+              <a:off x="148144" y="2101812"/>
+              <a:ext cx="783395" cy="1242009"/>
+            </a:xfrm>
+            <a:prstGeom prst="halfFrame">
+              <a:avLst/>
+            </a:prstGeom>
+            <a:solidFill>
+              <a:schemeClr val="bg1"/>
+            </a:solidFill>
+            <a:ln>
+              <a:solidFill>
+                <a:schemeClr val="bg1"/>
+              </a:solidFill>
+            </a:ln>
+          </p:spPr>
+          <p:style>
+            <a:lnRef idx="2">
+              <a:schemeClr val="accent1">
+                <a:shade val="50000"/>
+              </a:schemeClr>
+            </a:lnRef>
+            <a:fillRef idx="1">
+              <a:schemeClr val="accent1"/>
+            </a:fillRef>
+            <a:effectRef idx="0">
+              <a:schemeClr val="accent1"/>
+            </a:effectRef>
+            <a:fontRef idx="minor">
+              <a:schemeClr val="lt1"/>
+            </a:fontRef>
+          </p:style>
+          <p:txBody>
+            <a:bodyPr rtlCol="0" anchor="ctr"/>
+            <a:lstStyle/>
+            <a:p>
+              <a:pPr algn="ctr"/>
+              <a:endParaRPr lang="id-ID">
+                <a:solidFill>
+                  <a:schemeClr val="tx1"/>
+                </a:solidFill>
+              </a:endParaRPr>
+            </a:p>
+          </p:txBody>
+        </p:sp>
+      </p:grpSp>
+      <p:grpSp>
+        <p:nvGrpSpPr>
+          <p:cNvPr id="55" name="Group 54"/>
+          <p:cNvGrpSpPr/>
+          <p:nvPr/>
+        </p:nvGrpSpPr>
+        <p:grpSpPr>
+          <a:xfrm rot="10800000">
+            <a:off x="10997649" y="5476193"/>
+            <a:ext cx="874722" cy="1292739"/>
+            <a:chOff x="56817" y="2051082"/>
+            <a:chExt cx="874722" cy="1292739"/>
+          </a:xfrm>
+        </p:grpSpPr>
+        <p:sp>
+          <p:nvSpPr>
+            <p:cNvPr id="56" name="Half Frame 55"/>
+            <p:cNvSpPr/>
+            <p:nvPr/>
+          </p:nvSpPr>
+          <p:spPr>
+            <a:xfrm>
+              <a:off x="56817" y="2051082"/>
+              <a:ext cx="783395" cy="1242009"/>
+            </a:xfrm>
+            <a:prstGeom prst="halfFrame">
+              <a:avLst/>
+            </a:prstGeom>
+            <a:solidFill>
+              <a:srgbClr val="CC1A21"/>
+            </a:solidFill>
+            <a:ln>
+              <a:solidFill>
+                <a:srgbClr val="CC1A21"/>
+              </a:solidFill>
+            </a:ln>
+          </p:spPr>
+          <p:style>
+            <a:lnRef idx="2">
+              <a:schemeClr val="accent1">
+                <a:shade val="50000"/>
+              </a:schemeClr>
+            </a:lnRef>
+            <a:fillRef idx="1">
+              <a:schemeClr val="accent1"/>
+            </a:fillRef>
+            <a:effectRef idx="0">
+              <a:schemeClr val="accent1"/>
+            </a:effectRef>
+            <a:fontRef idx="minor">
+              <a:schemeClr val="lt1"/>
+            </a:fontRef>
+          </p:style>
+          <p:txBody>
+            <a:bodyPr rtlCol="0" anchor="ctr"/>
+            <a:lstStyle/>
+            <a:p>
+              <a:pPr algn="ctr"/>
+              <a:endParaRPr lang="id-ID">
+                <a:solidFill>
+                  <a:schemeClr val="tx1"/>
+                </a:solidFill>
+              </a:endParaRPr>
+            </a:p>
+          </p:txBody>
+        </p:sp>
+        <p:sp>
+          <p:nvSpPr>
+            <p:cNvPr id="57" name="Half Frame 56"/>
+            <p:cNvSpPr/>
+            <p:nvPr/>
+          </p:nvSpPr>
+          <p:spPr>
+            <a:xfrm>
+              <a:off x="148144" y="2101812"/>
+              <a:ext cx="783395" cy="1242009"/>
+            </a:xfrm>
+            <a:prstGeom prst="halfFrame">
+              <a:avLst/>
+            </a:prstGeom>
+            <a:solidFill>
+              <a:schemeClr val="bg1"/>
+            </a:solidFill>
+            <a:ln>
+              <a:solidFill>
+                <a:schemeClr val="bg1"/>
+              </a:solidFill>
+            </a:ln>
+          </p:spPr>
+          <p:style>
+            <a:lnRef idx="2">
+              <a:schemeClr val="accent1">
+                <a:shade val="50000"/>
+              </a:schemeClr>
+            </a:lnRef>
+            <a:fillRef idx="1">
+              <a:schemeClr val="accent1"/>
+            </a:fillRef>
+            <a:effectRef idx="0">
+              <a:schemeClr val="accent1"/>
+            </a:effectRef>
+            <a:fontRef idx="minor">
+              <a:schemeClr val="lt1"/>
+            </a:fontRef>
+          </p:style>
+          <p:txBody>
+            <a:bodyPr rtlCol="0" anchor="ctr"/>
+            <a:lstStyle/>
+            <a:p>
+              <a:pPr algn="ctr"/>
+              <a:endParaRPr lang="id-ID">
+                <a:solidFill>
+                  <a:schemeClr val="tx1"/>
+                </a:solidFill>
+              </a:endParaRPr>
+            </a:p>
+          </p:txBody>
+        </p:sp>
+      </p:grpSp>
+      <p:pic>
+        <p:nvPicPr>
+          <p:cNvPr id="5" name="Picture 4">
+            <a:extLst>
+              <a:ext uri="{FF2B5EF4-FFF2-40B4-BE49-F238E27FC236}">
+                <a16:creationId xmlns:a16="http://schemas.microsoft.com/office/drawing/2014/main" id="{F8637633-F3AE-41F1-AD97-2694F8AA3977}"/>
+              </a:ext>
+            </a:extLst>
+          </p:cNvPr>
+          <p:cNvPicPr>
+            <a:picLocks noChangeAspect="1"/>
+          </p:cNvPicPr>
+          <p:nvPr/>
+        </p:nvPicPr>
+        <p:blipFill>
+          <a:blip r:embed="rId3" cstate="print">
+            <a:extLst>
+              <a:ext uri="{28A0092B-C50C-407E-A947-70E740481C1C}">
+                <a14:useLocalDpi xmlns:a14="http://schemas.microsoft.com/office/drawing/2010/main" val="0"/>
+              </a:ext>
+            </a:extLst>
+          </a:blip>
+          <a:stretch>
+            <a:fillRect/>
+          </a:stretch>
+        </p:blipFill>
+        <p:spPr>
+          <a:xfrm>
+            <a:off x="9240290" y="328421"/>
+            <a:ext cx="2632081" cy="988560"/>
+          </a:xfrm>
+          <a:prstGeom prst="rect">
+            <a:avLst/>
+          </a:prstGeom>
+        </p:spPr>
+      </p:pic>
+      <p:sp>
+        <p:nvSpPr>
+          <p:cNvPr id="14" name="TextBox 13">
+            <a:extLst>
+              <a:ext uri="{FF2B5EF4-FFF2-40B4-BE49-F238E27FC236}">
+                <a16:creationId xmlns:a16="http://schemas.microsoft.com/office/drawing/2014/main" id="{8DABE775-C641-43E1-B0C9-1266B5E5671C}"/>
+              </a:ext>
+            </a:extLst>
+          </p:cNvPr>
+          <p:cNvSpPr txBox="1"/>
+          <p:nvPr/>
+        </p:nvSpPr>
+        <p:spPr>
+          <a:xfrm>
+            <a:off x="437706" y="4492751"/>
+            <a:ext cx="11316588" cy="1631216"/>
+          </a:xfrm>
+          <a:prstGeom prst="rect">
+            <a:avLst/>
+          </a:prstGeom>
+          <a:noFill/>
+        </p:spPr>
+        <p:txBody>
+          <a:bodyPr wrap="square" rtlCol="0">
+            <a:spAutoFit/>
+          </a:bodyPr>
+          <a:lstStyle/>
+          <a:p>
+            <a:pPr algn="ctr"/>
+            <a:r>
+              <a:rPr lang="en-US" sz="2800" dirty="0">
+                <a:solidFill>
+                  <a:srgbClr val="CC1A21"/>
+                </a:solidFill>
+                <a:latin typeface="Segoe UI Semibold" panose="020B0702040204020203" pitchFamily="34" charset="0"/>
+                <a:cs typeface="Segoe UI Semibold" panose="020B0702040204020203" pitchFamily="34" charset="0"/>
+              </a:rPr>
+              <a:t>SUGGESTION</a:t>
+            </a:r>
+          </a:p>
+          <a:p>
+            <a:pPr algn="ctr"/>
+            <a:r>
+              <a:rPr lang="en-US" sz="2400" dirty="0">
+                <a:solidFill>
+                  <a:schemeClr val="bg1"/>
+                </a:solidFill>
+                <a:latin typeface="Segoe UI Semibold" panose="020B0702040204020203" pitchFamily="34" charset="0"/>
+                <a:cs typeface="Segoe UI Semibold" panose="020B0702040204020203" pitchFamily="34" charset="0"/>
+              </a:rPr>
+              <a:t>For the next future development for the SBA Loan approval application, we need to prepare more critical data such as annual business income statements and debt status for each business.</a:t>
+            </a:r>
+            <a:endParaRPr lang="id-ID" sz="2400" dirty="0">
+              <a:solidFill>
+                <a:schemeClr val="bg1"/>
+              </a:solidFill>
+              <a:latin typeface="Segoe UI Semibold" panose="020B0702040204020203" pitchFamily="34" charset="0"/>
+              <a:cs typeface="Segoe UI Semibold" panose="020B0702040204020203" pitchFamily="34" charset="0"/>
+            </a:endParaRPr>
+          </a:p>
+        </p:txBody>
+      </p:sp>
+    </p:spTree>
+    <p:extLst>
+      <p:ext uri="{BB962C8B-B14F-4D97-AF65-F5344CB8AC3E}">
+        <p14:creationId xmlns:p14="http://schemas.microsoft.com/office/powerpoint/2010/main" val="2887672197"/>
+      </p:ext>
+    </p:extLst>
+  </p:cSld>
+  <p:clrMapOvr>
+    <a:masterClrMapping/>
+  </p:clrMapOvr>
+  <p:transition spd="med">
+    <p:push dir="u"/>
+  </p:transition>
+</p:sld>
+</file>
+
+<file path=ppt/slides/slide21.xml><?xml version="1.0" encoding="utf-8"?>
 <p:sld xmlns:a="http://schemas.openxmlformats.org/drawingml/2006/main" xmlns:r="http://schemas.openxmlformats.org/officeDocument/2006/relationships" xmlns:p="http://schemas.openxmlformats.org/presentationml/2006/main">
   <p:cSld>
     <p:spTree>
@@ -24865,1069 +29418,6 @@
 </p:sld>
 </file>
 
-<file path=ppt/slides/slide2.xml><?xml version="1.0" encoding="utf-8"?>
-<p:sld xmlns:a="http://schemas.openxmlformats.org/drawingml/2006/main" xmlns:r="http://schemas.openxmlformats.org/officeDocument/2006/relationships" xmlns:p="http://schemas.openxmlformats.org/presentationml/2006/main">
-  <p:cSld>
-    <p:bg>
-      <p:bgPr>
-        <a:solidFill>
-          <a:srgbClr val="262E69"/>
-        </a:solidFill>
-        <a:effectLst/>
-      </p:bgPr>
-    </p:bg>
-    <p:spTree>
-      <p:nvGrpSpPr>
-        <p:cNvPr id="1" name=""/>
-        <p:cNvGrpSpPr/>
-        <p:nvPr/>
-      </p:nvGrpSpPr>
-      <p:grpSpPr>
-        <a:xfrm>
-          <a:off x="0" y="0"/>
-          <a:ext cx="0" cy="0"/>
-          <a:chOff x="0" y="0"/>
-          <a:chExt cx="0" cy="0"/>
-        </a:xfrm>
-      </p:grpSpPr>
-      <p:sp>
-        <p:nvSpPr>
-          <p:cNvPr id="12" name="Oval 11"/>
-          <p:cNvSpPr/>
-          <p:nvPr/>
-        </p:nvSpPr>
-        <p:spPr>
-          <a:xfrm>
-            <a:off x="3181223" y="335252"/>
-            <a:ext cx="6274192" cy="6274192"/>
-          </a:xfrm>
-          <a:prstGeom prst="ellipse">
-            <a:avLst/>
-          </a:prstGeom>
-          <a:solidFill>
-            <a:schemeClr val="bg1"/>
-          </a:solidFill>
-          <a:ln w="101600">
-            <a:solidFill>
-              <a:schemeClr val="bg1"/>
-            </a:solidFill>
-          </a:ln>
-        </p:spPr>
-        <p:style>
-          <a:lnRef idx="2">
-            <a:schemeClr val="accent1">
-              <a:shade val="50000"/>
-            </a:schemeClr>
-          </a:lnRef>
-          <a:fillRef idx="1">
-            <a:schemeClr val="accent1"/>
-          </a:fillRef>
-          <a:effectRef idx="0">
-            <a:schemeClr val="accent1"/>
-          </a:effectRef>
-          <a:fontRef idx="minor">
-            <a:schemeClr val="lt1"/>
-          </a:fontRef>
-        </p:style>
-        <p:txBody>
-          <a:bodyPr rtlCol="0" anchor="ctr"/>
-          <a:lstStyle/>
-          <a:p>
-            <a:pPr algn="ctr"/>
-            <a:endParaRPr lang="id-ID"/>
-          </a:p>
-        </p:txBody>
-      </p:sp>
-      <p:sp>
-        <p:nvSpPr>
-          <p:cNvPr id="10" name="Oval 9"/>
-          <p:cNvSpPr/>
-          <p:nvPr/>
-        </p:nvSpPr>
-        <p:spPr>
-          <a:xfrm>
-            <a:off x="3360477" y="544419"/>
-            <a:ext cx="5908431" cy="5908431"/>
-          </a:xfrm>
-          <a:prstGeom prst="ellipse">
-            <a:avLst/>
-          </a:prstGeom>
-          <a:solidFill>
-            <a:srgbClr val="262E69"/>
-          </a:solidFill>
-          <a:ln w="101600">
-            <a:solidFill>
-              <a:srgbClr val="262E69"/>
-            </a:solidFill>
-          </a:ln>
-        </p:spPr>
-        <p:style>
-          <a:lnRef idx="2">
-            <a:schemeClr val="accent1">
-              <a:shade val="50000"/>
-            </a:schemeClr>
-          </a:lnRef>
-          <a:fillRef idx="1">
-            <a:schemeClr val="accent1"/>
-          </a:fillRef>
-          <a:effectRef idx="0">
-            <a:schemeClr val="accent1"/>
-          </a:effectRef>
-          <a:fontRef idx="minor">
-            <a:schemeClr val="lt1"/>
-          </a:fontRef>
-        </p:style>
-        <p:txBody>
-          <a:bodyPr rtlCol="0" anchor="ctr"/>
-          <a:lstStyle/>
-          <a:p>
-            <a:pPr algn="ctr"/>
-            <a:endParaRPr lang="id-ID"/>
-          </a:p>
-        </p:txBody>
-      </p:sp>
-      <p:sp>
-        <p:nvSpPr>
-          <p:cNvPr id="11" name="Oval 10"/>
-          <p:cNvSpPr/>
-          <p:nvPr/>
-        </p:nvSpPr>
-        <p:spPr>
-          <a:xfrm>
-            <a:off x="3613696" y="797638"/>
-            <a:ext cx="5401992" cy="5401992"/>
-          </a:xfrm>
-          <a:prstGeom prst="ellipse">
-            <a:avLst/>
-          </a:prstGeom>
-          <a:solidFill>
-            <a:srgbClr val="FFFFFF"/>
-          </a:solidFill>
-          <a:ln w="101600">
-            <a:solidFill>
-              <a:srgbClr val="FFFFFF"/>
-            </a:solidFill>
-          </a:ln>
-        </p:spPr>
-        <p:style>
-          <a:lnRef idx="2">
-            <a:schemeClr val="accent1">
-              <a:shade val="50000"/>
-            </a:schemeClr>
-          </a:lnRef>
-          <a:fillRef idx="1">
-            <a:schemeClr val="accent1"/>
-          </a:fillRef>
-          <a:effectRef idx="0">
-            <a:schemeClr val="accent1"/>
-          </a:effectRef>
-          <a:fontRef idx="minor">
-            <a:schemeClr val="lt1"/>
-          </a:fontRef>
-        </p:style>
-        <p:txBody>
-          <a:bodyPr rtlCol="0" anchor="ctr"/>
-          <a:lstStyle/>
-          <a:p>
-            <a:pPr algn="ctr"/>
-            <a:endParaRPr lang="id-ID"/>
-          </a:p>
-        </p:txBody>
-      </p:sp>
-      <p:sp>
-        <p:nvSpPr>
-          <p:cNvPr id="7" name="Rectangle 6"/>
-          <p:cNvSpPr/>
-          <p:nvPr/>
-        </p:nvSpPr>
-        <p:spPr>
-          <a:xfrm>
-            <a:off x="2516386" y="3688111"/>
-            <a:ext cx="7594318" cy="769441"/>
-          </a:xfrm>
-          <a:prstGeom prst="rect">
-            <a:avLst/>
-          </a:prstGeom>
-          <a:noFill/>
-        </p:spPr>
-        <p:txBody>
-          <a:bodyPr wrap="square" lIns="91440" tIns="45720" rIns="91440" bIns="45720">
-            <a:spAutoFit/>
-          </a:bodyPr>
-          <a:lstStyle/>
-          <a:p>
-            <a:pPr algn="ctr"/>
-            <a:r>
-              <a:rPr lang="en-US" sz="4400" dirty="0">
-                <a:ln w="0"/>
-                <a:solidFill>
-                  <a:srgbClr val="262E69"/>
-                </a:solidFill>
-                <a:effectLst>
-                  <a:outerShdw blurRad="38100" dist="19050" dir="2700000" algn="tl" rotWithShape="0">
-                    <a:schemeClr val="dk1">
-                      <a:alpha val="40000"/>
-                    </a:schemeClr>
-                  </a:outerShdw>
-                </a:effectLst>
-                <a:latin typeface="Segoe UI Black" panose="020B0A02040204020203" pitchFamily="34" charset="0"/>
-                <a:ea typeface="Segoe UI Black" panose="020B0A02040204020203" pitchFamily="34" charset="0"/>
-                <a:cs typeface="Segoe UI Black" panose="020B0A02040204020203" pitchFamily="34" charset="0"/>
-              </a:rPr>
-              <a:t>Project Mission</a:t>
-            </a:r>
-            <a:endParaRPr lang="id-ID" sz="4400" dirty="0">
-              <a:ln w="0"/>
-              <a:solidFill>
-                <a:srgbClr val="262E69"/>
-              </a:solidFill>
-              <a:effectLst>
-                <a:outerShdw blurRad="38100" dist="19050" dir="2700000" algn="tl" rotWithShape="0">
-                  <a:schemeClr val="dk1">
-                    <a:alpha val="40000"/>
-                  </a:schemeClr>
-                </a:outerShdw>
-              </a:effectLst>
-              <a:latin typeface="Segoe UI Black" panose="020B0A02040204020203" pitchFamily="34" charset="0"/>
-              <a:ea typeface="Segoe UI Black" panose="020B0A02040204020203" pitchFamily="34" charset="0"/>
-              <a:cs typeface="Segoe UI Black" panose="020B0A02040204020203" pitchFamily="34" charset="0"/>
-            </a:endParaRPr>
-          </a:p>
-        </p:txBody>
-      </p:sp>
-      <p:cxnSp>
-        <p:nvCxnSpPr>
-          <p:cNvPr id="20" name="Straight Connector 19"/>
-          <p:cNvCxnSpPr/>
-          <p:nvPr/>
-        </p:nvCxnSpPr>
-        <p:spPr>
-          <a:xfrm>
-            <a:off x="3868666" y="4529568"/>
-            <a:ext cx="4864424" cy="0"/>
-          </a:xfrm>
-          <a:prstGeom prst="line">
-            <a:avLst/>
-          </a:prstGeom>
-          <a:ln>
-            <a:solidFill>
-              <a:srgbClr val="262E69"/>
-            </a:solidFill>
-          </a:ln>
-        </p:spPr>
-        <p:style>
-          <a:lnRef idx="1">
-            <a:schemeClr val="accent1"/>
-          </a:lnRef>
-          <a:fillRef idx="0">
-            <a:schemeClr val="accent1"/>
-          </a:fillRef>
-          <a:effectRef idx="0">
-            <a:schemeClr val="accent1"/>
-          </a:effectRef>
-          <a:fontRef idx="minor">
-            <a:schemeClr val="tx1"/>
-          </a:fontRef>
-        </p:style>
-      </p:cxnSp>
-      <p:cxnSp>
-        <p:nvCxnSpPr>
-          <p:cNvPr id="21" name="Straight Connector 20"/>
-          <p:cNvCxnSpPr/>
-          <p:nvPr/>
-        </p:nvCxnSpPr>
-        <p:spPr>
-          <a:xfrm>
-            <a:off x="3868666" y="3621848"/>
-            <a:ext cx="4864424" cy="0"/>
-          </a:xfrm>
-          <a:prstGeom prst="line">
-            <a:avLst/>
-          </a:prstGeom>
-          <a:ln>
-            <a:solidFill>
-              <a:srgbClr val="262E69"/>
-            </a:solidFill>
-          </a:ln>
-        </p:spPr>
-        <p:style>
-          <a:lnRef idx="1">
-            <a:schemeClr val="accent1"/>
-          </a:lnRef>
-          <a:fillRef idx="0">
-            <a:schemeClr val="accent1"/>
-          </a:fillRef>
-          <a:effectRef idx="0">
-            <a:schemeClr val="accent1"/>
-          </a:effectRef>
-          <a:fontRef idx="minor">
-            <a:schemeClr val="tx1"/>
-          </a:fontRef>
-        </p:style>
-      </p:cxnSp>
-      <p:sp>
-        <p:nvSpPr>
-          <p:cNvPr id="9" name="Rectangle 8"/>
-          <p:cNvSpPr/>
-          <p:nvPr/>
-        </p:nvSpPr>
-        <p:spPr>
-          <a:xfrm rot="2916533">
-            <a:off x="-2054567" y="4801262"/>
-            <a:ext cx="4436148" cy="3141882"/>
-          </a:xfrm>
-          <a:prstGeom prst="rect">
-            <a:avLst/>
-          </a:prstGeom>
-          <a:solidFill>
-            <a:srgbClr val="E30000"/>
-          </a:solidFill>
-          <a:ln>
-            <a:solidFill>
-              <a:srgbClr val="FF0000"/>
-            </a:solidFill>
-          </a:ln>
-        </p:spPr>
-        <p:style>
-          <a:lnRef idx="2">
-            <a:schemeClr val="accent1">
-              <a:shade val="50000"/>
-            </a:schemeClr>
-          </a:lnRef>
-          <a:fillRef idx="1">
-            <a:schemeClr val="accent1"/>
-          </a:fillRef>
-          <a:effectRef idx="0">
-            <a:schemeClr val="accent1"/>
-          </a:effectRef>
-          <a:fontRef idx="minor">
-            <a:schemeClr val="lt1"/>
-          </a:fontRef>
-        </p:style>
-        <p:txBody>
-          <a:bodyPr rtlCol="0" anchor="ctr"/>
-          <a:lstStyle/>
-          <a:p>
-            <a:pPr algn="ctr"/>
-            <a:endParaRPr lang="id-ID"/>
-          </a:p>
-        </p:txBody>
-      </p:sp>
-      <p:cxnSp>
-        <p:nvCxnSpPr>
-          <p:cNvPr id="13" name="Straight Connector 12"/>
-          <p:cNvCxnSpPr/>
-          <p:nvPr/>
-        </p:nvCxnSpPr>
-        <p:spPr>
-          <a:xfrm>
-            <a:off x="-95484" y="3135970"/>
-            <a:ext cx="3549795" cy="3919671"/>
-          </a:xfrm>
-          <a:prstGeom prst="line">
-            <a:avLst/>
-          </a:prstGeom>
-          <a:ln w="63500" cap="flat" cmpd="sng">
-            <a:solidFill>
-              <a:srgbClr val="E30000"/>
-            </a:solidFill>
-            <a:prstDash val="dash"/>
-          </a:ln>
-        </p:spPr>
-        <p:style>
-          <a:lnRef idx="1">
-            <a:schemeClr val="accent1"/>
-          </a:lnRef>
-          <a:fillRef idx="0">
-            <a:schemeClr val="accent1"/>
-          </a:fillRef>
-          <a:effectRef idx="0">
-            <a:schemeClr val="accent1"/>
-          </a:effectRef>
-          <a:fontRef idx="minor">
-            <a:schemeClr val="tx1"/>
-          </a:fontRef>
-        </p:style>
-      </p:cxnSp>
-      <p:sp>
-        <p:nvSpPr>
-          <p:cNvPr id="14" name="Rectangle 13"/>
-          <p:cNvSpPr/>
-          <p:nvPr/>
-        </p:nvSpPr>
-        <p:spPr>
-          <a:xfrm rot="2916533">
-            <a:off x="9842714" y="-1196194"/>
-            <a:ext cx="4436148" cy="3141882"/>
-          </a:xfrm>
-          <a:prstGeom prst="rect">
-            <a:avLst/>
-          </a:prstGeom>
-          <a:solidFill>
-            <a:srgbClr val="E10000"/>
-          </a:solidFill>
-          <a:ln>
-            <a:solidFill>
-              <a:srgbClr val="FF0000"/>
-            </a:solidFill>
-          </a:ln>
-        </p:spPr>
-        <p:style>
-          <a:lnRef idx="2">
-            <a:schemeClr val="accent1">
-              <a:shade val="50000"/>
-            </a:schemeClr>
-          </a:lnRef>
-          <a:fillRef idx="1">
-            <a:schemeClr val="accent1"/>
-          </a:fillRef>
-          <a:effectRef idx="0">
-            <a:schemeClr val="accent1"/>
-          </a:effectRef>
-          <a:fontRef idx="minor">
-            <a:schemeClr val="lt1"/>
-          </a:fontRef>
-        </p:style>
-        <p:txBody>
-          <a:bodyPr rtlCol="0" anchor="ctr"/>
-          <a:lstStyle/>
-          <a:p>
-            <a:pPr algn="ctr"/>
-            <a:endParaRPr lang="id-ID"/>
-          </a:p>
-        </p:txBody>
-      </p:sp>
-      <p:cxnSp>
-        <p:nvCxnSpPr>
-          <p:cNvPr id="15" name="Straight Connector 14"/>
-          <p:cNvCxnSpPr/>
-          <p:nvPr/>
-        </p:nvCxnSpPr>
-        <p:spPr>
-          <a:xfrm>
-            <a:off x="8969303" y="-177208"/>
-            <a:ext cx="3549795" cy="3919671"/>
-          </a:xfrm>
-          <a:prstGeom prst="line">
-            <a:avLst/>
-          </a:prstGeom>
-          <a:ln w="63500" cap="flat" cmpd="sng">
-            <a:solidFill>
-              <a:srgbClr val="E30000"/>
-            </a:solidFill>
-            <a:prstDash val="dash"/>
-          </a:ln>
-        </p:spPr>
-        <p:style>
-          <a:lnRef idx="1">
-            <a:schemeClr val="accent1"/>
-          </a:lnRef>
-          <a:fillRef idx="0">
-            <a:schemeClr val="accent1"/>
-          </a:fillRef>
-          <a:effectRef idx="0">
-            <a:schemeClr val="accent1"/>
-          </a:effectRef>
-          <a:fontRef idx="minor">
-            <a:schemeClr val="tx1"/>
-          </a:fontRef>
-        </p:style>
-      </p:cxnSp>
-      <p:pic>
-        <p:nvPicPr>
-          <p:cNvPr id="17" name="Picture 16">
-            <a:extLst>
-              <a:ext uri="{FF2B5EF4-FFF2-40B4-BE49-F238E27FC236}">
-                <a16:creationId xmlns:a16="http://schemas.microsoft.com/office/drawing/2014/main" id="{3F93FBFE-F74C-4B56-B6E6-ACF8050D28C9}"/>
-              </a:ext>
-            </a:extLst>
-          </p:cNvPr>
-          <p:cNvPicPr>
-            <a:picLocks noChangeAspect="1"/>
-          </p:cNvPicPr>
-          <p:nvPr/>
-        </p:nvPicPr>
-        <p:blipFill>
-          <a:blip r:embed="rId3" cstate="print">
-            <a:extLst>
-              <a:ext uri="{28A0092B-C50C-407E-A947-70E740481C1C}">
-                <a14:useLocalDpi xmlns:a14="http://schemas.microsoft.com/office/drawing/2010/main" val="0"/>
-              </a:ext>
-            </a:extLst>
-          </a:blip>
-          <a:stretch>
-            <a:fillRect/>
-          </a:stretch>
-        </p:blipFill>
-        <p:spPr>
-          <a:xfrm>
-            <a:off x="5002611" y="1681236"/>
-            <a:ext cx="2621869" cy="1494415"/>
-          </a:xfrm>
-          <a:prstGeom prst="rect">
-            <a:avLst/>
-          </a:prstGeom>
-        </p:spPr>
-      </p:pic>
-    </p:spTree>
-    <p:extLst>
-      <p:ext uri="{BB962C8B-B14F-4D97-AF65-F5344CB8AC3E}">
-        <p14:creationId xmlns:p14="http://schemas.microsoft.com/office/powerpoint/2010/main" val="3430682952"/>
-      </p:ext>
-    </p:extLst>
-  </p:cSld>
-  <p:clrMapOvr>
-    <a:masterClrMapping/>
-  </p:clrMapOvr>
-  <p:transition spd="slow">
-    <p:push dir="u"/>
-  </p:transition>
-  <p:timing>
-    <p:tnLst>
-      <p:par>
-        <p:cTn id="1" dur="indefinite" restart="never" nodeType="tmRoot">
-          <p:childTnLst>
-            <p:seq concurrent="1" nextAc="seek">
-              <p:cTn id="2" dur="indefinite" nodeType="mainSeq">
-                <p:childTnLst>
-                  <p:par>
-                    <p:cTn id="3" fill="hold">
-                      <p:stCondLst>
-                        <p:cond delay="indefinite"/>
-                        <p:cond evt="onBegin" delay="0">
-                          <p:tn val="2"/>
-                        </p:cond>
-                      </p:stCondLst>
-                      <p:childTnLst>
-                        <p:par>
-                          <p:cTn id="4" fill="hold">
-                            <p:stCondLst>
-                              <p:cond delay="0"/>
-                            </p:stCondLst>
-                            <p:childTnLst>
-                              <p:par>
-                                <p:cTn id="5" presetID="49" presetClass="entr" presetSubtype="0" decel="100000" fill="hold" grpId="0" nodeType="withEffect">
-                                  <p:stCondLst>
-                                    <p:cond delay="0"/>
-                                  </p:stCondLst>
-                                  <p:childTnLst>
-                                    <p:set>
-                                      <p:cBhvr>
-                                        <p:cTn id="6" dur="1" fill="hold">
-                                          <p:stCondLst>
-                                            <p:cond delay="0"/>
-                                          </p:stCondLst>
-                                        </p:cTn>
-                                        <p:tgtEl>
-                                          <p:spTgt spid="11"/>
-                                        </p:tgtEl>
-                                        <p:attrNameLst>
-                                          <p:attrName>style.visibility</p:attrName>
-                                        </p:attrNameLst>
-                                      </p:cBhvr>
-                                      <p:to>
-                                        <p:strVal val="visible"/>
-                                      </p:to>
-                                    </p:set>
-                                    <p:anim calcmode="lin" valueType="num">
-                                      <p:cBhvr>
-                                        <p:cTn id="7" dur="500" fill="hold"/>
-                                        <p:tgtEl>
-                                          <p:spTgt spid="11"/>
-                                        </p:tgtEl>
-                                        <p:attrNameLst>
-                                          <p:attrName>ppt_w</p:attrName>
-                                        </p:attrNameLst>
-                                      </p:cBhvr>
-                                      <p:tavLst>
-                                        <p:tav tm="0">
-                                          <p:val>
-                                            <p:fltVal val="0"/>
-                                          </p:val>
-                                        </p:tav>
-                                        <p:tav tm="100000">
-                                          <p:val>
-                                            <p:strVal val="#ppt_w"/>
-                                          </p:val>
-                                        </p:tav>
-                                      </p:tavLst>
-                                    </p:anim>
-                                    <p:anim calcmode="lin" valueType="num">
-                                      <p:cBhvr>
-                                        <p:cTn id="8" dur="500" fill="hold"/>
-                                        <p:tgtEl>
-                                          <p:spTgt spid="11"/>
-                                        </p:tgtEl>
-                                        <p:attrNameLst>
-                                          <p:attrName>ppt_h</p:attrName>
-                                        </p:attrNameLst>
-                                      </p:cBhvr>
-                                      <p:tavLst>
-                                        <p:tav tm="0">
-                                          <p:val>
-                                            <p:fltVal val="0"/>
-                                          </p:val>
-                                        </p:tav>
-                                        <p:tav tm="100000">
-                                          <p:val>
-                                            <p:strVal val="#ppt_h"/>
-                                          </p:val>
-                                        </p:tav>
-                                      </p:tavLst>
-                                    </p:anim>
-                                    <p:anim calcmode="lin" valueType="num">
-                                      <p:cBhvr>
-                                        <p:cTn id="9" dur="500" fill="hold"/>
-                                        <p:tgtEl>
-                                          <p:spTgt spid="11"/>
-                                        </p:tgtEl>
-                                        <p:attrNameLst>
-                                          <p:attrName>style.rotation</p:attrName>
-                                        </p:attrNameLst>
-                                      </p:cBhvr>
-                                      <p:tavLst>
-                                        <p:tav tm="0">
-                                          <p:val>
-                                            <p:fltVal val="360"/>
-                                          </p:val>
-                                        </p:tav>
-                                        <p:tav tm="100000">
-                                          <p:val>
-                                            <p:fltVal val="0"/>
-                                          </p:val>
-                                        </p:tav>
-                                      </p:tavLst>
-                                    </p:anim>
-                                    <p:animEffect transition="in" filter="fade">
-                                      <p:cBhvr>
-                                        <p:cTn id="10" dur="500"/>
-                                        <p:tgtEl>
-                                          <p:spTgt spid="11"/>
-                                        </p:tgtEl>
-                                      </p:cBhvr>
-                                    </p:animEffect>
-                                  </p:childTnLst>
-                                </p:cTn>
-                              </p:par>
-                              <p:par>
-                                <p:cTn id="11" presetID="49" presetClass="entr" presetSubtype="0" decel="100000" fill="hold" grpId="0" nodeType="withEffect">
-                                  <p:stCondLst>
-                                    <p:cond delay="0"/>
-                                  </p:stCondLst>
-                                  <p:childTnLst>
-                                    <p:set>
-                                      <p:cBhvr>
-                                        <p:cTn id="12" dur="1" fill="hold">
-                                          <p:stCondLst>
-                                            <p:cond delay="0"/>
-                                          </p:stCondLst>
-                                        </p:cTn>
-                                        <p:tgtEl>
-                                          <p:spTgt spid="7"/>
-                                        </p:tgtEl>
-                                        <p:attrNameLst>
-                                          <p:attrName>style.visibility</p:attrName>
-                                        </p:attrNameLst>
-                                      </p:cBhvr>
-                                      <p:to>
-                                        <p:strVal val="visible"/>
-                                      </p:to>
-                                    </p:set>
-                                    <p:anim calcmode="lin" valueType="num">
-                                      <p:cBhvr>
-                                        <p:cTn id="13" dur="500" fill="hold"/>
-                                        <p:tgtEl>
-                                          <p:spTgt spid="7"/>
-                                        </p:tgtEl>
-                                        <p:attrNameLst>
-                                          <p:attrName>ppt_w</p:attrName>
-                                        </p:attrNameLst>
-                                      </p:cBhvr>
-                                      <p:tavLst>
-                                        <p:tav tm="0">
-                                          <p:val>
-                                            <p:fltVal val="0"/>
-                                          </p:val>
-                                        </p:tav>
-                                        <p:tav tm="100000">
-                                          <p:val>
-                                            <p:strVal val="#ppt_w"/>
-                                          </p:val>
-                                        </p:tav>
-                                      </p:tavLst>
-                                    </p:anim>
-                                    <p:anim calcmode="lin" valueType="num">
-                                      <p:cBhvr>
-                                        <p:cTn id="14" dur="500" fill="hold"/>
-                                        <p:tgtEl>
-                                          <p:spTgt spid="7"/>
-                                        </p:tgtEl>
-                                        <p:attrNameLst>
-                                          <p:attrName>ppt_h</p:attrName>
-                                        </p:attrNameLst>
-                                      </p:cBhvr>
-                                      <p:tavLst>
-                                        <p:tav tm="0">
-                                          <p:val>
-                                            <p:fltVal val="0"/>
-                                          </p:val>
-                                        </p:tav>
-                                        <p:tav tm="100000">
-                                          <p:val>
-                                            <p:strVal val="#ppt_h"/>
-                                          </p:val>
-                                        </p:tav>
-                                      </p:tavLst>
-                                    </p:anim>
-                                    <p:anim calcmode="lin" valueType="num">
-                                      <p:cBhvr>
-                                        <p:cTn id="15" dur="500" fill="hold"/>
-                                        <p:tgtEl>
-                                          <p:spTgt spid="7"/>
-                                        </p:tgtEl>
-                                        <p:attrNameLst>
-                                          <p:attrName>style.rotation</p:attrName>
-                                        </p:attrNameLst>
-                                      </p:cBhvr>
-                                      <p:tavLst>
-                                        <p:tav tm="0">
-                                          <p:val>
-                                            <p:fltVal val="360"/>
-                                          </p:val>
-                                        </p:tav>
-                                        <p:tav tm="100000">
-                                          <p:val>
-                                            <p:fltVal val="0"/>
-                                          </p:val>
-                                        </p:tav>
-                                      </p:tavLst>
-                                    </p:anim>
-                                    <p:animEffect transition="in" filter="fade">
-                                      <p:cBhvr>
-                                        <p:cTn id="16" dur="500"/>
-                                        <p:tgtEl>
-                                          <p:spTgt spid="7"/>
-                                        </p:tgtEl>
-                                      </p:cBhvr>
-                                    </p:animEffect>
-                                  </p:childTnLst>
-                                </p:cTn>
-                              </p:par>
-                              <p:par>
-                                <p:cTn id="17" presetID="21" presetClass="entr" presetSubtype="1" repeatCount="indefinite" fill="hold" grpId="0" nodeType="withEffect">
-                                  <p:stCondLst>
-                                    <p:cond delay="0"/>
-                                  </p:stCondLst>
-                                  <p:childTnLst>
-                                    <p:set>
-                                      <p:cBhvr>
-                                        <p:cTn id="18" dur="1" fill="hold">
-                                          <p:stCondLst>
-                                            <p:cond delay="0"/>
-                                          </p:stCondLst>
-                                        </p:cTn>
-                                        <p:tgtEl>
-                                          <p:spTgt spid="12"/>
-                                        </p:tgtEl>
-                                        <p:attrNameLst>
-                                          <p:attrName>style.visibility</p:attrName>
-                                        </p:attrNameLst>
-                                      </p:cBhvr>
-                                      <p:to>
-                                        <p:strVal val="visible"/>
-                                      </p:to>
-                                    </p:set>
-                                    <p:animEffect transition="in" filter="wheel(1)">
-                                      <p:cBhvr>
-                                        <p:cTn id="19" dur="2000"/>
-                                        <p:tgtEl>
-                                          <p:spTgt spid="12"/>
-                                        </p:tgtEl>
-                                      </p:cBhvr>
-                                    </p:animEffect>
-                                  </p:childTnLst>
-                                </p:cTn>
-                              </p:par>
-                              <p:par>
-                                <p:cTn id="20" presetID="21" presetClass="entr" presetSubtype="1" repeatCount="indefinite" fill="hold" grpId="0" nodeType="withEffect">
-                                  <p:stCondLst>
-                                    <p:cond delay="0"/>
-                                  </p:stCondLst>
-                                  <p:childTnLst>
-                                    <p:set>
-                                      <p:cBhvr>
-                                        <p:cTn id="21" dur="1" fill="hold">
-                                          <p:stCondLst>
-                                            <p:cond delay="0"/>
-                                          </p:stCondLst>
-                                        </p:cTn>
-                                        <p:tgtEl>
-                                          <p:spTgt spid="10"/>
-                                        </p:tgtEl>
-                                        <p:attrNameLst>
-                                          <p:attrName>style.visibility</p:attrName>
-                                        </p:attrNameLst>
-                                      </p:cBhvr>
-                                      <p:to>
-                                        <p:strVal val="visible"/>
-                                      </p:to>
-                                    </p:set>
-                                    <p:animEffect transition="in" filter="wheel(1)">
-                                      <p:cBhvr>
-                                        <p:cTn id="22" dur="2000"/>
-                                        <p:tgtEl>
-                                          <p:spTgt spid="10"/>
-                                        </p:tgtEl>
-                                      </p:cBhvr>
-                                    </p:animEffect>
-                                  </p:childTnLst>
-                                </p:cTn>
-                              </p:par>
-                              <p:par>
-                                <p:cTn id="23" presetID="31" presetClass="entr" presetSubtype="0" fill="hold" nodeType="withEffect">
-                                  <p:stCondLst>
-                                    <p:cond delay="0"/>
-                                  </p:stCondLst>
-                                  <p:childTnLst>
-                                    <p:set>
-                                      <p:cBhvr>
-                                        <p:cTn id="24" dur="1" fill="hold">
-                                          <p:stCondLst>
-                                            <p:cond delay="0"/>
-                                          </p:stCondLst>
-                                        </p:cTn>
-                                        <p:tgtEl>
-                                          <p:spTgt spid="21"/>
-                                        </p:tgtEl>
-                                        <p:attrNameLst>
-                                          <p:attrName>style.visibility</p:attrName>
-                                        </p:attrNameLst>
-                                      </p:cBhvr>
-                                      <p:to>
-                                        <p:strVal val="visible"/>
-                                      </p:to>
-                                    </p:set>
-                                    <p:anim calcmode="lin" valueType="num">
-                                      <p:cBhvr>
-                                        <p:cTn id="25" dur="500" fill="hold"/>
-                                        <p:tgtEl>
-                                          <p:spTgt spid="21"/>
-                                        </p:tgtEl>
-                                        <p:attrNameLst>
-                                          <p:attrName>ppt_w</p:attrName>
-                                        </p:attrNameLst>
-                                      </p:cBhvr>
-                                      <p:tavLst>
-                                        <p:tav tm="0">
-                                          <p:val>
-                                            <p:fltVal val="0"/>
-                                          </p:val>
-                                        </p:tav>
-                                        <p:tav tm="100000">
-                                          <p:val>
-                                            <p:strVal val="#ppt_w"/>
-                                          </p:val>
-                                        </p:tav>
-                                      </p:tavLst>
-                                    </p:anim>
-                                    <p:anim calcmode="lin" valueType="num">
-                                      <p:cBhvr>
-                                        <p:cTn id="26" dur="500" fill="hold"/>
-                                        <p:tgtEl>
-                                          <p:spTgt spid="21"/>
-                                        </p:tgtEl>
-                                        <p:attrNameLst>
-                                          <p:attrName>ppt_h</p:attrName>
-                                        </p:attrNameLst>
-                                      </p:cBhvr>
-                                      <p:tavLst>
-                                        <p:tav tm="0">
-                                          <p:val>
-                                            <p:fltVal val="0"/>
-                                          </p:val>
-                                        </p:tav>
-                                        <p:tav tm="100000">
-                                          <p:val>
-                                            <p:strVal val="#ppt_h"/>
-                                          </p:val>
-                                        </p:tav>
-                                      </p:tavLst>
-                                    </p:anim>
-                                    <p:anim calcmode="lin" valueType="num">
-                                      <p:cBhvr>
-                                        <p:cTn id="27" dur="500" fill="hold"/>
-                                        <p:tgtEl>
-                                          <p:spTgt spid="21"/>
-                                        </p:tgtEl>
-                                        <p:attrNameLst>
-                                          <p:attrName>style.rotation</p:attrName>
-                                        </p:attrNameLst>
-                                      </p:cBhvr>
-                                      <p:tavLst>
-                                        <p:tav tm="0">
-                                          <p:val>
-                                            <p:fltVal val="90"/>
-                                          </p:val>
-                                        </p:tav>
-                                        <p:tav tm="100000">
-                                          <p:val>
-                                            <p:fltVal val="0"/>
-                                          </p:val>
-                                        </p:tav>
-                                      </p:tavLst>
-                                    </p:anim>
-                                    <p:animEffect transition="in" filter="fade">
-                                      <p:cBhvr>
-                                        <p:cTn id="28" dur="500"/>
-                                        <p:tgtEl>
-                                          <p:spTgt spid="21"/>
-                                        </p:tgtEl>
-                                      </p:cBhvr>
-                                    </p:animEffect>
-                                  </p:childTnLst>
-                                </p:cTn>
-                              </p:par>
-                              <p:par>
-                                <p:cTn id="29" presetID="31" presetClass="entr" presetSubtype="0" fill="hold" nodeType="withEffect">
-                                  <p:stCondLst>
-                                    <p:cond delay="0"/>
-                                  </p:stCondLst>
-                                  <p:childTnLst>
-                                    <p:set>
-                                      <p:cBhvr>
-                                        <p:cTn id="30" dur="1" fill="hold">
-                                          <p:stCondLst>
-                                            <p:cond delay="0"/>
-                                          </p:stCondLst>
-                                        </p:cTn>
-                                        <p:tgtEl>
-                                          <p:spTgt spid="20"/>
-                                        </p:tgtEl>
-                                        <p:attrNameLst>
-                                          <p:attrName>style.visibility</p:attrName>
-                                        </p:attrNameLst>
-                                      </p:cBhvr>
-                                      <p:to>
-                                        <p:strVal val="visible"/>
-                                      </p:to>
-                                    </p:set>
-                                    <p:anim calcmode="lin" valueType="num">
-                                      <p:cBhvr>
-                                        <p:cTn id="31" dur="500" fill="hold"/>
-                                        <p:tgtEl>
-                                          <p:spTgt spid="20"/>
-                                        </p:tgtEl>
-                                        <p:attrNameLst>
-                                          <p:attrName>ppt_w</p:attrName>
-                                        </p:attrNameLst>
-                                      </p:cBhvr>
-                                      <p:tavLst>
-                                        <p:tav tm="0">
-                                          <p:val>
-                                            <p:fltVal val="0"/>
-                                          </p:val>
-                                        </p:tav>
-                                        <p:tav tm="100000">
-                                          <p:val>
-                                            <p:strVal val="#ppt_w"/>
-                                          </p:val>
-                                        </p:tav>
-                                      </p:tavLst>
-                                    </p:anim>
-                                    <p:anim calcmode="lin" valueType="num">
-                                      <p:cBhvr>
-                                        <p:cTn id="32" dur="500" fill="hold"/>
-                                        <p:tgtEl>
-                                          <p:spTgt spid="20"/>
-                                        </p:tgtEl>
-                                        <p:attrNameLst>
-                                          <p:attrName>ppt_h</p:attrName>
-                                        </p:attrNameLst>
-                                      </p:cBhvr>
-                                      <p:tavLst>
-                                        <p:tav tm="0">
-                                          <p:val>
-                                            <p:fltVal val="0"/>
-                                          </p:val>
-                                        </p:tav>
-                                        <p:tav tm="100000">
-                                          <p:val>
-                                            <p:strVal val="#ppt_h"/>
-                                          </p:val>
-                                        </p:tav>
-                                      </p:tavLst>
-                                    </p:anim>
-                                    <p:anim calcmode="lin" valueType="num">
-                                      <p:cBhvr>
-                                        <p:cTn id="33" dur="500" fill="hold"/>
-                                        <p:tgtEl>
-                                          <p:spTgt spid="20"/>
-                                        </p:tgtEl>
-                                        <p:attrNameLst>
-                                          <p:attrName>style.rotation</p:attrName>
-                                        </p:attrNameLst>
-                                      </p:cBhvr>
-                                      <p:tavLst>
-                                        <p:tav tm="0">
-                                          <p:val>
-                                            <p:fltVal val="90"/>
-                                          </p:val>
-                                        </p:tav>
-                                        <p:tav tm="100000">
-                                          <p:val>
-                                            <p:fltVal val="0"/>
-                                          </p:val>
-                                        </p:tav>
-                                      </p:tavLst>
-                                    </p:anim>
-                                    <p:animEffect transition="in" filter="fade">
-                                      <p:cBhvr>
-                                        <p:cTn id="34" dur="500"/>
-                                        <p:tgtEl>
-                                          <p:spTgt spid="20"/>
-                                        </p:tgtEl>
-                                      </p:cBhvr>
-                                    </p:animEffect>
-                                  </p:childTnLst>
-                                </p:cTn>
-                              </p:par>
-                            </p:childTnLst>
-                          </p:cTn>
-                        </p:par>
-                      </p:childTnLst>
-                    </p:cTn>
-                  </p:par>
-                </p:childTnLst>
-              </p:cTn>
-              <p:prevCondLst>
-                <p:cond evt="onPrev" delay="0">
-                  <p:tgtEl>
-                    <p:sldTgt/>
-                  </p:tgtEl>
-                </p:cond>
-              </p:prevCondLst>
-              <p:nextCondLst>
-                <p:cond evt="onNext" delay="0">
-                  <p:tgtEl>
-                    <p:sldTgt/>
-                  </p:tgtEl>
-                </p:cond>
-              </p:nextCondLst>
-            </p:seq>
-          </p:childTnLst>
-        </p:cTn>
-      </p:par>
-    </p:tnLst>
-    <p:bldLst>
-      <p:bldP spid="12" grpId="0" animBg="1"/>
-      <p:bldP spid="10" grpId="0" animBg="1"/>
-      <p:bldP spid="11" grpId="0" animBg="1"/>
-      <p:bldP spid="7" grpId="0"/>
-    </p:bldLst>
-  </p:timing>
-</p:sld>
-</file>
-
 <file path=ppt/slides/slide3.xml><?xml version="1.0" encoding="utf-8"?>
 <p:sld xmlns:a="http://schemas.openxmlformats.org/drawingml/2006/main" xmlns:r="http://schemas.openxmlformats.org/officeDocument/2006/relationships" xmlns:p="http://schemas.openxmlformats.org/presentationml/2006/main">
   <p:cSld>
@@ -26272,8 +29762,8 @@
         </p:nvSpPr>
         <p:spPr>
           <a:xfrm>
-            <a:off x="533867" y="3443287"/>
-            <a:ext cx="11124264" cy="1815882"/>
+            <a:off x="532778" y="1656692"/>
+            <a:ext cx="11126443" cy="4832092"/>
           </a:xfrm>
           <a:prstGeom prst="rect">
             <a:avLst/>
@@ -26285,6 +29775,104 @@
             <a:spAutoFit/>
           </a:bodyPr>
           <a:lstStyle/>
+          <a:p>
+            <a:pPr algn="ctr"/>
+            <a:r>
+              <a:rPr lang="en-US" sz="2800" dirty="0">
+                <a:solidFill>
+                  <a:schemeClr val="bg1"/>
+                </a:solidFill>
+                <a:latin typeface="Segoe UI Semibold" panose="020B0702040204020203" pitchFamily="34" charset="0"/>
+                <a:cs typeface="Segoe UI Semibold" panose="020B0702040204020203" pitchFamily="34" charset="0"/>
+              </a:rPr>
+              <a:t>From the U.S. Small Business Administration dataset. </a:t>
+            </a:r>
+          </a:p>
+          <a:p>
+            <a:pPr algn="ctr"/>
+            <a:r>
+              <a:rPr lang="en-US" sz="2800" dirty="0">
+                <a:solidFill>
+                  <a:schemeClr val="bg1"/>
+                </a:solidFill>
+                <a:latin typeface="Segoe UI Semibold" panose="020B0702040204020203" pitchFamily="34" charset="0"/>
+                <a:cs typeface="Segoe UI Semibold" panose="020B0702040204020203" pitchFamily="34" charset="0"/>
+              </a:rPr>
+              <a:t>We can learn that around </a:t>
+            </a:r>
+            <a:r>
+              <a:rPr lang="en-US" sz="2800" dirty="0">
+                <a:solidFill>
+                  <a:srgbClr val="CC1A21"/>
+                </a:solidFill>
+                <a:latin typeface="Segoe UI Semibold" panose="020B0702040204020203" pitchFamily="34" charset="0"/>
+                <a:cs typeface="Segoe UI Semibold" panose="020B0702040204020203" pitchFamily="34" charset="0"/>
+              </a:rPr>
+              <a:t>17.6% of loans guaranteed by </a:t>
+            </a:r>
+          </a:p>
+          <a:p>
+            <a:pPr algn="ctr"/>
+            <a:r>
+              <a:rPr lang="en-US" sz="2800" dirty="0">
+                <a:solidFill>
+                  <a:srgbClr val="CC1A21"/>
+                </a:solidFill>
+                <a:latin typeface="Segoe UI Semibold" panose="020B0702040204020203" pitchFamily="34" charset="0"/>
+                <a:cs typeface="Segoe UI Semibold" panose="020B0702040204020203" pitchFamily="34" charset="0"/>
+              </a:rPr>
+              <a:t>the U.S. Small Business Administration have a financial problem. </a:t>
+            </a:r>
+          </a:p>
+          <a:p>
+            <a:pPr algn="ctr"/>
+            <a:r>
+              <a:rPr lang="en-US" sz="2800" dirty="0">
+                <a:solidFill>
+                  <a:schemeClr val="bg1"/>
+                </a:solidFill>
+                <a:latin typeface="Segoe UI Semibold" panose="020B0702040204020203" pitchFamily="34" charset="0"/>
+                <a:cs typeface="Segoe UI Semibold" panose="020B0702040204020203" pitchFamily="34" charset="0"/>
+              </a:rPr>
+              <a:t>If this condition happens with a big frequency and amount of loan,</a:t>
+            </a:r>
+          </a:p>
+          <a:p>
+            <a:pPr algn="ctr"/>
+            <a:r>
+              <a:rPr lang="en-US" sz="2800" dirty="0">
+                <a:solidFill>
+                  <a:schemeClr val="bg1"/>
+                </a:solidFill>
+                <a:latin typeface="Segoe UI Semibold" panose="020B0702040204020203" pitchFamily="34" charset="0"/>
+                <a:cs typeface="Segoe UI Semibold" panose="020B0702040204020203" pitchFamily="34" charset="0"/>
+              </a:rPr>
+              <a:t> it can make a big loss to SBA and the bank as a lender and lead to </a:t>
+            </a:r>
+          </a:p>
+          <a:p>
+            <a:pPr algn="ctr"/>
+            <a:r>
+              <a:rPr lang="en-US" sz="2800" dirty="0">
+                <a:solidFill>
+                  <a:schemeClr val="bg1"/>
+                </a:solidFill>
+                <a:latin typeface="Segoe UI Semibold" panose="020B0702040204020203" pitchFamily="34" charset="0"/>
+                <a:cs typeface="Segoe UI Semibold" panose="020B0702040204020203" pitchFamily="34" charset="0"/>
+              </a:rPr>
+              <a:t>bankruptcy to the institution.</a:t>
+            </a:r>
+          </a:p>
+          <a:p>
+            <a:pPr algn="ctr"/>
+            <a:endParaRPr lang="en-US" sz="2800" dirty="0">
+              <a:solidFill>
+                <a:srgbClr val="CC1A21"/>
+              </a:solidFill>
+              <a:latin typeface="Segoe UI Semibold" panose="020B0702040204020203" pitchFamily="34" charset="0"/>
+              <a:cs typeface="Segoe UI Semibold" panose="020B0702040204020203" pitchFamily="34" charset="0"/>
+            </a:endParaRPr>
+          </a:p>
           <a:p>
             <a:pPr algn="ctr"/>
             <a:r>
@@ -26318,7 +29906,27 @@
                 <a:latin typeface="Segoe UI Semibold" panose="020B0702040204020203" pitchFamily="34" charset="0"/>
                 <a:cs typeface="Segoe UI Semibold" panose="020B0702040204020203" pitchFamily="34" charset="0"/>
               </a:rPr>
-              <a:t>loans for Small Business Administration institutions by making </a:t>
+              <a:t>loans for </a:t>
+            </a:r>
+            <a:r>
+              <a:rPr lang="en-US" sz="2800" dirty="0" err="1">
+                <a:solidFill>
+                  <a:schemeClr val="bg1"/>
+                </a:solidFill>
+                <a:latin typeface="Segoe UI Semibold" panose="020B0702040204020203" pitchFamily="34" charset="0"/>
+                <a:cs typeface="Segoe UI Semibold" panose="020B0702040204020203" pitchFamily="34" charset="0"/>
+              </a:rPr>
+              <a:t>U.S.Small</a:t>
+            </a:r>
+            <a:r>
+              <a:rPr lang="en-US" sz="2800" dirty="0">
+                <a:solidFill>
+                  <a:schemeClr val="bg1"/>
+                </a:solidFill>
+                <a:latin typeface="Segoe UI Semibold" panose="020B0702040204020203" pitchFamily="34" charset="0"/>
+                <a:cs typeface="Segoe UI Semibold" panose="020B0702040204020203" pitchFamily="34" charset="0"/>
+              </a:rPr>
+              <a:t> Business Administration institutions by making </a:t>
             </a:r>
           </a:p>
           <a:p>
@@ -26367,7 +29975,7 @@
         </p:nvGrpSpPr>
         <p:grpSpPr>
           <a:xfrm>
-            <a:off x="197454" y="2103339"/>
+            <a:off x="246531" y="1656692"/>
             <a:ext cx="800534" cy="1300104"/>
             <a:chOff x="148144" y="2101812"/>
             <a:chExt cx="800534" cy="1300104"/>
@@ -26486,7 +30094,7 @@
         </p:nvGrpSpPr>
         <p:grpSpPr>
           <a:xfrm rot="10800000">
-            <a:off x="11088441" y="4625543"/>
+            <a:off x="10997649" y="5364205"/>
             <a:ext cx="874722" cy="1292739"/>
             <a:chOff x="56817" y="2051082"/>
             <a:chExt cx="874722" cy="1292739"/>
@@ -26658,6 +30266,9 @@
                     <p:cTn id="3" fill="hold">
                       <p:stCondLst>
                         <p:cond delay="indefinite"/>
+                        <p:cond evt="onBegin" delay="0">
+                          <p:tn val="2"/>
+                        </p:cond>
                       </p:stCondLst>
                       <p:childTnLst>
                         <p:par>
@@ -26667,7 +30278,7 @@
                             </p:stCondLst>
                             <p:childTnLst>
                               <p:par>
-                                <p:cTn id="5" presetID="10" presetClass="entr" presetSubtype="0" fill="hold" grpId="0" nodeType="clickEffect">
+                                <p:cTn id="5" presetID="10" presetClass="entr" presetSubtype="0" fill="hold" grpId="0" nodeType="afterEffect">
                                   <p:stCondLst>
                                     <p:cond delay="0"/>
                                   </p:stCondLst>
@@ -27910,6 +31521,110 @@
                                         <p:cTn id="34" dur="500"/>
                                         <p:tgtEl>
                                           <p:spTgt spid="20"/>
+                                        </p:tgtEl>
+                                      </p:cBhvr>
+                                    </p:animEffect>
+                                  </p:childTnLst>
+                                </p:cTn>
+                              </p:par>
+                              <p:par>
+                                <p:cTn id="35" presetID="49" presetClass="entr" presetSubtype="0" decel="100000" fill="hold" nodeType="withEffect">
+                                  <p:stCondLst>
+                                    <p:cond delay="0"/>
+                                  </p:stCondLst>
+                                  <p:childTnLst>
+                                    <p:set>
+                                      <p:cBhvr>
+                                        <p:cTn id="36" dur="1" fill="hold">
+                                          <p:stCondLst>
+                                            <p:cond delay="0"/>
+                                          </p:stCondLst>
+                                        </p:cTn>
+                                        <p:tgtEl>
+                                          <p:spTgt spid="17"/>
+                                        </p:tgtEl>
+                                        <p:attrNameLst>
+                                          <p:attrName>style.visibility</p:attrName>
+                                        </p:attrNameLst>
+                                      </p:cBhvr>
+                                      <p:to>
+                                        <p:strVal val="visible"/>
+                                      </p:to>
+                                    </p:set>
+                                    <p:anim calcmode="lin" valueType="num">
+                                      <p:cBhvr>
+                                        <p:cTn id="37" dur="500" fill="hold"/>
+                                        <p:tgtEl>
+                                          <p:spTgt spid="17"/>
+                                        </p:tgtEl>
+                                        <p:attrNameLst>
+                                          <p:attrName>ppt_w</p:attrName>
+                                        </p:attrNameLst>
+                                      </p:cBhvr>
+                                      <p:tavLst>
+                                        <p:tav tm="0">
+                                          <p:val>
+                                            <p:fltVal val="0"/>
+                                          </p:val>
+                                        </p:tav>
+                                        <p:tav tm="100000">
+                                          <p:val>
+                                            <p:strVal val="#ppt_w"/>
+                                          </p:val>
+                                        </p:tav>
+                                      </p:tavLst>
+                                    </p:anim>
+                                    <p:anim calcmode="lin" valueType="num">
+                                      <p:cBhvr>
+                                        <p:cTn id="38" dur="500" fill="hold"/>
+                                        <p:tgtEl>
+                                          <p:spTgt spid="17"/>
+                                        </p:tgtEl>
+                                        <p:attrNameLst>
+                                          <p:attrName>ppt_h</p:attrName>
+                                        </p:attrNameLst>
+                                      </p:cBhvr>
+                                      <p:tavLst>
+                                        <p:tav tm="0">
+                                          <p:val>
+                                            <p:fltVal val="0"/>
+                                          </p:val>
+                                        </p:tav>
+                                        <p:tav tm="100000">
+                                          <p:val>
+                                            <p:strVal val="#ppt_h"/>
+                                          </p:val>
+                                        </p:tav>
+                                      </p:tavLst>
+                                    </p:anim>
+                                    <p:anim calcmode="lin" valueType="num">
+                                      <p:cBhvr>
+                                        <p:cTn id="39" dur="500" fill="hold"/>
+                                        <p:tgtEl>
+                                          <p:spTgt spid="17"/>
+                                        </p:tgtEl>
+                                        <p:attrNameLst>
+                                          <p:attrName>style.rotation</p:attrName>
+                                        </p:attrNameLst>
+                                      </p:cBhvr>
+                                      <p:tavLst>
+                                        <p:tav tm="0">
+                                          <p:val>
+                                            <p:fltVal val="360"/>
+                                          </p:val>
+                                        </p:tav>
+                                        <p:tav tm="100000">
+                                          <p:val>
+                                            <p:fltVal val="0"/>
+                                          </p:val>
+                                        </p:tav>
+                                      </p:tavLst>
+                                    </p:anim>
+                                    <p:animEffect transition="in" filter="fade">
+                                      <p:cBhvr>
+                                        <p:cTn id="40" dur="500"/>
+                                        <p:tgtEl>
+                                          <p:spTgt spid="17"/>
                                         </p:tgtEl>
                                       </p:cBhvr>
                                     </p:animEffect>
@@ -31305,6 +35020,110 @@
                                         <p:cTn id="34" dur="500"/>
                                         <p:tgtEl>
                                           <p:spTgt spid="20"/>
+                                        </p:tgtEl>
+                                      </p:cBhvr>
+                                    </p:animEffect>
+                                  </p:childTnLst>
+                                </p:cTn>
+                              </p:par>
+                              <p:par>
+                                <p:cTn id="35" presetID="49" presetClass="entr" presetSubtype="0" decel="100000" fill="hold" nodeType="withEffect">
+                                  <p:stCondLst>
+                                    <p:cond delay="0"/>
+                                  </p:stCondLst>
+                                  <p:childTnLst>
+                                    <p:set>
+                                      <p:cBhvr>
+                                        <p:cTn id="36" dur="1" fill="hold">
+                                          <p:stCondLst>
+                                            <p:cond delay="0"/>
+                                          </p:stCondLst>
+                                        </p:cTn>
+                                        <p:tgtEl>
+                                          <p:spTgt spid="17"/>
+                                        </p:tgtEl>
+                                        <p:attrNameLst>
+                                          <p:attrName>style.visibility</p:attrName>
+                                        </p:attrNameLst>
+                                      </p:cBhvr>
+                                      <p:to>
+                                        <p:strVal val="visible"/>
+                                      </p:to>
+                                    </p:set>
+                                    <p:anim calcmode="lin" valueType="num">
+                                      <p:cBhvr>
+                                        <p:cTn id="37" dur="500" fill="hold"/>
+                                        <p:tgtEl>
+                                          <p:spTgt spid="17"/>
+                                        </p:tgtEl>
+                                        <p:attrNameLst>
+                                          <p:attrName>ppt_w</p:attrName>
+                                        </p:attrNameLst>
+                                      </p:cBhvr>
+                                      <p:tavLst>
+                                        <p:tav tm="0">
+                                          <p:val>
+                                            <p:fltVal val="0"/>
+                                          </p:val>
+                                        </p:tav>
+                                        <p:tav tm="100000">
+                                          <p:val>
+                                            <p:strVal val="#ppt_w"/>
+                                          </p:val>
+                                        </p:tav>
+                                      </p:tavLst>
+                                    </p:anim>
+                                    <p:anim calcmode="lin" valueType="num">
+                                      <p:cBhvr>
+                                        <p:cTn id="38" dur="500" fill="hold"/>
+                                        <p:tgtEl>
+                                          <p:spTgt spid="17"/>
+                                        </p:tgtEl>
+                                        <p:attrNameLst>
+                                          <p:attrName>ppt_h</p:attrName>
+                                        </p:attrNameLst>
+                                      </p:cBhvr>
+                                      <p:tavLst>
+                                        <p:tav tm="0">
+                                          <p:val>
+                                            <p:fltVal val="0"/>
+                                          </p:val>
+                                        </p:tav>
+                                        <p:tav tm="100000">
+                                          <p:val>
+                                            <p:strVal val="#ppt_h"/>
+                                          </p:val>
+                                        </p:tav>
+                                      </p:tavLst>
+                                    </p:anim>
+                                    <p:anim calcmode="lin" valueType="num">
+                                      <p:cBhvr>
+                                        <p:cTn id="39" dur="500" fill="hold"/>
+                                        <p:tgtEl>
+                                          <p:spTgt spid="17"/>
+                                        </p:tgtEl>
+                                        <p:attrNameLst>
+                                          <p:attrName>style.rotation</p:attrName>
+                                        </p:attrNameLst>
+                                      </p:cBhvr>
+                                      <p:tavLst>
+                                        <p:tav tm="0">
+                                          <p:val>
+                                            <p:fltVal val="360"/>
+                                          </p:val>
+                                        </p:tav>
+                                        <p:tav tm="100000">
+                                          <p:val>
+                                            <p:fltVal val="0"/>
+                                          </p:val>
+                                        </p:tav>
+                                      </p:tavLst>
+                                    </p:anim>
+                                    <p:animEffect transition="in" filter="fade">
+                                      <p:cBhvr>
+                                        <p:cTn id="40" dur="500"/>
+                                        <p:tgtEl>
+                                          <p:spTgt spid="17"/>
                                         </p:tgtEl>
                                       </p:cBhvr>
                                     </p:animEffect>
@@ -38360,26 +42179,7 @@
                 <a:ea typeface="Segoe UI Black" panose="020B0A02040204020203" pitchFamily="34" charset="0"/>
                 <a:cs typeface="Segoe UI Black" panose="020B0A02040204020203" pitchFamily="34" charset="0"/>
               </a:rPr>
-              <a:t>Chosen </a:t>
-            </a:r>
-            <a:r>
-              <a:rPr lang="en-US" sz="3200" dirty="0" err="1">
-                <a:ln w="0"/>
-                <a:solidFill>
-                  <a:srgbClr val="262E69"/>
-                </a:solidFill>
-                <a:effectLst>
-                  <a:outerShdw blurRad="38100" dist="19050" dir="2700000" algn="tl" rotWithShape="0">
-                    <a:schemeClr val="dk1">
-                      <a:alpha val="40000"/>
-                    </a:schemeClr>
-                  </a:outerShdw>
-                </a:effectLst>
-                <a:latin typeface="Segoe UI Black" panose="020B0A02040204020203" pitchFamily="34" charset="0"/>
-                <a:ea typeface="Segoe UI Black" panose="020B0A02040204020203" pitchFamily="34" charset="0"/>
-                <a:cs typeface="Segoe UI Black" panose="020B0A02040204020203" pitchFamily="34" charset="0"/>
-              </a:rPr>
-              <a:t>Alogorithm</a:t>
+              <a:t>Chosen Algorithm</a:t>
             </a:r>
             <a:endParaRPr lang="id-ID" sz="3200" dirty="0">
               <a:ln w="0"/>
